--- a/Presentation.pptx
+++ b/Presentation.pptx
@@ -1,50 +1,50 @@
 
 <file path=ppt/presentation.xml><?xml version="1.0" encoding="utf-8"?>
-<p:presentation xmlns:a="http://schemas.openxmlformats.org/drawingml/2006/main" xmlns:r="http://schemas.openxmlformats.org/officeDocument/2006/relationships" xmlns:mc="http://schemas.openxmlformats.org/markup-compatibility/2006" xmlns:mv="urn:schemas-microsoft-com:mac:vml" xmlns:p="http://schemas.openxmlformats.org/presentationml/2006/main" xmlns:c="http://schemas.openxmlformats.org/drawingml/2006/chart" xmlns:dgm="http://schemas.openxmlformats.org/drawingml/2006/diagram" xmlns:o="urn:schemas-microsoft-com:office:office" xmlns:v="urn:schemas-microsoft-com:vml" xmlns:pvml="urn:schemas-microsoft-com:office:powerpoint" xmlns:com="http://schemas.openxmlformats.org/drawingml/2006/compatibility" xmlns:p14="http://schemas.microsoft.com/office/powerpoint/2010/main" autoCompressPictures="0" embedTrueTypeFonts="1" strictFirstAndLastChars="0" saveSubsetFonts="1">
+<p:presentation xmlns:a="http://schemas.openxmlformats.org/drawingml/2006/main" xmlns:r="http://schemas.openxmlformats.org/officeDocument/2006/relationships" xmlns:p="http://schemas.openxmlformats.org/presentationml/2006/main" strictFirstAndLastChars="0" embedTrueTypeFonts="1" saveSubsetFonts="1" autoCompressPictures="0">
   <p:sldMasterIdLst>
-    <p:sldMasterId id="2147483656" r:id="rId3"/>
+    <p:sldMasterId id="2147483656" r:id="rId1"/>
   </p:sldMasterIdLst>
   <p:notesMasterIdLst>
-    <p:notesMasterId r:id="rId4"/>
+    <p:notesMasterId r:id="rId14"/>
   </p:notesMasterIdLst>
   <p:sldIdLst>
-    <p:sldId id="256" r:id="rId5"/>
-    <p:sldId id="257" r:id="rId6"/>
-    <p:sldId id="258" r:id="rId7"/>
-    <p:sldId id="259" r:id="rId8"/>
-    <p:sldId id="260" r:id="rId9"/>
-    <p:sldId id="261" r:id="rId10"/>
-    <p:sldId id="262" r:id="rId11"/>
-    <p:sldId id="263" r:id="rId12"/>
-    <p:sldId id="264" r:id="rId13"/>
-    <p:sldId id="265" r:id="rId14"/>
-    <p:sldId id="266" r:id="rId15"/>
-    <p:sldId id="267" r:id="rId16"/>
+    <p:sldId id="256" r:id="rId2"/>
+    <p:sldId id="257" r:id="rId3"/>
+    <p:sldId id="258" r:id="rId4"/>
+    <p:sldId id="259" r:id="rId5"/>
+    <p:sldId id="260" r:id="rId6"/>
+    <p:sldId id="261" r:id="rId7"/>
+    <p:sldId id="262" r:id="rId8"/>
+    <p:sldId id="263" r:id="rId9"/>
+    <p:sldId id="264" r:id="rId10"/>
+    <p:sldId id="265" r:id="rId11"/>
+    <p:sldId id="266" r:id="rId12"/>
+    <p:sldId id="267" r:id="rId13"/>
   </p:sldIdLst>
-  <p:sldSz cy="5143500" cx="9144000"/>
+  <p:sldSz cx="9144000" cy="5143500" type="screen16x9"/>
   <p:notesSz cx="6858000" cy="9144000"/>
   <p:embeddedFontLst>
     <p:embeddedFont>
-      <p:font typeface="Muli"/>
-      <p:regular r:id="rId17"/>
-      <p:bold r:id="rId18"/>
-      <p:italic r:id="rId19"/>
-      <p:boldItalic r:id="rId20"/>
+      <p:font typeface="Calibri" panose="020F0502020204030204" pitchFamily="34" charset="0"/>
+      <p:regular r:id="rId15"/>
+      <p:bold r:id="rId16"/>
+      <p:italic r:id="rId17"/>
+      <p:boldItalic r:id="rId18"/>
     </p:embeddedFont>
     <p:embeddedFont>
-      <p:font typeface="Muli SemiBold"/>
-      <p:regular r:id="rId21"/>
-      <p:bold r:id="rId22"/>
-      <p:italic r:id="rId23"/>
-      <p:boldItalic r:id="rId24"/>
+      <p:font typeface="Questrial" panose="020B0604020202020204" charset="0"/>
+      <p:regular r:id="rId19"/>
     </p:embeddedFont>
     <p:embeddedFont>
-      <p:font typeface="Questrial"/>
-      <p:regular r:id="rId25"/>
+      <p:font typeface="Muli" panose="020B0604020202020204" charset="0"/>
+      <p:regular r:id="rId20"/>
+      <p:bold r:id="rId21"/>
+      <p:italic r:id="rId22"/>
+      <p:boldItalic r:id="rId23"/>
     </p:embeddedFont>
   </p:embeddedFontLst>
   <p:defaultTextStyle>
-    <a:defPPr lvl="0" marR="0" rtl="0" algn="l">
+    <a:defPPr marR="0" lvl="0" algn="l" rtl="0">
       <a:lnSpc>
         <a:spcPct val="100000"/>
       </a:lnSpc>
@@ -55,7 +55,7 @@
         <a:spcPts val="0"/>
       </a:spcAft>
     </a:defPPr>
-    <a:lvl1pPr lvl="0" marR="0" rtl="0" algn="l">
+    <a:lvl1pPr marR="0" lvl="0" algn="l" rtl="0">
       <a:lnSpc>
         <a:spcPct val="100000"/>
       </a:lnSpc>
@@ -66,7 +66,7 @@
         <a:spcPts val="0"/>
       </a:spcAft>
       <a:buNone/>
-      <a:defRPr b="0" i="0" sz="1400" u="none" cap="none" strike="noStrike">
+      <a:defRPr sz="1400" b="0" i="0" u="none" strike="noStrike" cap="none">
         <a:solidFill>
           <a:srgbClr val="000000"/>
         </a:solidFill>
@@ -76,7 +76,7 @@
         <a:sym typeface="Arial"/>
       </a:defRPr>
     </a:lvl1pPr>
-    <a:lvl2pPr lvl="1" marR="0" rtl="0" algn="l">
+    <a:lvl2pPr marR="0" lvl="1" algn="l" rtl="0">
       <a:lnSpc>
         <a:spcPct val="100000"/>
       </a:lnSpc>
@@ -87,7 +87,7 @@
         <a:spcPts val="0"/>
       </a:spcAft>
       <a:buNone/>
-      <a:defRPr b="0" i="0" sz="1400" u="none" cap="none" strike="noStrike">
+      <a:defRPr sz="1400" b="0" i="0" u="none" strike="noStrike" cap="none">
         <a:solidFill>
           <a:srgbClr val="000000"/>
         </a:solidFill>
@@ -97,7 +97,7 @@
         <a:sym typeface="Arial"/>
       </a:defRPr>
     </a:lvl2pPr>
-    <a:lvl3pPr lvl="2" marR="0" rtl="0" algn="l">
+    <a:lvl3pPr marR="0" lvl="2" algn="l" rtl="0">
       <a:lnSpc>
         <a:spcPct val="100000"/>
       </a:lnSpc>
@@ -108,7 +108,7 @@
         <a:spcPts val="0"/>
       </a:spcAft>
       <a:buNone/>
-      <a:defRPr b="0" i="0" sz="1400" u="none" cap="none" strike="noStrike">
+      <a:defRPr sz="1400" b="0" i="0" u="none" strike="noStrike" cap="none">
         <a:solidFill>
           <a:srgbClr val="000000"/>
         </a:solidFill>
@@ -118,7 +118,7 @@
         <a:sym typeface="Arial"/>
       </a:defRPr>
     </a:lvl3pPr>
-    <a:lvl4pPr lvl="3" marR="0" rtl="0" algn="l">
+    <a:lvl4pPr marR="0" lvl="3" algn="l" rtl="0">
       <a:lnSpc>
         <a:spcPct val="100000"/>
       </a:lnSpc>
@@ -129,7 +129,7 @@
         <a:spcPts val="0"/>
       </a:spcAft>
       <a:buNone/>
-      <a:defRPr b="0" i="0" sz="1400" u="none" cap="none" strike="noStrike">
+      <a:defRPr sz="1400" b="0" i="0" u="none" strike="noStrike" cap="none">
         <a:solidFill>
           <a:srgbClr val="000000"/>
         </a:solidFill>
@@ -139,7 +139,7 @@
         <a:sym typeface="Arial"/>
       </a:defRPr>
     </a:lvl4pPr>
-    <a:lvl5pPr lvl="4" marR="0" rtl="0" algn="l">
+    <a:lvl5pPr marR="0" lvl="4" algn="l" rtl="0">
       <a:lnSpc>
         <a:spcPct val="100000"/>
       </a:lnSpc>
@@ -150,7 +150,7 @@
         <a:spcPts val="0"/>
       </a:spcAft>
       <a:buNone/>
-      <a:defRPr b="0" i="0" sz="1400" u="none" cap="none" strike="noStrike">
+      <a:defRPr sz="1400" b="0" i="0" u="none" strike="noStrike" cap="none">
         <a:solidFill>
           <a:srgbClr val="000000"/>
         </a:solidFill>
@@ -160,7 +160,7 @@
         <a:sym typeface="Arial"/>
       </a:defRPr>
     </a:lvl5pPr>
-    <a:lvl6pPr lvl="5" marR="0" rtl="0" algn="l">
+    <a:lvl6pPr marR="0" lvl="5" algn="l" rtl="0">
       <a:lnSpc>
         <a:spcPct val="100000"/>
       </a:lnSpc>
@@ -171,7 +171,7 @@
         <a:spcPts val="0"/>
       </a:spcAft>
       <a:buNone/>
-      <a:defRPr b="0" i="0" sz="1400" u="none" cap="none" strike="noStrike">
+      <a:defRPr sz="1400" b="0" i="0" u="none" strike="noStrike" cap="none">
         <a:solidFill>
           <a:srgbClr val="000000"/>
         </a:solidFill>
@@ -181,7 +181,7 @@
         <a:sym typeface="Arial"/>
       </a:defRPr>
     </a:lvl6pPr>
-    <a:lvl7pPr lvl="6" marR="0" rtl="0" algn="l">
+    <a:lvl7pPr marR="0" lvl="6" algn="l" rtl="0">
       <a:lnSpc>
         <a:spcPct val="100000"/>
       </a:lnSpc>
@@ -192,7 +192,7 @@
         <a:spcPts val="0"/>
       </a:spcAft>
       <a:buNone/>
-      <a:defRPr b="0" i="0" sz="1400" u="none" cap="none" strike="noStrike">
+      <a:defRPr sz="1400" b="0" i="0" u="none" strike="noStrike" cap="none">
         <a:solidFill>
           <a:srgbClr val="000000"/>
         </a:solidFill>
@@ -202,7 +202,7 @@
         <a:sym typeface="Arial"/>
       </a:defRPr>
     </a:lvl7pPr>
-    <a:lvl8pPr lvl="7" marR="0" rtl="0" algn="l">
+    <a:lvl8pPr marR="0" lvl="7" algn="l" rtl="0">
       <a:lnSpc>
         <a:spcPct val="100000"/>
       </a:lnSpc>
@@ -213,7 +213,7 @@
         <a:spcPts val="0"/>
       </a:spcAft>
       <a:buNone/>
-      <a:defRPr b="0" i="0" sz="1400" u="none" cap="none" strike="noStrike">
+      <a:defRPr sz="1400" b="0" i="0" u="none" strike="noStrike" cap="none">
         <a:solidFill>
           <a:srgbClr val="000000"/>
         </a:solidFill>
@@ -223,7 +223,7 @@
         <a:sym typeface="Arial"/>
       </a:defRPr>
     </a:lvl8pPr>
-    <a:lvl9pPr lvl="8" marR="0" rtl="0" algn="l">
+    <a:lvl9pPr marR="0" lvl="8" algn="l" rtl="0">
       <a:lnSpc>
         <a:spcPct val="100000"/>
       </a:lnSpc>
@@ -234,7 +234,7 @@
         <a:spcPts val="0"/>
       </a:spcAft>
       <a:buNone/>
-      <a:defRPr b="0" i="0" sz="1400" u="none" cap="none" strike="noStrike">
+      <a:defRPr sz="1400" b="0" i="0" u="none" strike="noStrike" cap="none">
         <a:solidFill>
           <a:srgbClr val="000000"/>
         </a:solidFill>
@@ -248,12 +248,21 @@
 </p:presentation>
 </file>
 
+<file path=ppt/revisionInfo.xml><?xml version="1.0" encoding="utf-8"?>
+<p1510:revInfo xmlns:a="http://schemas.openxmlformats.org/drawingml/2006/main" xmlns:r="http://schemas.openxmlformats.org/officeDocument/2006/relationships" xmlns:p1510="http://schemas.microsoft.com/office/powerpoint/2015/10/main"/>
+</file>
+
 <file path=ppt/notesMasters/notesMaster1.xml><?xml version="1.0" encoding="utf-8"?>
-<p:notesMaster xmlns:a="http://schemas.openxmlformats.org/drawingml/2006/main" xmlns:r="http://schemas.openxmlformats.org/officeDocument/2006/relationships" xmlns:mc="http://schemas.openxmlformats.org/markup-compatibility/2006" xmlns:mv="urn:schemas-microsoft-com:mac:vml" xmlns:p="http://schemas.openxmlformats.org/presentationml/2006/main" xmlns:c="http://schemas.openxmlformats.org/drawingml/2006/chart" xmlns:dgm="http://schemas.openxmlformats.org/drawingml/2006/diagram" xmlns:o="urn:schemas-microsoft-com:office:office" xmlns:v="urn:schemas-microsoft-com:vml" xmlns:pvml="urn:schemas-microsoft-com:office:powerpoint" xmlns:com="http://schemas.openxmlformats.org/drawingml/2006/compatibility" xmlns:p14="http://schemas.microsoft.com/office/powerpoint/2010/main">
+<p:notesMaster xmlns:a="http://schemas.openxmlformats.org/drawingml/2006/main" xmlns:r="http://schemas.openxmlformats.org/officeDocument/2006/relationships" xmlns:p="http://schemas.openxmlformats.org/presentationml/2006/main">
   <p:cSld>
+    <p:bg>
+      <p:bgRef idx="1001">
+        <a:schemeClr val="bg1"/>
+      </p:bgRef>
+    </p:bg>
     <p:spTree>
       <p:nvGrpSpPr>
-        <p:cNvPr id="2" name="Shape 2"/>
+        <p:cNvPr id="1" name="Shape 2"/>
         <p:cNvGrpSpPr/>
         <p:nvPr/>
       </p:nvGrpSpPr>
@@ -268,9 +277,11 @@
       <p:sp>
         <p:nvSpPr>
           <p:cNvPr id="3" name="Shape 3"/>
-          <p:cNvSpPr/>
+          <p:cNvSpPr>
+            <a:spLocks noGrp="1" noRot="1" noChangeAspect="1"/>
+          </p:cNvSpPr>
           <p:nvPr>
-            <p:ph idx="2" type="sldImg"/>
+            <p:ph type="sldImg" idx="2"/>
           </p:nvPr>
         </p:nvSpPr>
         <p:spPr>
@@ -279,8 +290,13 @@
             <a:ext cx="6096075" cy="3429000"/>
           </a:xfrm>
           <a:custGeom>
+            <a:avLst/>
+            <a:gdLst/>
+            <a:ahLst/>
+            <a:cxnLst/>
+            <a:rect l="0" t="0" r="0" b="0"/>
             <a:pathLst>
-              <a:path extrusionOk="0" h="120000" w="120000">
+              <a:path w="120000" h="120000" extrusionOk="0">
                 <a:moveTo>
                   <a:pt x="0" y="0"/>
                 </a:moveTo>
@@ -298,23 +314,25 @@
             </a:pathLst>
           </a:custGeom>
           <a:noFill/>
-          <a:ln cap="flat" cmpd="sng" w="9525">
+          <a:ln w="9525" cap="flat" cmpd="sng">
             <a:solidFill>
               <a:srgbClr val="000000"/>
             </a:solidFill>
             <a:prstDash val="solid"/>
             <a:round/>
-            <a:headEnd len="med" w="med" type="none"/>
-            <a:tailEnd len="med" w="med" type="none"/>
+            <a:headEnd type="none" w="med" len="med"/>
+            <a:tailEnd type="none" w="med" len="med"/>
           </a:ln>
         </p:spPr>
       </p:sp>
       <p:sp>
         <p:nvSpPr>
           <p:cNvPr id="4" name="Shape 4"/>
-          <p:cNvSpPr txBox="1"/>
+          <p:cNvSpPr txBox="1">
+            <a:spLocks noGrp="1"/>
+          </p:cNvSpPr>
           <p:nvPr>
-            <p:ph idx="1" type="body"/>
+            <p:ph type="body" idx="1"/>
           </p:nvPr>
         </p:nvSpPr>
         <p:spPr>
@@ -331,7 +349,7 @@
           </a:ln>
         </p:spPr>
         <p:txBody>
-          <a:bodyPr anchorCtr="0" anchor="t" bIns="91425" lIns="91425" rIns="91425" tIns="91425"/>
+          <a:bodyPr lIns="91425" tIns="91425" rIns="91425" bIns="91425" anchor="t" anchorCtr="0"/>
           <a:lstStyle>
             <a:lvl1pPr lvl="0">
               <a:spcBef>
@@ -388,21 +406,115 @@
               <a:defRPr sz="1100"/>
             </a:lvl9pPr>
           </a:lstStyle>
-          <a:p/>
+          <a:p>
+            <a:endParaRPr/>
+          </a:p>
         </p:txBody>
       </p:sp>
     </p:spTree>
   </p:cSld>
-  <p:clrMap accent1="accent1" accent2="accent2" accent3="accent3" accent4="accent4" accent5="accent5" accent6="accent6" bg1="lt1" bg2="dk2" tx1="dk1" tx2="lt2" folHlink="folHlink" hlink="hlink"/>
+  <p:clrMap bg1="lt1" tx1="dk1" bg2="dk2" tx2="lt2" accent1="accent1" accent2="accent2" accent3="accent3" accent4="accent4" accent5="accent5" accent6="accent6" hlink="hlink" folHlink="folHlink"/>
+  <p:notesStyle>
+    <a:lvl1pPr marL="0" algn="l" defTabSz="914400" rtl="0" eaLnBrk="1" latinLnBrk="0" hangingPunct="1">
+      <a:defRPr sz="1200" kern="1200">
+        <a:solidFill>
+          <a:schemeClr val="tx1"/>
+        </a:solidFill>
+        <a:latin typeface="+mn-lt"/>
+        <a:ea typeface="+mn-ea"/>
+        <a:cs typeface="+mn-cs"/>
+      </a:defRPr>
+    </a:lvl1pPr>
+    <a:lvl2pPr marL="457200" algn="l" defTabSz="914400" rtl="0" eaLnBrk="1" latinLnBrk="0" hangingPunct="1">
+      <a:defRPr sz="1200" kern="1200">
+        <a:solidFill>
+          <a:schemeClr val="tx1"/>
+        </a:solidFill>
+        <a:latin typeface="+mn-lt"/>
+        <a:ea typeface="+mn-ea"/>
+        <a:cs typeface="+mn-cs"/>
+      </a:defRPr>
+    </a:lvl2pPr>
+    <a:lvl3pPr marL="914400" algn="l" defTabSz="914400" rtl="0" eaLnBrk="1" latinLnBrk="0" hangingPunct="1">
+      <a:defRPr sz="1200" kern="1200">
+        <a:solidFill>
+          <a:schemeClr val="tx1"/>
+        </a:solidFill>
+        <a:latin typeface="+mn-lt"/>
+        <a:ea typeface="+mn-ea"/>
+        <a:cs typeface="+mn-cs"/>
+      </a:defRPr>
+    </a:lvl3pPr>
+    <a:lvl4pPr marL="1371600" algn="l" defTabSz="914400" rtl="0" eaLnBrk="1" latinLnBrk="0" hangingPunct="1">
+      <a:defRPr sz="1200" kern="1200">
+        <a:solidFill>
+          <a:schemeClr val="tx1"/>
+        </a:solidFill>
+        <a:latin typeface="+mn-lt"/>
+        <a:ea typeface="+mn-ea"/>
+        <a:cs typeface="+mn-cs"/>
+      </a:defRPr>
+    </a:lvl4pPr>
+    <a:lvl5pPr marL="1828800" algn="l" defTabSz="914400" rtl="0" eaLnBrk="1" latinLnBrk="0" hangingPunct="1">
+      <a:defRPr sz="1200" kern="1200">
+        <a:solidFill>
+          <a:schemeClr val="tx1"/>
+        </a:solidFill>
+        <a:latin typeface="+mn-lt"/>
+        <a:ea typeface="+mn-ea"/>
+        <a:cs typeface="+mn-cs"/>
+      </a:defRPr>
+    </a:lvl5pPr>
+    <a:lvl6pPr marL="2286000" algn="l" defTabSz="914400" rtl="0" eaLnBrk="1" latinLnBrk="0" hangingPunct="1">
+      <a:defRPr sz="1200" kern="1200">
+        <a:solidFill>
+          <a:schemeClr val="tx1"/>
+        </a:solidFill>
+        <a:latin typeface="+mn-lt"/>
+        <a:ea typeface="+mn-ea"/>
+        <a:cs typeface="+mn-cs"/>
+      </a:defRPr>
+    </a:lvl6pPr>
+    <a:lvl7pPr marL="2743200" algn="l" defTabSz="914400" rtl="0" eaLnBrk="1" latinLnBrk="0" hangingPunct="1">
+      <a:defRPr sz="1200" kern="1200">
+        <a:solidFill>
+          <a:schemeClr val="tx1"/>
+        </a:solidFill>
+        <a:latin typeface="+mn-lt"/>
+        <a:ea typeface="+mn-ea"/>
+        <a:cs typeface="+mn-cs"/>
+      </a:defRPr>
+    </a:lvl7pPr>
+    <a:lvl8pPr marL="3200400" algn="l" defTabSz="914400" rtl="0" eaLnBrk="1" latinLnBrk="0" hangingPunct="1">
+      <a:defRPr sz="1200" kern="1200">
+        <a:solidFill>
+          <a:schemeClr val="tx1"/>
+        </a:solidFill>
+        <a:latin typeface="+mn-lt"/>
+        <a:ea typeface="+mn-ea"/>
+        <a:cs typeface="+mn-cs"/>
+      </a:defRPr>
+    </a:lvl8pPr>
+    <a:lvl9pPr marL="3657600" algn="l" defTabSz="914400" rtl="0" eaLnBrk="1" latinLnBrk="0" hangingPunct="1">
+      <a:defRPr sz="1200" kern="1200">
+        <a:solidFill>
+          <a:schemeClr val="tx1"/>
+        </a:solidFill>
+        <a:latin typeface="+mn-lt"/>
+        <a:ea typeface="+mn-ea"/>
+        <a:cs typeface="+mn-cs"/>
+      </a:defRPr>
+    </a:lvl9pPr>
+  </p:notesStyle>
 </p:notesMaster>
 </file>
 
 <file path=ppt/notesSlides/notesSlide1.xml><?xml version="1.0" encoding="utf-8"?>
-<p:notes xmlns:a="http://schemas.openxmlformats.org/drawingml/2006/main" xmlns:r="http://schemas.openxmlformats.org/officeDocument/2006/relationships" xmlns:mc="http://schemas.openxmlformats.org/markup-compatibility/2006" xmlns:mv="urn:schemas-microsoft-com:mac:vml" xmlns:p="http://schemas.openxmlformats.org/presentationml/2006/main" xmlns:c="http://schemas.openxmlformats.org/drawingml/2006/chart" xmlns:dgm="http://schemas.openxmlformats.org/drawingml/2006/diagram" xmlns:o="urn:schemas-microsoft-com:office:office" xmlns:v="urn:schemas-microsoft-com:vml" xmlns:pvml="urn:schemas-microsoft-com:office:powerpoint" xmlns:com="http://schemas.openxmlformats.org/drawingml/2006/compatibility" xmlns:p14="http://schemas.microsoft.com/office/powerpoint/2010/main" showMasterPhAnim="0" showMasterSp="0">
+<p:notes xmlns:a="http://schemas.openxmlformats.org/drawingml/2006/main" xmlns:r="http://schemas.openxmlformats.org/officeDocument/2006/relationships" xmlns:p="http://schemas.openxmlformats.org/presentationml/2006/main" showMasterSp="0" showMasterPhAnim="0">
   <p:cSld>
     <p:spTree>
       <p:nvGrpSpPr>
-        <p:cNvPr id="53" name="Shape 53"/>
+        <p:cNvPr id="1" name="Shape 53"/>
         <p:cNvGrpSpPr/>
         <p:nvPr/>
       </p:nvGrpSpPr>
@@ -417,19 +529,26 @@
       <p:sp>
         <p:nvSpPr>
           <p:cNvPr id="54" name="Shape 54"/>
-          <p:cNvSpPr/>
+          <p:cNvSpPr>
+            <a:spLocks noGrp="1" noRot="1" noChangeAspect="1"/>
+          </p:cNvSpPr>
           <p:nvPr>
-            <p:ph idx="2" type="sldImg"/>
+            <p:ph type="sldImg" idx="2"/>
           </p:nvPr>
         </p:nvSpPr>
         <p:spPr>
           <a:xfrm>
-            <a:off x="381300" y="685800"/>
-            <a:ext cx="6096075" cy="3429000"/>
+            <a:off x="381000" y="685800"/>
+            <a:ext cx="6096000" cy="3429000"/>
           </a:xfrm>
           <a:custGeom>
+            <a:avLst/>
+            <a:gdLst/>
+            <a:ahLst/>
+            <a:cxnLst/>
+            <a:rect l="0" t="0" r="0" b="0"/>
             <a:pathLst>
-              <a:path extrusionOk="0" h="120000" w="120000">
+              <a:path w="120000" h="120000" extrusionOk="0">
                 <a:moveTo>
                   <a:pt x="0" y="0"/>
                 </a:moveTo>
@@ -451,9 +570,11 @@
       <p:sp>
         <p:nvSpPr>
           <p:cNvPr id="55" name="Shape 55"/>
-          <p:cNvSpPr txBox="1"/>
+          <p:cNvSpPr txBox="1">
+            <a:spLocks noGrp="1"/>
+          </p:cNvSpPr>
           <p:nvPr>
-            <p:ph idx="1" type="body"/>
+            <p:ph type="body" idx="1"/>
           </p:nvPr>
         </p:nvSpPr>
         <p:spPr>
@@ -466,7 +587,7 @@
           </a:prstGeom>
         </p:spPr>
         <p:txBody>
-          <a:bodyPr anchorCtr="0" anchor="t" bIns="91425" lIns="91425" rIns="91425" tIns="91425">
+          <a:bodyPr lIns="91425" tIns="91425" rIns="91425" bIns="91425" anchor="t" anchorCtr="0">
             <a:noAutofit/>
           </a:bodyPr>
           <a:lstStyle/>
@@ -477,9 +598,6 @@
               </a:spcBef>
               <a:buNone/>
             </a:pPr>
-            <a:r>
-              <a:t/>
-            </a:r>
             <a:endParaRPr/>
           </a:p>
         </p:txBody>
@@ -493,11 +611,11 @@
 </file>
 
 <file path=ppt/notesSlides/notesSlide10.xml><?xml version="1.0" encoding="utf-8"?>
-<p:notes xmlns:a="http://schemas.openxmlformats.org/drawingml/2006/main" xmlns:r="http://schemas.openxmlformats.org/officeDocument/2006/relationships" xmlns:mc="http://schemas.openxmlformats.org/markup-compatibility/2006" xmlns:mv="urn:schemas-microsoft-com:mac:vml" xmlns:p="http://schemas.openxmlformats.org/presentationml/2006/main" xmlns:c="http://schemas.openxmlformats.org/drawingml/2006/chart" xmlns:dgm="http://schemas.openxmlformats.org/drawingml/2006/diagram" xmlns:o="urn:schemas-microsoft-com:office:office" xmlns:v="urn:schemas-microsoft-com:vml" xmlns:pvml="urn:schemas-microsoft-com:office:powerpoint" xmlns:com="http://schemas.openxmlformats.org/drawingml/2006/compatibility" xmlns:p14="http://schemas.microsoft.com/office/powerpoint/2010/main" showMasterPhAnim="0" showMasterSp="0">
+<p:notes xmlns:a="http://schemas.openxmlformats.org/drawingml/2006/main" xmlns:r="http://schemas.openxmlformats.org/officeDocument/2006/relationships" xmlns:p="http://schemas.openxmlformats.org/presentationml/2006/main" showMasterSp="0" showMasterPhAnim="0">
   <p:cSld>
     <p:spTree>
       <p:nvGrpSpPr>
-        <p:cNvPr id="126" name="Shape 126"/>
+        <p:cNvPr id="1" name="Shape 126"/>
         <p:cNvGrpSpPr/>
         <p:nvPr/>
       </p:nvGrpSpPr>
@@ -512,19 +630,26 @@
       <p:sp>
         <p:nvSpPr>
           <p:cNvPr id="127" name="Shape 127"/>
-          <p:cNvSpPr/>
+          <p:cNvSpPr>
+            <a:spLocks noGrp="1" noRot="1" noChangeAspect="1"/>
+          </p:cNvSpPr>
           <p:nvPr>
-            <p:ph idx="2" type="sldImg"/>
+            <p:ph type="sldImg" idx="2"/>
           </p:nvPr>
         </p:nvSpPr>
         <p:spPr>
           <a:xfrm>
-            <a:off x="381300" y="685800"/>
+            <a:off x="381000" y="685800"/>
             <a:ext cx="6096000" cy="3429000"/>
           </a:xfrm>
           <a:custGeom>
+            <a:avLst/>
+            <a:gdLst/>
+            <a:ahLst/>
+            <a:cxnLst/>
+            <a:rect l="0" t="0" r="0" b="0"/>
             <a:pathLst>
-              <a:path extrusionOk="0" h="120000" w="120000">
+              <a:path w="120000" h="120000" extrusionOk="0">
                 <a:moveTo>
                   <a:pt x="0" y="0"/>
                 </a:moveTo>
@@ -546,9 +671,11 @@
       <p:sp>
         <p:nvSpPr>
           <p:cNvPr id="128" name="Shape 128"/>
-          <p:cNvSpPr txBox="1"/>
+          <p:cNvSpPr txBox="1">
+            <a:spLocks noGrp="1"/>
+          </p:cNvSpPr>
           <p:nvPr>
-            <p:ph idx="1" type="body"/>
+            <p:ph type="body" idx="1"/>
           </p:nvPr>
         </p:nvSpPr>
         <p:spPr>
@@ -561,7 +688,7 @@
           </a:prstGeom>
         </p:spPr>
         <p:txBody>
-          <a:bodyPr anchorCtr="0" anchor="t" bIns="91425" lIns="91425" rIns="91425" tIns="91425">
+          <a:bodyPr lIns="91425" tIns="91425" rIns="91425" bIns="91425" anchor="t" anchorCtr="0">
             <a:noAutofit/>
           </a:bodyPr>
           <a:lstStyle/>
@@ -572,9 +699,6 @@
               </a:spcBef>
               <a:buNone/>
             </a:pPr>
-            <a:r>
-              <a:t/>
-            </a:r>
             <a:endParaRPr/>
           </a:p>
         </p:txBody>
@@ -588,11 +712,11 @@
 </file>
 
 <file path=ppt/notesSlides/notesSlide11.xml><?xml version="1.0" encoding="utf-8"?>
-<p:notes xmlns:a="http://schemas.openxmlformats.org/drawingml/2006/main" xmlns:r="http://schemas.openxmlformats.org/officeDocument/2006/relationships" xmlns:mc="http://schemas.openxmlformats.org/markup-compatibility/2006" xmlns:mv="urn:schemas-microsoft-com:mac:vml" xmlns:p="http://schemas.openxmlformats.org/presentationml/2006/main" xmlns:c="http://schemas.openxmlformats.org/drawingml/2006/chart" xmlns:dgm="http://schemas.openxmlformats.org/drawingml/2006/diagram" xmlns:o="urn:schemas-microsoft-com:office:office" xmlns:v="urn:schemas-microsoft-com:vml" xmlns:pvml="urn:schemas-microsoft-com:office:powerpoint" xmlns:com="http://schemas.openxmlformats.org/drawingml/2006/compatibility" xmlns:p14="http://schemas.microsoft.com/office/powerpoint/2010/main" showMasterPhAnim="0" showMasterSp="0">
+<p:notes xmlns:a="http://schemas.openxmlformats.org/drawingml/2006/main" xmlns:r="http://schemas.openxmlformats.org/officeDocument/2006/relationships" xmlns:p="http://schemas.openxmlformats.org/presentationml/2006/main" showMasterSp="0" showMasterPhAnim="0">
   <p:cSld>
     <p:spTree>
       <p:nvGrpSpPr>
-        <p:cNvPr id="133" name="Shape 133"/>
+        <p:cNvPr id="1" name="Shape 133"/>
         <p:cNvGrpSpPr/>
         <p:nvPr/>
       </p:nvGrpSpPr>
@@ -607,19 +731,26 @@
       <p:sp>
         <p:nvSpPr>
           <p:cNvPr id="134" name="Shape 134"/>
-          <p:cNvSpPr/>
+          <p:cNvSpPr>
+            <a:spLocks noGrp="1" noRot="1" noChangeAspect="1"/>
+          </p:cNvSpPr>
           <p:nvPr>
-            <p:ph idx="2" type="sldImg"/>
+            <p:ph type="sldImg" idx="2"/>
           </p:nvPr>
         </p:nvSpPr>
         <p:spPr>
           <a:xfrm>
-            <a:off x="381300" y="685800"/>
+            <a:off x="381000" y="685800"/>
             <a:ext cx="6096000" cy="3429000"/>
           </a:xfrm>
           <a:custGeom>
+            <a:avLst/>
+            <a:gdLst/>
+            <a:ahLst/>
+            <a:cxnLst/>
+            <a:rect l="0" t="0" r="0" b="0"/>
             <a:pathLst>
-              <a:path extrusionOk="0" h="120000" w="120000">
+              <a:path w="120000" h="120000" extrusionOk="0">
                 <a:moveTo>
                   <a:pt x="0" y="0"/>
                 </a:moveTo>
@@ -641,9 +772,11 @@
       <p:sp>
         <p:nvSpPr>
           <p:cNvPr id="135" name="Shape 135"/>
-          <p:cNvSpPr txBox="1"/>
+          <p:cNvSpPr txBox="1">
+            <a:spLocks noGrp="1"/>
+          </p:cNvSpPr>
           <p:nvPr>
-            <p:ph idx="1" type="body"/>
+            <p:ph type="body" idx="1"/>
           </p:nvPr>
         </p:nvSpPr>
         <p:spPr>
@@ -656,7 +789,7 @@
           </a:prstGeom>
         </p:spPr>
         <p:txBody>
-          <a:bodyPr anchorCtr="0" anchor="t" bIns="91425" lIns="91425" rIns="91425" tIns="91425">
+          <a:bodyPr lIns="91425" tIns="91425" rIns="91425" bIns="91425" anchor="t" anchorCtr="0">
             <a:noAutofit/>
           </a:bodyPr>
           <a:lstStyle/>
@@ -667,9 +800,6 @@
               </a:spcBef>
               <a:buNone/>
             </a:pPr>
-            <a:r>
-              <a:t/>
-            </a:r>
             <a:endParaRPr/>
           </a:p>
         </p:txBody>
@@ -683,11 +813,11 @@
 </file>
 
 <file path=ppt/notesSlides/notesSlide12.xml><?xml version="1.0" encoding="utf-8"?>
-<p:notes xmlns:a="http://schemas.openxmlformats.org/drawingml/2006/main" xmlns:r="http://schemas.openxmlformats.org/officeDocument/2006/relationships" xmlns:mc="http://schemas.openxmlformats.org/markup-compatibility/2006" xmlns:mv="urn:schemas-microsoft-com:mac:vml" xmlns:p="http://schemas.openxmlformats.org/presentationml/2006/main" xmlns:c="http://schemas.openxmlformats.org/drawingml/2006/chart" xmlns:dgm="http://schemas.openxmlformats.org/drawingml/2006/diagram" xmlns:o="urn:schemas-microsoft-com:office:office" xmlns:v="urn:schemas-microsoft-com:vml" xmlns:pvml="urn:schemas-microsoft-com:office:powerpoint" xmlns:com="http://schemas.openxmlformats.org/drawingml/2006/compatibility" xmlns:p14="http://schemas.microsoft.com/office/powerpoint/2010/main" showMasterPhAnim="0" showMasterSp="0">
+<p:notes xmlns:a="http://schemas.openxmlformats.org/drawingml/2006/main" xmlns:r="http://schemas.openxmlformats.org/officeDocument/2006/relationships" xmlns:p="http://schemas.openxmlformats.org/presentationml/2006/main" showMasterSp="0" showMasterPhAnim="0">
   <p:cSld>
     <p:spTree>
       <p:nvGrpSpPr>
-        <p:cNvPr id="143" name="Shape 143"/>
+        <p:cNvPr id="1" name="Shape 143"/>
         <p:cNvGrpSpPr/>
         <p:nvPr/>
       </p:nvGrpSpPr>
@@ -702,19 +832,26 @@
       <p:sp>
         <p:nvSpPr>
           <p:cNvPr id="144" name="Shape 144"/>
-          <p:cNvSpPr/>
+          <p:cNvSpPr>
+            <a:spLocks noGrp="1" noRot="1" noChangeAspect="1"/>
+          </p:cNvSpPr>
           <p:nvPr>
-            <p:ph idx="2" type="sldImg"/>
+            <p:ph type="sldImg" idx="2"/>
           </p:nvPr>
         </p:nvSpPr>
         <p:spPr>
           <a:xfrm>
-            <a:off x="381300" y="685800"/>
+            <a:off x="381000" y="685800"/>
             <a:ext cx="6096000" cy="3429000"/>
           </a:xfrm>
           <a:custGeom>
+            <a:avLst/>
+            <a:gdLst/>
+            <a:ahLst/>
+            <a:cxnLst/>
+            <a:rect l="0" t="0" r="0" b="0"/>
             <a:pathLst>
-              <a:path extrusionOk="0" h="120000" w="120000">
+              <a:path w="120000" h="120000" extrusionOk="0">
                 <a:moveTo>
                   <a:pt x="0" y="0"/>
                 </a:moveTo>
@@ -736,9 +873,11 @@
       <p:sp>
         <p:nvSpPr>
           <p:cNvPr id="145" name="Shape 145"/>
-          <p:cNvSpPr txBox="1"/>
+          <p:cNvSpPr txBox="1">
+            <a:spLocks noGrp="1"/>
+          </p:cNvSpPr>
           <p:nvPr>
-            <p:ph idx="1" type="body"/>
+            <p:ph type="body" idx="1"/>
           </p:nvPr>
         </p:nvSpPr>
         <p:spPr>
@@ -751,7 +890,7 @@
           </a:prstGeom>
         </p:spPr>
         <p:txBody>
-          <a:bodyPr anchorCtr="0" anchor="t" bIns="91425" lIns="91425" rIns="91425" tIns="91425">
+          <a:bodyPr lIns="91425" tIns="91425" rIns="91425" bIns="91425" anchor="t" anchorCtr="0">
             <a:noAutofit/>
           </a:bodyPr>
           <a:lstStyle/>
@@ -762,9 +901,6 @@
               </a:spcBef>
               <a:buNone/>
             </a:pPr>
-            <a:r>
-              <a:t/>
-            </a:r>
             <a:endParaRPr/>
           </a:p>
         </p:txBody>
@@ -778,11 +914,11 @@
 </file>
 
 <file path=ppt/notesSlides/notesSlide2.xml><?xml version="1.0" encoding="utf-8"?>
-<p:notes xmlns:a="http://schemas.openxmlformats.org/drawingml/2006/main" xmlns:r="http://schemas.openxmlformats.org/officeDocument/2006/relationships" xmlns:mc="http://schemas.openxmlformats.org/markup-compatibility/2006" xmlns:mv="urn:schemas-microsoft-com:mac:vml" xmlns:p="http://schemas.openxmlformats.org/presentationml/2006/main" xmlns:c="http://schemas.openxmlformats.org/drawingml/2006/chart" xmlns:dgm="http://schemas.openxmlformats.org/drawingml/2006/diagram" xmlns:o="urn:schemas-microsoft-com:office:office" xmlns:v="urn:schemas-microsoft-com:vml" xmlns:pvml="urn:schemas-microsoft-com:office:powerpoint" xmlns:com="http://schemas.openxmlformats.org/drawingml/2006/compatibility" xmlns:p14="http://schemas.microsoft.com/office/powerpoint/2010/main" showMasterPhAnim="0" showMasterSp="0">
+<p:notes xmlns:a="http://schemas.openxmlformats.org/drawingml/2006/main" xmlns:r="http://schemas.openxmlformats.org/officeDocument/2006/relationships" xmlns:p="http://schemas.openxmlformats.org/presentationml/2006/main" showMasterSp="0" showMasterPhAnim="0">
   <p:cSld>
     <p:spTree>
       <p:nvGrpSpPr>
-        <p:cNvPr id="62" name="Shape 62"/>
+        <p:cNvPr id="1" name="Shape 62"/>
         <p:cNvGrpSpPr/>
         <p:nvPr/>
       </p:nvGrpSpPr>
@@ -797,19 +933,26 @@
       <p:sp>
         <p:nvSpPr>
           <p:cNvPr id="63" name="Shape 63"/>
-          <p:cNvSpPr/>
+          <p:cNvSpPr>
+            <a:spLocks noGrp="1" noRot="1" noChangeAspect="1"/>
+          </p:cNvSpPr>
           <p:nvPr>
-            <p:ph idx="2" type="sldImg"/>
+            <p:ph type="sldImg" idx="2"/>
           </p:nvPr>
         </p:nvSpPr>
         <p:spPr>
           <a:xfrm>
-            <a:off x="381300" y="685800"/>
+            <a:off x="381000" y="685800"/>
             <a:ext cx="6096000" cy="3429000"/>
           </a:xfrm>
           <a:custGeom>
+            <a:avLst/>
+            <a:gdLst/>
+            <a:ahLst/>
+            <a:cxnLst/>
+            <a:rect l="0" t="0" r="0" b="0"/>
             <a:pathLst>
-              <a:path extrusionOk="0" h="120000" w="120000">
+              <a:path w="120000" h="120000" extrusionOk="0">
                 <a:moveTo>
                   <a:pt x="0" y="0"/>
                 </a:moveTo>
@@ -831,9 +974,11 @@
       <p:sp>
         <p:nvSpPr>
           <p:cNvPr id="64" name="Shape 64"/>
-          <p:cNvSpPr txBox="1"/>
+          <p:cNvSpPr txBox="1">
+            <a:spLocks noGrp="1"/>
+          </p:cNvSpPr>
           <p:nvPr>
-            <p:ph idx="1" type="body"/>
+            <p:ph type="body" idx="1"/>
           </p:nvPr>
         </p:nvSpPr>
         <p:spPr>
@@ -846,7 +991,7 @@
           </a:prstGeom>
         </p:spPr>
         <p:txBody>
-          <a:bodyPr anchorCtr="0" anchor="t" bIns="91425" lIns="91425" rIns="91425" tIns="91425">
+          <a:bodyPr lIns="91425" tIns="91425" rIns="91425" bIns="91425" anchor="t" anchorCtr="0">
             <a:noAutofit/>
           </a:bodyPr>
           <a:lstStyle/>
@@ -857,9 +1002,6 @@
               </a:spcBef>
               <a:buNone/>
             </a:pPr>
-            <a:r>
-              <a:t/>
-            </a:r>
             <a:endParaRPr/>
           </a:p>
         </p:txBody>
@@ -873,11 +1015,11 @@
 </file>
 
 <file path=ppt/notesSlides/notesSlide3.xml><?xml version="1.0" encoding="utf-8"?>
-<p:notes xmlns:a="http://schemas.openxmlformats.org/drawingml/2006/main" xmlns:r="http://schemas.openxmlformats.org/officeDocument/2006/relationships" xmlns:mc="http://schemas.openxmlformats.org/markup-compatibility/2006" xmlns:mv="urn:schemas-microsoft-com:mac:vml" xmlns:p="http://schemas.openxmlformats.org/presentationml/2006/main" xmlns:c="http://schemas.openxmlformats.org/drawingml/2006/chart" xmlns:dgm="http://schemas.openxmlformats.org/drawingml/2006/diagram" xmlns:o="urn:schemas-microsoft-com:office:office" xmlns:v="urn:schemas-microsoft-com:vml" xmlns:pvml="urn:schemas-microsoft-com:office:powerpoint" xmlns:com="http://schemas.openxmlformats.org/drawingml/2006/compatibility" xmlns:p14="http://schemas.microsoft.com/office/powerpoint/2010/main" showMasterPhAnim="0" showMasterSp="0">
+<p:notes xmlns:a="http://schemas.openxmlformats.org/drawingml/2006/main" xmlns:r="http://schemas.openxmlformats.org/officeDocument/2006/relationships" xmlns:p="http://schemas.openxmlformats.org/presentationml/2006/main" showMasterSp="0" showMasterPhAnim="0">
   <p:cSld>
     <p:spTree>
       <p:nvGrpSpPr>
-        <p:cNvPr id="69" name="Shape 69"/>
+        <p:cNvPr id="1" name="Shape 69"/>
         <p:cNvGrpSpPr/>
         <p:nvPr/>
       </p:nvGrpSpPr>
@@ -892,19 +1034,26 @@
       <p:sp>
         <p:nvSpPr>
           <p:cNvPr id="70" name="Shape 70"/>
-          <p:cNvSpPr/>
+          <p:cNvSpPr>
+            <a:spLocks noGrp="1" noRot="1" noChangeAspect="1"/>
+          </p:cNvSpPr>
           <p:nvPr>
-            <p:ph idx="2" type="sldImg"/>
+            <p:ph type="sldImg" idx="2"/>
           </p:nvPr>
         </p:nvSpPr>
         <p:spPr>
           <a:xfrm>
-            <a:off x="381300" y="685800"/>
+            <a:off x="381000" y="685800"/>
             <a:ext cx="6096000" cy="3429000"/>
           </a:xfrm>
           <a:custGeom>
+            <a:avLst/>
+            <a:gdLst/>
+            <a:ahLst/>
+            <a:cxnLst/>
+            <a:rect l="0" t="0" r="0" b="0"/>
             <a:pathLst>
-              <a:path extrusionOk="0" h="120000" w="120000">
+              <a:path w="120000" h="120000" extrusionOk="0">
                 <a:moveTo>
                   <a:pt x="0" y="0"/>
                 </a:moveTo>
@@ -926,9 +1075,11 @@
       <p:sp>
         <p:nvSpPr>
           <p:cNvPr id="71" name="Shape 71"/>
-          <p:cNvSpPr txBox="1"/>
+          <p:cNvSpPr txBox="1">
+            <a:spLocks noGrp="1"/>
+          </p:cNvSpPr>
           <p:nvPr>
-            <p:ph idx="1" type="body"/>
+            <p:ph type="body" idx="1"/>
           </p:nvPr>
         </p:nvSpPr>
         <p:spPr>
@@ -941,7 +1092,7 @@
           </a:prstGeom>
         </p:spPr>
         <p:txBody>
-          <a:bodyPr anchorCtr="0" anchor="t" bIns="91425" lIns="91425" rIns="91425" tIns="91425">
+          <a:bodyPr lIns="91425" tIns="91425" rIns="91425" bIns="91425" anchor="t" anchorCtr="0">
             <a:noAutofit/>
           </a:bodyPr>
           <a:lstStyle/>
@@ -952,9 +1103,6 @@
               </a:spcBef>
               <a:buNone/>
             </a:pPr>
-            <a:r>
-              <a:t/>
-            </a:r>
             <a:endParaRPr/>
           </a:p>
         </p:txBody>
@@ -968,11 +1116,11 @@
 </file>
 
 <file path=ppt/notesSlides/notesSlide4.xml><?xml version="1.0" encoding="utf-8"?>
-<p:notes xmlns:a="http://schemas.openxmlformats.org/drawingml/2006/main" xmlns:r="http://schemas.openxmlformats.org/officeDocument/2006/relationships" xmlns:mc="http://schemas.openxmlformats.org/markup-compatibility/2006" xmlns:mv="urn:schemas-microsoft-com:mac:vml" xmlns:p="http://schemas.openxmlformats.org/presentationml/2006/main" xmlns:c="http://schemas.openxmlformats.org/drawingml/2006/chart" xmlns:dgm="http://schemas.openxmlformats.org/drawingml/2006/diagram" xmlns:o="urn:schemas-microsoft-com:office:office" xmlns:v="urn:schemas-microsoft-com:vml" xmlns:pvml="urn:schemas-microsoft-com:office:powerpoint" xmlns:com="http://schemas.openxmlformats.org/drawingml/2006/compatibility" xmlns:p14="http://schemas.microsoft.com/office/powerpoint/2010/main" showMasterPhAnim="0" showMasterSp="0">
+<p:notes xmlns:a="http://schemas.openxmlformats.org/drawingml/2006/main" xmlns:r="http://schemas.openxmlformats.org/officeDocument/2006/relationships" xmlns:p="http://schemas.openxmlformats.org/presentationml/2006/main" showMasterSp="0" showMasterPhAnim="0">
   <p:cSld>
     <p:spTree>
       <p:nvGrpSpPr>
-        <p:cNvPr id="78" name="Shape 78"/>
+        <p:cNvPr id="1" name="Shape 78"/>
         <p:cNvGrpSpPr/>
         <p:nvPr/>
       </p:nvGrpSpPr>
@@ -987,19 +1135,26 @@
       <p:sp>
         <p:nvSpPr>
           <p:cNvPr id="79" name="Shape 79"/>
-          <p:cNvSpPr/>
+          <p:cNvSpPr>
+            <a:spLocks noGrp="1" noRot="1" noChangeAspect="1"/>
+          </p:cNvSpPr>
           <p:nvPr>
-            <p:ph idx="2" type="sldImg"/>
+            <p:ph type="sldImg" idx="2"/>
           </p:nvPr>
         </p:nvSpPr>
         <p:spPr>
           <a:xfrm>
-            <a:off x="381300" y="685800"/>
+            <a:off x="381000" y="685800"/>
             <a:ext cx="6096000" cy="3429000"/>
           </a:xfrm>
           <a:custGeom>
+            <a:avLst/>
+            <a:gdLst/>
+            <a:ahLst/>
+            <a:cxnLst/>
+            <a:rect l="0" t="0" r="0" b="0"/>
             <a:pathLst>
-              <a:path extrusionOk="0" h="120000" w="120000">
+              <a:path w="120000" h="120000" extrusionOk="0">
                 <a:moveTo>
                   <a:pt x="0" y="0"/>
                 </a:moveTo>
@@ -1021,9 +1176,11 @@
       <p:sp>
         <p:nvSpPr>
           <p:cNvPr id="80" name="Shape 80"/>
-          <p:cNvSpPr txBox="1"/>
+          <p:cNvSpPr txBox="1">
+            <a:spLocks noGrp="1"/>
+          </p:cNvSpPr>
           <p:nvPr>
-            <p:ph idx="1" type="body"/>
+            <p:ph type="body" idx="1"/>
           </p:nvPr>
         </p:nvSpPr>
         <p:spPr>
@@ -1036,7 +1193,7 @@
           </a:prstGeom>
         </p:spPr>
         <p:txBody>
-          <a:bodyPr anchorCtr="0" anchor="t" bIns="91425" lIns="91425" rIns="91425" tIns="91425">
+          <a:bodyPr lIns="91425" tIns="91425" rIns="91425" bIns="91425" anchor="t" anchorCtr="0">
             <a:noAutofit/>
           </a:bodyPr>
           <a:lstStyle/>
@@ -1047,9 +1204,6 @@
               </a:spcBef>
               <a:buNone/>
             </a:pPr>
-            <a:r>
-              <a:t/>
-            </a:r>
             <a:endParaRPr/>
           </a:p>
         </p:txBody>
@@ -1063,11 +1217,11 @@
 </file>
 
 <file path=ppt/notesSlides/notesSlide5.xml><?xml version="1.0" encoding="utf-8"?>
-<p:notes xmlns:a="http://schemas.openxmlformats.org/drawingml/2006/main" xmlns:r="http://schemas.openxmlformats.org/officeDocument/2006/relationships" xmlns:mc="http://schemas.openxmlformats.org/markup-compatibility/2006" xmlns:mv="urn:schemas-microsoft-com:mac:vml" xmlns:p="http://schemas.openxmlformats.org/presentationml/2006/main" xmlns:c="http://schemas.openxmlformats.org/drawingml/2006/chart" xmlns:dgm="http://schemas.openxmlformats.org/drawingml/2006/diagram" xmlns:o="urn:schemas-microsoft-com:office:office" xmlns:v="urn:schemas-microsoft-com:vml" xmlns:pvml="urn:schemas-microsoft-com:office:powerpoint" xmlns:com="http://schemas.openxmlformats.org/drawingml/2006/compatibility" xmlns:p14="http://schemas.microsoft.com/office/powerpoint/2010/main" showMasterPhAnim="0" showMasterSp="0">
+<p:notes xmlns:a="http://schemas.openxmlformats.org/drawingml/2006/main" xmlns:r="http://schemas.openxmlformats.org/officeDocument/2006/relationships" xmlns:p="http://schemas.openxmlformats.org/presentationml/2006/main" showMasterSp="0" showMasterPhAnim="0">
   <p:cSld>
     <p:spTree>
       <p:nvGrpSpPr>
-        <p:cNvPr id="87" name="Shape 87"/>
+        <p:cNvPr id="1" name="Shape 87"/>
         <p:cNvGrpSpPr/>
         <p:nvPr/>
       </p:nvGrpSpPr>
@@ -1082,19 +1236,26 @@
       <p:sp>
         <p:nvSpPr>
           <p:cNvPr id="88" name="Shape 88"/>
-          <p:cNvSpPr/>
+          <p:cNvSpPr>
+            <a:spLocks noGrp="1" noRot="1" noChangeAspect="1"/>
+          </p:cNvSpPr>
           <p:nvPr>
-            <p:ph idx="2" type="sldImg"/>
+            <p:ph type="sldImg" idx="2"/>
           </p:nvPr>
         </p:nvSpPr>
         <p:spPr>
           <a:xfrm>
-            <a:off x="381300" y="685800"/>
+            <a:off x="381000" y="685800"/>
             <a:ext cx="6096000" cy="3429000"/>
           </a:xfrm>
           <a:custGeom>
+            <a:avLst/>
+            <a:gdLst/>
+            <a:ahLst/>
+            <a:cxnLst/>
+            <a:rect l="0" t="0" r="0" b="0"/>
             <a:pathLst>
-              <a:path extrusionOk="0" h="120000" w="120000">
+              <a:path w="120000" h="120000" extrusionOk="0">
                 <a:moveTo>
                   <a:pt x="0" y="0"/>
                 </a:moveTo>
@@ -1116,9 +1277,11 @@
       <p:sp>
         <p:nvSpPr>
           <p:cNvPr id="89" name="Shape 89"/>
-          <p:cNvSpPr txBox="1"/>
+          <p:cNvSpPr txBox="1">
+            <a:spLocks noGrp="1"/>
+          </p:cNvSpPr>
           <p:nvPr>
-            <p:ph idx="1" type="body"/>
+            <p:ph type="body" idx="1"/>
           </p:nvPr>
         </p:nvSpPr>
         <p:spPr>
@@ -1131,7 +1294,7 @@
           </a:prstGeom>
         </p:spPr>
         <p:txBody>
-          <a:bodyPr anchorCtr="0" anchor="t" bIns="91425" lIns="91425" rIns="91425" tIns="91425">
+          <a:bodyPr lIns="91425" tIns="91425" rIns="91425" bIns="91425" anchor="t" anchorCtr="0">
             <a:noAutofit/>
           </a:bodyPr>
           <a:lstStyle/>
@@ -1142,9 +1305,6 @@
               </a:spcBef>
               <a:buNone/>
             </a:pPr>
-            <a:r>
-              <a:t/>
-            </a:r>
             <a:endParaRPr/>
           </a:p>
         </p:txBody>
@@ -1158,11 +1318,11 @@
 </file>
 
 <file path=ppt/notesSlides/notesSlide6.xml><?xml version="1.0" encoding="utf-8"?>
-<p:notes xmlns:a="http://schemas.openxmlformats.org/drawingml/2006/main" xmlns:r="http://schemas.openxmlformats.org/officeDocument/2006/relationships" xmlns:mc="http://schemas.openxmlformats.org/markup-compatibility/2006" xmlns:mv="urn:schemas-microsoft-com:mac:vml" xmlns:p="http://schemas.openxmlformats.org/presentationml/2006/main" xmlns:c="http://schemas.openxmlformats.org/drawingml/2006/chart" xmlns:dgm="http://schemas.openxmlformats.org/drawingml/2006/diagram" xmlns:o="urn:schemas-microsoft-com:office:office" xmlns:v="urn:schemas-microsoft-com:vml" xmlns:pvml="urn:schemas-microsoft-com:office:powerpoint" xmlns:com="http://schemas.openxmlformats.org/drawingml/2006/compatibility" xmlns:p14="http://schemas.microsoft.com/office/powerpoint/2010/main" showMasterPhAnim="0" showMasterSp="0">
+<p:notes xmlns:a="http://schemas.openxmlformats.org/drawingml/2006/main" xmlns:r="http://schemas.openxmlformats.org/officeDocument/2006/relationships" xmlns:p="http://schemas.openxmlformats.org/presentationml/2006/main" showMasterSp="0" showMasterPhAnim="0">
   <p:cSld>
     <p:spTree>
       <p:nvGrpSpPr>
-        <p:cNvPr id="94" name="Shape 94"/>
+        <p:cNvPr id="1" name="Shape 94"/>
         <p:cNvGrpSpPr/>
         <p:nvPr/>
       </p:nvGrpSpPr>
@@ -1177,19 +1337,26 @@
       <p:sp>
         <p:nvSpPr>
           <p:cNvPr id="95" name="Shape 95"/>
-          <p:cNvSpPr/>
+          <p:cNvSpPr>
+            <a:spLocks noGrp="1" noRot="1" noChangeAspect="1"/>
+          </p:cNvSpPr>
           <p:nvPr>
-            <p:ph idx="2" type="sldImg"/>
+            <p:ph type="sldImg" idx="2"/>
           </p:nvPr>
         </p:nvSpPr>
         <p:spPr>
           <a:xfrm>
-            <a:off x="381300" y="685800"/>
+            <a:off x="381000" y="685800"/>
             <a:ext cx="6096000" cy="3429000"/>
           </a:xfrm>
           <a:custGeom>
+            <a:avLst/>
+            <a:gdLst/>
+            <a:ahLst/>
+            <a:cxnLst/>
+            <a:rect l="0" t="0" r="0" b="0"/>
             <a:pathLst>
-              <a:path extrusionOk="0" h="120000" w="120000">
+              <a:path w="120000" h="120000" extrusionOk="0">
                 <a:moveTo>
                   <a:pt x="0" y="0"/>
                 </a:moveTo>
@@ -1211,9 +1378,11 @@
       <p:sp>
         <p:nvSpPr>
           <p:cNvPr id="96" name="Shape 96"/>
-          <p:cNvSpPr txBox="1"/>
+          <p:cNvSpPr txBox="1">
+            <a:spLocks noGrp="1"/>
+          </p:cNvSpPr>
           <p:nvPr>
-            <p:ph idx="1" type="body"/>
+            <p:ph type="body" idx="1"/>
           </p:nvPr>
         </p:nvSpPr>
         <p:spPr>
@@ -1226,7 +1395,7 @@
           </a:prstGeom>
         </p:spPr>
         <p:txBody>
-          <a:bodyPr anchorCtr="0" anchor="t" bIns="91425" lIns="91425" rIns="91425" tIns="91425">
+          <a:bodyPr lIns="91425" tIns="91425" rIns="91425" bIns="91425" anchor="t" anchorCtr="0">
             <a:noAutofit/>
           </a:bodyPr>
           <a:lstStyle/>
@@ -1237,9 +1406,6 @@
               </a:spcBef>
               <a:buNone/>
             </a:pPr>
-            <a:r>
-              <a:t/>
-            </a:r>
             <a:endParaRPr/>
           </a:p>
         </p:txBody>
@@ -1253,11 +1419,11 @@
 </file>
 
 <file path=ppt/notesSlides/notesSlide7.xml><?xml version="1.0" encoding="utf-8"?>
-<p:notes xmlns:a="http://schemas.openxmlformats.org/drawingml/2006/main" xmlns:r="http://schemas.openxmlformats.org/officeDocument/2006/relationships" xmlns:mc="http://schemas.openxmlformats.org/markup-compatibility/2006" xmlns:mv="urn:schemas-microsoft-com:mac:vml" xmlns:p="http://schemas.openxmlformats.org/presentationml/2006/main" xmlns:c="http://schemas.openxmlformats.org/drawingml/2006/chart" xmlns:dgm="http://schemas.openxmlformats.org/drawingml/2006/diagram" xmlns:o="urn:schemas-microsoft-com:office:office" xmlns:v="urn:schemas-microsoft-com:vml" xmlns:pvml="urn:schemas-microsoft-com:office:powerpoint" xmlns:com="http://schemas.openxmlformats.org/drawingml/2006/compatibility" xmlns:p14="http://schemas.microsoft.com/office/powerpoint/2010/main" showMasterPhAnim="0" showMasterSp="0">
+<p:notes xmlns:a="http://schemas.openxmlformats.org/drawingml/2006/main" xmlns:r="http://schemas.openxmlformats.org/officeDocument/2006/relationships" xmlns:p="http://schemas.openxmlformats.org/presentationml/2006/main" showMasterSp="0" showMasterPhAnim="0">
   <p:cSld>
     <p:spTree>
       <p:nvGrpSpPr>
-        <p:cNvPr id="101" name="Shape 101"/>
+        <p:cNvPr id="1" name="Shape 101"/>
         <p:cNvGrpSpPr/>
         <p:nvPr/>
       </p:nvGrpSpPr>
@@ -1272,19 +1438,26 @@
       <p:sp>
         <p:nvSpPr>
           <p:cNvPr id="102" name="Shape 102"/>
-          <p:cNvSpPr/>
+          <p:cNvSpPr>
+            <a:spLocks noGrp="1" noRot="1" noChangeAspect="1"/>
+          </p:cNvSpPr>
           <p:nvPr>
-            <p:ph idx="2" type="sldImg"/>
+            <p:ph type="sldImg" idx="2"/>
           </p:nvPr>
         </p:nvSpPr>
         <p:spPr>
           <a:xfrm>
-            <a:off x="381300" y="685800"/>
+            <a:off x="381000" y="685800"/>
             <a:ext cx="6096000" cy="3429000"/>
           </a:xfrm>
           <a:custGeom>
+            <a:avLst/>
+            <a:gdLst/>
+            <a:ahLst/>
+            <a:cxnLst/>
+            <a:rect l="0" t="0" r="0" b="0"/>
             <a:pathLst>
-              <a:path extrusionOk="0" h="120000" w="120000">
+              <a:path w="120000" h="120000" extrusionOk="0">
                 <a:moveTo>
                   <a:pt x="0" y="0"/>
                 </a:moveTo>
@@ -1306,9 +1479,11 @@
       <p:sp>
         <p:nvSpPr>
           <p:cNvPr id="103" name="Shape 103"/>
-          <p:cNvSpPr txBox="1"/>
+          <p:cNvSpPr txBox="1">
+            <a:spLocks noGrp="1"/>
+          </p:cNvSpPr>
           <p:nvPr>
-            <p:ph idx="1" type="body"/>
+            <p:ph type="body" idx="1"/>
           </p:nvPr>
         </p:nvSpPr>
         <p:spPr>
@@ -1321,7 +1496,7 @@
           </a:prstGeom>
         </p:spPr>
         <p:txBody>
-          <a:bodyPr anchorCtr="0" anchor="t" bIns="91425" lIns="91425" rIns="91425" tIns="91425">
+          <a:bodyPr lIns="91425" tIns="91425" rIns="91425" bIns="91425" anchor="t" anchorCtr="0">
             <a:noAutofit/>
           </a:bodyPr>
           <a:lstStyle/>
@@ -1332,9 +1507,6 @@
               </a:spcBef>
               <a:buNone/>
             </a:pPr>
-            <a:r>
-              <a:t/>
-            </a:r>
             <a:endParaRPr/>
           </a:p>
         </p:txBody>
@@ -1348,11 +1520,11 @@
 </file>
 
 <file path=ppt/notesSlides/notesSlide8.xml><?xml version="1.0" encoding="utf-8"?>
-<p:notes xmlns:a="http://schemas.openxmlformats.org/drawingml/2006/main" xmlns:r="http://schemas.openxmlformats.org/officeDocument/2006/relationships" xmlns:mc="http://schemas.openxmlformats.org/markup-compatibility/2006" xmlns:mv="urn:schemas-microsoft-com:mac:vml" xmlns:p="http://schemas.openxmlformats.org/presentationml/2006/main" xmlns:c="http://schemas.openxmlformats.org/drawingml/2006/chart" xmlns:dgm="http://schemas.openxmlformats.org/drawingml/2006/diagram" xmlns:o="urn:schemas-microsoft-com:office:office" xmlns:v="urn:schemas-microsoft-com:vml" xmlns:pvml="urn:schemas-microsoft-com:office:powerpoint" xmlns:com="http://schemas.openxmlformats.org/drawingml/2006/compatibility" xmlns:p14="http://schemas.microsoft.com/office/powerpoint/2010/main" showMasterPhAnim="0" showMasterSp="0">
+<p:notes xmlns:a="http://schemas.openxmlformats.org/drawingml/2006/main" xmlns:r="http://schemas.openxmlformats.org/officeDocument/2006/relationships" xmlns:p="http://schemas.openxmlformats.org/presentationml/2006/main" showMasterSp="0" showMasterPhAnim="0">
   <p:cSld>
     <p:spTree>
       <p:nvGrpSpPr>
-        <p:cNvPr id="110" name="Shape 110"/>
+        <p:cNvPr id="1" name="Shape 110"/>
         <p:cNvGrpSpPr/>
         <p:nvPr/>
       </p:nvGrpSpPr>
@@ -1367,19 +1539,26 @@
       <p:sp>
         <p:nvSpPr>
           <p:cNvPr id="111" name="Shape 111"/>
-          <p:cNvSpPr/>
+          <p:cNvSpPr>
+            <a:spLocks noGrp="1" noRot="1" noChangeAspect="1"/>
+          </p:cNvSpPr>
           <p:nvPr>
-            <p:ph idx="2" type="sldImg"/>
+            <p:ph type="sldImg" idx="2"/>
           </p:nvPr>
         </p:nvSpPr>
         <p:spPr>
           <a:xfrm>
-            <a:off x="381300" y="685800"/>
+            <a:off x="381000" y="685800"/>
             <a:ext cx="6096000" cy="3429000"/>
           </a:xfrm>
           <a:custGeom>
+            <a:avLst/>
+            <a:gdLst/>
+            <a:ahLst/>
+            <a:cxnLst/>
+            <a:rect l="0" t="0" r="0" b="0"/>
             <a:pathLst>
-              <a:path extrusionOk="0" h="120000" w="120000">
+              <a:path w="120000" h="120000" extrusionOk="0">
                 <a:moveTo>
                   <a:pt x="0" y="0"/>
                 </a:moveTo>
@@ -1401,9 +1580,11 @@
       <p:sp>
         <p:nvSpPr>
           <p:cNvPr id="112" name="Shape 112"/>
-          <p:cNvSpPr txBox="1"/>
+          <p:cNvSpPr txBox="1">
+            <a:spLocks noGrp="1"/>
+          </p:cNvSpPr>
           <p:nvPr>
-            <p:ph idx="1" type="body"/>
+            <p:ph type="body" idx="1"/>
           </p:nvPr>
         </p:nvSpPr>
         <p:spPr>
@@ -1416,7 +1597,7 @@
           </a:prstGeom>
         </p:spPr>
         <p:txBody>
-          <a:bodyPr anchorCtr="0" anchor="t" bIns="91425" lIns="91425" rIns="91425" tIns="91425">
+          <a:bodyPr lIns="91425" tIns="91425" rIns="91425" bIns="91425" anchor="t" anchorCtr="0">
             <a:noAutofit/>
           </a:bodyPr>
           <a:lstStyle/>
@@ -1427,9 +1608,6 @@
               </a:spcBef>
               <a:buNone/>
             </a:pPr>
-            <a:r>
-              <a:t/>
-            </a:r>
             <a:endParaRPr/>
           </a:p>
         </p:txBody>
@@ -1443,11 +1621,11 @@
 </file>
 
 <file path=ppt/notesSlides/notesSlide9.xml><?xml version="1.0" encoding="utf-8"?>
-<p:notes xmlns:a="http://schemas.openxmlformats.org/drawingml/2006/main" xmlns:r="http://schemas.openxmlformats.org/officeDocument/2006/relationships" xmlns:mc="http://schemas.openxmlformats.org/markup-compatibility/2006" xmlns:mv="urn:schemas-microsoft-com:mac:vml" xmlns:p="http://schemas.openxmlformats.org/presentationml/2006/main" xmlns:c="http://schemas.openxmlformats.org/drawingml/2006/chart" xmlns:dgm="http://schemas.openxmlformats.org/drawingml/2006/diagram" xmlns:o="urn:schemas-microsoft-com:office:office" xmlns:v="urn:schemas-microsoft-com:vml" xmlns:pvml="urn:schemas-microsoft-com:office:powerpoint" xmlns:com="http://schemas.openxmlformats.org/drawingml/2006/compatibility" xmlns:p14="http://schemas.microsoft.com/office/powerpoint/2010/main" showMasterPhAnim="0" showMasterSp="0">
+<p:notes xmlns:a="http://schemas.openxmlformats.org/drawingml/2006/main" xmlns:r="http://schemas.openxmlformats.org/officeDocument/2006/relationships" xmlns:p="http://schemas.openxmlformats.org/presentationml/2006/main" showMasterSp="0" showMasterPhAnim="0">
   <p:cSld>
     <p:spTree>
       <p:nvGrpSpPr>
-        <p:cNvPr id="118" name="Shape 118"/>
+        <p:cNvPr id="1" name="Shape 118"/>
         <p:cNvGrpSpPr/>
         <p:nvPr/>
       </p:nvGrpSpPr>
@@ -1462,19 +1640,26 @@
       <p:sp>
         <p:nvSpPr>
           <p:cNvPr id="119" name="Shape 119"/>
-          <p:cNvSpPr/>
+          <p:cNvSpPr>
+            <a:spLocks noGrp="1" noRot="1" noChangeAspect="1"/>
+          </p:cNvSpPr>
           <p:nvPr>
-            <p:ph idx="2" type="sldImg"/>
+            <p:ph type="sldImg" idx="2"/>
           </p:nvPr>
         </p:nvSpPr>
         <p:spPr>
           <a:xfrm>
-            <a:off x="381300" y="685800"/>
+            <a:off x="381000" y="685800"/>
             <a:ext cx="6096000" cy="3429000"/>
           </a:xfrm>
           <a:custGeom>
+            <a:avLst/>
+            <a:gdLst/>
+            <a:ahLst/>
+            <a:cxnLst/>
+            <a:rect l="0" t="0" r="0" b="0"/>
             <a:pathLst>
-              <a:path extrusionOk="0" h="120000" w="120000">
+              <a:path w="120000" h="120000" extrusionOk="0">
                 <a:moveTo>
                   <a:pt x="0" y="0"/>
                 </a:moveTo>
@@ -1496,9 +1681,11 @@
       <p:sp>
         <p:nvSpPr>
           <p:cNvPr id="120" name="Shape 120"/>
-          <p:cNvSpPr txBox="1"/>
+          <p:cNvSpPr txBox="1">
+            <a:spLocks noGrp="1"/>
+          </p:cNvSpPr>
           <p:nvPr>
-            <p:ph idx="1" type="body"/>
+            <p:ph type="body" idx="1"/>
           </p:nvPr>
         </p:nvSpPr>
         <p:spPr>
@@ -1511,7 +1698,7 @@
           </a:prstGeom>
         </p:spPr>
         <p:txBody>
-          <a:bodyPr anchorCtr="0" anchor="t" bIns="91425" lIns="91425" rIns="91425" tIns="91425">
+          <a:bodyPr lIns="91425" tIns="91425" rIns="91425" bIns="91425" anchor="t" anchorCtr="0">
             <a:noAutofit/>
           </a:bodyPr>
           <a:lstStyle/>
@@ -1522,9 +1709,6 @@
               </a:spcBef>
               <a:buNone/>
             </a:pPr>
-            <a:r>
-              <a:t/>
-            </a:r>
             <a:endParaRPr/>
           </a:p>
         </p:txBody>
@@ -1538,11 +1722,11 @@
 </file>
 
 <file path=ppt/slideLayouts/slideLayout1.xml><?xml version="1.0" encoding="utf-8"?>
-<p:sldLayout xmlns:a="http://schemas.openxmlformats.org/drawingml/2006/main" xmlns:r="http://schemas.openxmlformats.org/officeDocument/2006/relationships" xmlns:mc="http://schemas.openxmlformats.org/markup-compatibility/2006" xmlns:mv="urn:schemas-microsoft-com:mac:vml" xmlns:p="http://schemas.openxmlformats.org/presentationml/2006/main" xmlns:c="http://schemas.openxmlformats.org/drawingml/2006/chart" xmlns:dgm="http://schemas.openxmlformats.org/drawingml/2006/diagram" xmlns:o="urn:schemas-microsoft-com:office:office" xmlns:v="urn:schemas-microsoft-com:vml" xmlns:pvml="urn:schemas-microsoft-com:office:powerpoint" xmlns:com="http://schemas.openxmlformats.org/drawingml/2006/compatibility" xmlns:p14="http://schemas.microsoft.com/office/powerpoint/2010/main">
+<p:sldLayout xmlns:a="http://schemas.openxmlformats.org/drawingml/2006/main" xmlns:r="http://schemas.openxmlformats.org/officeDocument/2006/relationships" xmlns:p="http://schemas.openxmlformats.org/presentationml/2006/main">
   <p:cSld name="Subhead w/ No Bullets">
     <p:spTree>
       <p:nvGrpSpPr>
-        <p:cNvPr id="9" name="Shape 9"/>
+        <p:cNvPr id="1" name="Shape 9"/>
         <p:cNvGrpSpPr/>
         <p:nvPr/>
       </p:nvGrpSpPr>
@@ -1557,7 +1741,9 @@
       <p:sp>
         <p:nvSpPr>
           <p:cNvPr id="10" name="Shape 10"/>
-          <p:cNvSpPr txBox="1"/>
+          <p:cNvSpPr txBox="1">
+            <a:spLocks noGrp="1"/>
+          </p:cNvSpPr>
           <p:nvPr>
             <p:ph type="title"/>
           </p:nvPr>
@@ -1576,9 +1762,9 @@
           </a:ln>
         </p:spPr>
         <p:txBody>
-          <a:bodyPr anchorCtr="0" anchor="t" bIns="91425" lIns="91425" rIns="91425" tIns="91425"/>
+          <a:bodyPr lIns="91425" tIns="91425" rIns="91425" bIns="91425" anchor="t" anchorCtr="0"/>
           <a:lstStyle>
-            <a:lvl1pPr indent="0" lvl="0" marL="0" marR="0" rtl="0" algn="l">
+            <a:lvl1pPr marL="0" marR="0" lvl="0" indent="0" algn="l" rtl="0">
               <a:lnSpc>
                 <a:spcPct val="100000"/>
               </a:lnSpc>
@@ -1593,7 +1779,7 @@
               </a:buClr>
               <a:buFont typeface="Questrial"/>
               <a:buNone/>
-              <a:defRPr b="1" i="0" sz="3400" u="none" cap="none" strike="noStrike">
+              <a:defRPr sz="3400" b="1" i="0" u="none" strike="noStrike" cap="none">
                 <a:solidFill>
                   <a:schemeClr val="dk1"/>
                 </a:solidFill>
@@ -1603,56 +1789,56 @@
                 <a:sym typeface="Questrial"/>
               </a:defRPr>
             </a:lvl1pPr>
-            <a:lvl2pPr indent="0" lvl="1" rtl="0">
+            <a:lvl2pPr lvl="1" indent="0" rtl="0">
               <a:spcBef>
                 <a:spcPts val="0"/>
               </a:spcBef>
               <a:buNone/>
               <a:defRPr sz="1800"/>
             </a:lvl2pPr>
-            <a:lvl3pPr indent="0" lvl="2" rtl="0">
+            <a:lvl3pPr lvl="2" indent="0" rtl="0">
               <a:spcBef>
                 <a:spcPts val="0"/>
               </a:spcBef>
               <a:buNone/>
               <a:defRPr sz="1800"/>
             </a:lvl3pPr>
-            <a:lvl4pPr indent="0" lvl="3" rtl="0">
+            <a:lvl4pPr lvl="3" indent="0" rtl="0">
               <a:spcBef>
                 <a:spcPts val="0"/>
               </a:spcBef>
               <a:buNone/>
               <a:defRPr sz="1800"/>
             </a:lvl4pPr>
-            <a:lvl5pPr indent="0" lvl="4" rtl="0">
+            <a:lvl5pPr lvl="4" indent="0" rtl="0">
               <a:spcBef>
                 <a:spcPts val="0"/>
               </a:spcBef>
               <a:buNone/>
               <a:defRPr sz="1800"/>
             </a:lvl5pPr>
-            <a:lvl6pPr indent="0" lvl="5" rtl="0">
+            <a:lvl6pPr lvl="5" indent="0" rtl="0">
               <a:spcBef>
                 <a:spcPts val="0"/>
               </a:spcBef>
               <a:buNone/>
               <a:defRPr sz="1800"/>
             </a:lvl6pPr>
-            <a:lvl7pPr indent="0" lvl="6" rtl="0">
+            <a:lvl7pPr lvl="6" indent="0" rtl="0">
               <a:spcBef>
                 <a:spcPts val="0"/>
               </a:spcBef>
               <a:buNone/>
               <a:defRPr sz="1800"/>
             </a:lvl7pPr>
-            <a:lvl8pPr indent="0" lvl="7" rtl="0">
+            <a:lvl8pPr lvl="7" indent="0" rtl="0">
               <a:spcBef>
                 <a:spcPts val="0"/>
               </a:spcBef>
               <a:buNone/>
               <a:defRPr sz="1800"/>
             </a:lvl8pPr>
-            <a:lvl9pPr indent="0" lvl="8" rtl="0">
+            <a:lvl9pPr lvl="8" indent="0" rtl="0">
               <a:spcBef>
                 <a:spcPts val="0"/>
               </a:spcBef>
@@ -1660,15 +1846,19 @@
               <a:defRPr sz="1800"/>
             </a:lvl9pPr>
           </a:lstStyle>
-          <a:p/>
+          <a:p>
+            <a:endParaRPr/>
+          </a:p>
         </p:txBody>
       </p:sp>
       <p:sp>
         <p:nvSpPr>
           <p:cNvPr id="11" name="Shape 11"/>
-          <p:cNvSpPr txBox="1"/>
+          <p:cNvSpPr txBox="1">
+            <a:spLocks noGrp="1"/>
+          </p:cNvSpPr>
           <p:nvPr>
-            <p:ph idx="1" type="body"/>
+            <p:ph type="body" idx="1"/>
           </p:nvPr>
         </p:nvSpPr>
         <p:spPr>
@@ -1685,9 +1875,9 @@
           </a:ln>
         </p:spPr>
         <p:txBody>
-          <a:bodyPr anchorCtr="0" anchor="ctr" bIns="91425" lIns="91425" rIns="91425" tIns="91425"/>
+          <a:bodyPr lIns="91425" tIns="91425" rIns="91425" bIns="91425" anchor="ctr" anchorCtr="0"/>
           <a:lstStyle>
-            <a:lvl1pPr indent="0" lvl="0" marL="0" marR="0" rtl="0" algn="l">
+            <a:lvl1pPr marL="0" marR="0" lvl="0" indent="0" algn="l" rtl="0">
               <a:lnSpc>
                 <a:spcPct val="100000"/>
               </a:lnSpc>
@@ -1702,7 +1892,7 @@
               </a:buClr>
               <a:buFont typeface="Questrial"/>
               <a:buNone/>
-              <a:defRPr b="0" i="0" sz="2400" u="none" cap="none" strike="noStrike">
+              <a:defRPr sz="2400" b="0" i="0" u="none" strike="noStrike" cap="none">
                 <a:solidFill>
                   <a:srgbClr val="000000"/>
                 </a:solidFill>
@@ -1712,7 +1902,7 @@
                 <a:sym typeface="Arial"/>
               </a:defRPr>
             </a:lvl1pPr>
-            <a:lvl2pPr indent="0" lvl="1" marL="457200" marR="0" rtl="0" algn="l">
+            <a:lvl2pPr marL="457200" marR="0" lvl="1" indent="0" algn="l" rtl="0">
               <a:lnSpc>
                 <a:spcPct val="100000"/>
               </a:lnSpc>
@@ -1727,7 +1917,7 @@
               </a:buClr>
               <a:buFont typeface="Questrial"/>
               <a:buNone/>
-              <a:defRPr b="0" i="0" sz="2200" u="none" cap="none" strike="noStrike">
+              <a:defRPr sz="2200" b="0" i="0" u="none" strike="noStrike" cap="none">
                 <a:solidFill>
                   <a:schemeClr val="dk1"/>
                 </a:solidFill>
@@ -1737,7 +1927,7 @@
                 <a:sym typeface="Questrial"/>
               </a:defRPr>
             </a:lvl2pPr>
-            <a:lvl3pPr indent="0" lvl="2" marL="914400" marR="0" rtl="0" algn="l">
+            <a:lvl3pPr marL="914400" marR="0" lvl="2" indent="0" algn="l" rtl="0">
               <a:lnSpc>
                 <a:spcPct val="100000"/>
               </a:lnSpc>
@@ -1752,7 +1942,7 @@
               </a:buClr>
               <a:buFont typeface="Questrial"/>
               <a:buNone/>
-              <a:defRPr b="0" i="0" sz="2700" u="none" cap="none" strike="noStrike">
+              <a:defRPr sz="2700" b="0" i="0" u="none" strike="noStrike" cap="none">
                 <a:solidFill>
                   <a:srgbClr val="000000"/>
                 </a:solidFill>
@@ -1762,7 +1952,7 @@
                 <a:sym typeface="Arial"/>
               </a:defRPr>
             </a:lvl3pPr>
-            <a:lvl4pPr indent="0" lvl="3" marL="1371600" marR="0" rtl="0" algn="l">
+            <a:lvl4pPr marL="1371600" marR="0" lvl="3" indent="0" algn="l" rtl="0">
               <a:lnSpc>
                 <a:spcPct val="100000"/>
               </a:lnSpc>
@@ -1777,7 +1967,7 @@
               </a:buClr>
               <a:buFont typeface="Questrial"/>
               <a:buNone/>
-              <a:defRPr b="0" i="0" sz="2700" u="none" cap="none" strike="noStrike">
+              <a:defRPr sz="2700" b="0" i="0" u="none" strike="noStrike" cap="none">
                 <a:solidFill>
                   <a:srgbClr val="000000"/>
                 </a:solidFill>
@@ -1787,7 +1977,7 @@
                 <a:sym typeface="Arial"/>
               </a:defRPr>
             </a:lvl4pPr>
-            <a:lvl5pPr indent="0" lvl="4" marL="1828800" marR="0" rtl="0" algn="l">
+            <a:lvl5pPr marL="1828800" marR="0" lvl="4" indent="0" algn="l" rtl="0">
               <a:lnSpc>
                 <a:spcPct val="100000"/>
               </a:lnSpc>
@@ -1802,7 +1992,7 @@
               </a:buClr>
               <a:buFont typeface="Questrial"/>
               <a:buNone/>
-              <a:defRPr b="0" i="0" sz="2700" u="none" cap="none" strike="noStrike">
+              <a:defRPr sz="2700" b="0" i="0" u="none" strike="noStrike" cap="none">
                 <a:solidFill>
                   <a:srgbClr val="000000"/>
                 </a:solidFill>
@@ -1812,7 +2002,7 @@
                 <a:sym typeface="Arial"/>
               </a:defRPr>
             </a:lvl5pPr>
-            <a:lvl6pPr indent="0" lvl="5" marL="2286000" marR="0" rtl="0" algn="l">
+            <a:lvl6pPr marL="2286000" marR="0" lvl="5" indent="0" algn="l" rtl="0">
               <a:lnSpc>
                 <a:spcPct val="100000"/>
               </a:lnSpc>
@@ -1827,7 +2017,7 @@
               </a:buClr>
               <a:buFont typeface="Calibri"/>
               <a:buNone/>
-              <a:defRPr b="0" i="0" sz="2000" u="none" cap="none" strike="noStrike">
+              <a:defRPr sz="2000" b="0" i="0" u="none" strike="noStrike" cap="none">
                 <a:solidFill>
                   <a:schemeClr val="dk1"/>
                 </a:solidFill>
@@ -1837,7 +2027,7 @@
                 <a:sym typeface="Calibri"/>
               </a:defRPr>
             </a:lvl6pPr>
-            <a:lvl7pPr indent="0" lvl="6" marL="2743200" marR="0" rtl="0" algn="l">
+            <a:lvl7pPr marL="2743200" marR="0" lvl="6" indent="0" algn="l" rtl="0">
               <a:lnSpc>
                 <a:spcPct val="100000"/>
               </a:lnSpc>
@@ -1852,7 +2042,7 @@
               </a:buClr>
               <a:buFont typeface="Calibri"/>
               <a:buNone/>
-              <a:defRPr b="0" i="0" sz="2000" u="none" cap="none" strike="noStrike">
+              <a:defRPr sz="2000" b="0" i="0" u="none" strike="noStrike" cap="none">
                 <a:solidFill>
                   <a:schemeClr val="dk1"/>
                 </a:solidFill>
@@ -1862,7 +2052,7 @@
                 <a:sym typeface="Calibri"/>
               </a:defRPr>
             </a:lvl7pPr>
-            <a:lvl8pPr indent="0" lvl="7" marL="3200400" marR="0" rtl="0" algn="l">
+            <a:lvl8pPr marL="3200400" marR="0" lvl="7" indent="0" algn="l" rtl="0">
               <a:lnSpc>
                 <a:spcPct val="100000"/>
               </a:lnSpc>
@@ -1877,7 +2067,7 @@
               </a:buClr>
               <a:buFont typeface="Calibri"/>
               <a:buNone/>
-              <a:defRPr b="0" i="0" sz="2000" u="none" cap="none" strike="noStrike">
+              <a:defRPr sz="2000" b="0" i="0" u="none" strike="noStrike" cap="none">
                 <a:solidFill>
                   <a:schemeClr val="dk1"/>
                 </a:solidFill>
@@ -1887,7 +2077,7 @@
                 <a:sym typeface="Calibri"/>
               </a:defRPr>
             </a:lvl8pPr>
-            <a:lvl9pPr indent="0" lvl="8" marL="3657600" marR="0" rtl="0" algn="l">
+            <a:lvl9pPr marL="3657600" marR="0" lvl="8" indent="0" algn="l" rtl="0">
               <a:lnSpc>
                 <a:spcPct val="100000"/>
               </a:lnSpc>
@@ -1902,7 +2092,7 @@
               </a:buClr>
               <a:buFont typeface="Calibri"/>
               <a:buNone/>
-              <a:defRPr b="0" i="0" sz="2000" u="none" cap="none" strike="noStrike">
+              <a:defRPr sz="2000" b="0" i="0" u="none" strike="noStrike" cap="none">
                 <a:solidFill>
                   <a:schemeClr val="dk1"/>
                 </a:solidFill>
@@ -1913,15 +2103,19 @@
               </a:defRPr>
             </a:lvl9pPr>
           </a:lstStyle>
-          <a:p/>
+          <a:p>
+            <a:endParaRPr/>
+          </a:p>
         </p:txBody>
       </p:sp>
       <p:sp>
         <p:nvSpPr>
           <p:cNvPr id="12" name="Shape 12"/>
-          <p:cNvSpPr txBox="1"/>
+          <p:cNvSpPr txBox="1">
+            <a:spLocks noGrp="1"/>
+          </p:cNvSpPr>
           <p:nvPr>
-            <p:ph idx="12" type="sldNum"/>
+            <p:ph type="sldNum" idx="12"/>
           </p:nvPr>
         </p:nvSpPr>
         <p:spPr>
@@ -1938,12 +2132,12 @@
           </a:ln>
         </p:spPr>
         <p:txBody>
-          <a:bodyPr anchorCtr="0" anchor="t" bIns="45700" lIns="91425" rIns="91425" tIns="45700">
+          <a:bodyPr lIns="91425" tIns="45700" rIns="91425" bIns="45700" anchor="t" anchorCtr="0">
             <a:noAutofit/>
           </a:bodyPr>
           <a:lstStyle/>
           <a:p>
-            <a:pPr indent="0" lvl="0" marL="0" marR="0" rtl="0" algn="l">
+            <a:pPr marL="0" marR="0" lvl="0" indent="0" algn="l" rtl="0">
               <a:lnSpc>
                 <a:spcPct val="100000"/>
               </a:lnSpc>
@@ -1961,7 +2155,7 @@
               <a:buNone/>
             </a:pPr>
             <a:fld id="{00000000-1234-1234-1234-123412341234}" type="slidenum">
-              <a:rPr b="0" i="0" lang="en" sz="1200" u="none" cap="none" strike="noStrike">
+              <a:rPr lang="en" sz="1200" b="0" i="0" u="none" strike="noStrike" cap="none">
                 <a:solidFill>
                   <a:schemeClr val="dk1"/>
                 </a:solidFill>
@@ -1972,15 +2166,26 @@
               </a:rPr>
               <a:t>‹#›</a:t>
             </a:fld>
+            <a:endParaRPr lang="en" sz="1200" b="0" i="0" u="none" strike="noStrike" cap="none">
+              <a:solidFill>
+                <a:schemeClr val="dk1"/>
+              </a:solidFill>
+              <a:latin typeface="Calibri"/>
+              <a:ea typeface="Calibri"/>
+              <a:cs typeface="Calibri"/>
+              <a:sym typeface="Calibri"/>
+            </a:endParaRPr>
           </a:p>
         </p:txBody>
       </p:sp>
       <p:sp>
         <p:nvSpPr>
           <p:cNvPr id="13" name="Shape 13"/>
-          <p:cNvSpPr txBox="1"/>
+          <p:cNvSpPr txBox="1">
+            <a:spLocks noGrp="1"/>
+          </p:cNvSpPr>
           <p:nvPr>
-            <p:ph idx="2" type="body"/>
+            <p:ph type="body" idx="2"/>
           </p:nvPr>
         </p:nvSpPr>
         <p:spPr>
@@ -1997,9 +2202,9 @@
           </a:ln>
         </p:spPr>
         <p:txBody>
-          <a:bodyPr anchorCtr="0" anchor="t" bIns="91425" lIns="91425" rIns="91425" tIns="91425"/>
+          <a:bodyPr lIns="91425" tIns="91425" rIns="91425" bIns="91425" anchor="t" anchorCtr="0"/>
           <a:lstStyle>
-            <a:lvl1pPr indent="0" lvl="0" marL="0" marR="0" rtl="0" algn="l">
+            <a:lvl1pPr marL="0" marR="0" lvl="0" indent="0" algn="l" rtl="0">
               <a:lnSpc>
                 <a:spcPct val="100000"/>
               </a:lnSpc>
@@ -2014,7 +2219,7 @@
               </a:buClr>
               <a:buFont typeface="Arial"/>
               <a:buNone/>
-              <a:defRPr b="0" i="0" sz="1800" u="none" cap="none" strike="noStrike">
+              <a:defRPr sz="1800" b="0" i="0" u="none" strike="noStrike" cap="none">
                 <a:solidFill>
                   <a:srgbClr val="000000"/>
                 </a:solidFill>
@@ -2024,7 +2229,7 @@
                 <a:sym typeface="Arial"/>
               </a:defRPr>
             </a:lvl1pPr>
-            <a:lvl2pPr indent="19050" lvl="1" marL="742950" marR="0" rtl="0" algn="l">
+            <a:lvl2pPr marL="742950" marR="0" lvl="1" indent="19050" algn="l" rtl="0">
               <a:lnSpc>
                 <a:spcPct val="100000"/>
               </a:lnSpc>
@@ -2040,7 +2245,7 @@
               <a:buSzPct val="100000"/>
               <a:buFont typeface="Arial"/>
               <a:buChar char="•"/>
-              <a:defRPr b="0" i="0" sz="1600" u="none" cap="none" strike="noStrike">
+              <a:defRPr sz="1600" b="0" i="0" u="none" strike="noStrike" cap="none">
                 <a:solidFill>
                   <a:srgbClr val="000000"/>
                 </a:solidFill>
@@ -2050,7 +2255,7 @@
                 <a:sym typeface="Arial"/>
               </a:defRPr>
             </a:lvl2pPr>
-            <a:lvl3pPr indent="38100" lvl="2" marL="1143000" marR="0" rtl="0" algn="l">
+            <a:lvl3pPr marL="1143000" marR="0" lvl="2" indent="38100" algn="l" rtl="0">
               <a:lnSpc>
                 <a:spcPct val="100000"/>
               </a:lnSpc>
@@ -2066,7 +2271,7 @@
               <a:buSzPct val="100000"/>
               <a:buFont typeface="Arial"/>
               <a:buChar char="•"/>
-              <a:defRPr b="0" i="0" sz="1400" u="none" cap="none" strike="noStrike">
+              <a:defRPr sz="1400" b="0" i="0" u="none" strike="noStrike" cap="none">
                 <a:solidFill>
                   <a:srgbClr val="000000"/>
                 </a:solidFill>
@@ -2076,7 +2281,7 @@
                 <a:sym typeface="Arial"/>
               </a:defRPr>
             </a:lvl3pPr>
-            <a:lvl4pPr indent="0" lvl="3" marL="1600200" marR="0" rtl="0" algn="l">
+            <a:lvl4pPr marL="1600200" marR="0" lvl="3" indent="0" algn="l" rtl="0">
               <a:lnSpc>
                 <a:spcPct val="100000"/>
               </a:lnSpc>
@@ -2092,7 +2297,7 @@
               <a:buSzPct val="100000"/>
               <a:buFont typeface="Arial"/>
               <a:buChar char="•"/>
-              <a:defRPr b="0" i="0" sz="1200" u="none" cap="none" strike="noStrike">
+              <a:defRPr sz="1200" b="0" i="0" u="none" strike="noStrike" cap="none">
                 <a:solidFill>
                   <a:srgbClr val="000000"/>
                 </a:solidFill>
@@ -2102,7 +2307,7 @@
                 <a:sym typeface="Arial"/>
               </a:defRPr>
             </a:lvl4pPr>
-            <a:lvl5pPr indent="-34925" lvl="4" marL="2057400" marR="0" rtl="0" algn="l">
+            <a:lvl5pPr marL="2057400" marR="0" lvl="4" indent="-34925" algn="l" rtl="0">
               <a:lnSpc>
                 <a:spcPct val="100000"/>
               </a:lnSpc>
@@ -2118,7 +2323,7 @@
               <a:buSzPct val="95454"/>
               <a:buFont typeface="Arial"/>
               <a:buChar char="•"/>
-              <a:defRPr b="0" i="0" sz="1050" u="none" cap="none" strike="noStrike">
+              <a:defRPr sz="1050" b="0" i="0" u="none" strike="noStrike" cap="none">
                 <a:solidFill>
                   <a:srgbClr val="000000"/>
                 </a:solidFill>
@@ -2128,7 +2333,7 @@
                 <a:sym typeface="Arial"/>
               </a:defRPr>
             </a:lvl5pPr>
-            <a:lvl6pPr indent="0" lvl="5" marL="2286000" marR="0" rtl="0" algn="l">
+            <a:lvl6pPr marL="2286000" marR="0" lvl="5" indent="0" algn="l" rtl="0">
               <a:lnSpc>
                 <a:spcPct val="100000"/>
               </a:lnSpc>
@@ -2143,7 +2348,7 @@
               </a:buClr>
               <a:buFont typeface="Calibri"/>
               <a:buNone/>
-              <a:defRPr b="0" i="0" sz="2000" u="none" cap="none" strike="noStrike">
+              <a:defRPr sz="2000" b="0" i="0" u="none" strike="noStrike" cap="none">
                 <a:solidFill>
                   <a:schemeClr val="dk1"/>
                 </a:solidFill>
@@ -2153,7 +2358,7 @@
                 <a:sym typeface="Calibri"/>
               </a:defRPr>
             </a:lvl6pPr>
-            <a:lvl7pPr indent="0" lvl="6" marL="2743200" marR="0" rtl="0" algn="l">
+            <a:lvl7pPr marL="2743200" marR="0" lvl="6" indent="0" algn="l" rtl="0">
               <a:lnSpc>
                 <a:spcPct val="100000"/>
               </a:lnSpc>
@@ -2168,7 +2373,7 @@
               </a:buClr>
               <a:buFont typeface="Calibri"/>
               <a:buNone/>
-              <a:defRPr b="0" i="0" sz="2000" u="none" cap="none" strike="noStrike">
+              <a:defRPr sz="2000" b="0" i="0" u="none" strike="noStrike" cap="none">
                 <a:solidFill>
                   <a:schemeClr val="dk1"/>
                 </a:solidFill>
@@ -2178,7 +2383,7 @@
                 <a:sym typeface="Calibri"/>
               </a:defRPr>
             </a:lvl7pPr>
-            <a:lvl8pPr indent="0" lvl="7" marL="3200400" marR="0" rtl="0" algn="l">
+            <a:lvl8pPr marL="3200400" marR="0" lvl="7" indent="0" algn="l" rtl="0">
               <a:lnSpc>
                 <a:spcPct val="100000"/>
               </a:lnSpc>
@@ -2193,7 +2398,7 @@
               </a:buClr>
               <a:buFont typeface="Calibri"/>
               <a:buNone/>
-              <a:defRPr b="0" i="0" sz="2000" u="none" cap="none" strike="noStrike">
+              <a:defRPr sz="2000" b="0" i="0" u="none" strike="noStrike" cap="none">
                 <a:solidFill>
                   <a:schemeClr val="dk1"/>
                 </a:solidFill>
@@ -2203,7 +2408,7 @@
                 <a:sym typeface="Calibri"/>
               </a:defRPr>
             </a:lvl8pPr>
-            <a:lvl9pPr indent="0" lvl="8" marL="3657600" marR="0" rtl="0" algn="l">
+            <a:lvl9pPr marL="3657600" marR="0" lvl="8" indent="0" algn="l" rtl="0">
               <a:lnSpc>
                 <a:spcPct val="100000"/>
               </a:lnSpc>
@@ -2218,7 +2423,7 @@
               </a:buClr>
               <a:buFont typeface="Calibri"/>
               <a:buNone/>
-              <a:defRPr b="0" i="0" sz="2000" u="none" cap="none" strike="noStrike">
+              <a:defRPr sz="2000" b="0" i="0" u="none" strike="noStrike" cap="none">
                 <a:solidFill>
                   <a:schemeClr val="dk1"/>
                 </a:solidFill>
@@ -2229,7 +2434,9 @@
               </a:defRPr>
             </a:lvl9pPr>
           </a:lstStyle>
-          <a:p/>
+          <a:p>
+            <a:endParaRPr/>
+          </a:p>
         </p:txBody>
       </p:sp>
     </p:spTree>
@@ -2241,11 +2448,11 @@
 </file>
 
 <file path=ppt/slideLayouts/slideLayout2.xml><?xml version="1.0" encoding="utf-8"?>
-<p:sldLayout xmlns:a="http://schemas.openxmlformats.org/drawingml/2006/main" xmlns:r="http://schemas.openxmlformats.org/officeDocument/2006/relationships" xmlns:mc="http://schemas.openxmlformats.org/markup-compatibility/2006" xmlns:mv="urn:schemas-microsoft-com:mac:vml" xmlns:p="http://schemas.openxmlformats.org/presentationml/2006/main" xmlns:c="http://schemas.openxmlformats.org/drawingml/2006/chart" xmlns:dgm="http://schemas.openxmlformats.org/drawingml/2006/diagram" xmlns:o="urn:schemas-microsoft-com:office:office" xmlns:v="urn:schemas-microsoft-com:vml" xmlns:pvml="urn:schemas-microsoft-com:office:powerpoint" xmlns:com="http://schemas.openxmlformats.org/drawingml/2006/compatibility" xmlns:p14="http://schemas.microsoft.com/office/powerpoint/2010/main">
+<p:sldLayout xmlns:a="http://schemas.openxmlformats.org/drawingml/2006/main" xmlns:r="http://schemas.openxmlformats.org/officeDocument/2006/relationships" xmlns:p="http://schemas.openxmlformats.org/presentationml/2006/main">
   <p:cSld name="Campus Aerial 1">
     <p:spTree>
       <p:nvGrpSpPr>
-        <p:cNvPr id="14" name="Shape 14"/>
+        <p:cNvPr id="1" name="Shape 14"/>
         <p:cNvGrpSpPr/>
         <p:nvPr/>
       </p:nvGrpSpPr>
@@ -2267,7 +2474,7 @@
           <a:blip r:embed="rId2">
             <a:alphaModFix/>
           </a:blip>
-          <a:srcRect b="0" l="0" r="0" t="0"/>
+          <a:srcRect/>
           <a:stretch/>
         </p:blipFill>
         <p:spPr>
@@ -2287,9 +2494,11 @@
       <p:sp>
         <p:nvSpPr>
           <p:cNvPr id="16" name="Shape 16"/>
-          <p:cNvSpPr txBox="1"/>
+          <p:cNvSpPr txBox="1">
+            <a:spLocks noGrp="1"/>
+          </p:cNvSpPr>
           <p:nvPr>
-            <p:ph idx="1" type="body"/>
+            <p:ph type="body" idx="1"/>
           </p:nvPr>
         </p:nvSpPr>
         <p:spPr>
@@ -2306,9 +2515,9 @@
           </a:ln>
         </p:spPr>
         <p:txBody>
-          <a:bodyPr anchorCtr="0" anchor="t" bIns="91425" lIns="91425" rIns="91425" tIns="91425"/>
+          <a:bodyPr lIns="91425" tIns="91425" rIns="91425" bIns="91425" anchor="t" anchorCtr="0"/>
           <a:lstStyle>
-            <a:lvl1pPr indent="0" lvl="0" marL="0" marR="0" rtl="0" algn="l">
+            <a:lvl1pPr marL="0" marR="0" lvl="0" indent="0" algn="l" rtl="0">
               <a:lnSpc>
                 <a:spcPct val="100000"/>
               </a:lnSpc>
@@ -2323,7 +2532,7 @@
               </a:buClr>
               <a:buFont typeface="Questrial"/>
               <a:buNone/>
-              <a:defRPr b="1" i="0" sz="3200" u="none" cap="none" strike="noStrike">
+              <a:defRPr sz="3200" b="1" i="0" u="none" strike="noStrike" cap="none">
                 <a:solidFill>
                   <a:srgbClr val="000000"/>
                 </a:solidFill>
@@ -2333,7 +2542,7 @@
                 <a:sym typeface="Questrial"/>
               </a:defRPr>
             </a:lvl1pPr>
-            <a:lvl2pPr indent="0" lvl="1" marL="457200" marR="0" rtl="0" algn="l">
+            <a:lvl2pPr marL="457200" marR="0" lvl="1" indent="0" algn="l" rtl="0">
               <a:lnSpc>
                 <a:spcPct val="100000"/>
               </a:lnSpc>
@@ -2348,7 +2557,7 @@
               </a:buClr>
               <a:buFont typeface="Calibri"/>
               <a:buNone/>
-              <a:defRPr b="0" i="0" sz="2800" u="none" cap="none" strike="noStrike">
+              <a:defRPr sz="2800" b="0" i="0" u="none" strike="noStrike" cap="none">
                 <a:solidFill>
                   <a:schemeClr val="dk1"/>
                 </a:solidFill>
@@ -2358,7 +2567,7 @@
                 <a:sym typeface="Calibri"/>
               </a:defRPr>
             </a:lvl2pPr>
-            <a:lvl3pPr indent="0" lvl="2" marL="914400" marR="0" rtl="0" algn="l">
+            <a:lvl3pPr marL="914400" marR="0" lvl="2" indent="0" algn="l" rtl="0">
               <a:lnSpc>
                 <a:spcPct val="100000"/>
               </a:lnSpc>
@@ -2373,7 +2582,7 @@
               </a:buClr>
               <a:buFont typeface="Calibri"/>
               <a:buNone/>
-              <a:defRPr b="0" i="0" sz="2400" u="none" cap="none" strike="noStrike">
+              <a:defRPr sz="2400" b="0" i="0" u="none" strike="noStrike" cap="none">
                 <a:solidFill>
                   <a:schemeClr val="dk1"/>
                 </a:solidFill>
@@ -2383,7 +2592,7 @@
                 <a:sym typeface="Calibri"/>
               </a:defRPr>
             </a:lvl3pPr>
-            <a:lvl4pPr indent="0" lvl="3" marL="1371600" marR="0" rtl="0" algn="l">
+            <a:lvl4pPr marL="1371600" marR="0" lvl="3" indent="0" algn="l" rtl="0">
               <a:lnSpc>
                 <a:spcPct val="100000"/>
               </a:lnSpc>
@@ -2398,7 +2607,7 @@
               </a:buClr>
               <a:buFont typeface="Calibri"/>
               <a:buNone/>
-              <a:defRPr b="0" i="0" sz="2000" u="none" cap="none" strike="noStrike">
+              <a:defRPr sz="2000" b="0" i="0" u="none" strike="noStrike" cap="none">
                 <a:solidFill>
                   <a:schemeClr val="dk1"/>
                 </a:solidFill>
@@ -2408,7 +2617,7 @@
                 <a:sym typeface="Calibri"/>
               </a:defRPr>
             </a:lvl4pPr>
-            <a:lvl5pPr indent="0" lvl="4" marL="1828800" marR="0" rtl="0" algn="l">
+            <a:lvl5pPr marL="1828800" marR="0" lvl="4" indent="0" algn="l" rtl="0">
               <a:lnSpc>
                 <a:spcPct val="100000"/>
               </a:lnSpc>
@@ -2423,7 +2632,7 @@
               </a:buClr>
               <a:buFont typeface="Calibri"/>
               <a:buNone/>
-              <a:defRPr b="0" i="0" sz="2000" u="none" cap="none" strike="noStrike">
+              <a:defRPr sz="2000" b="0" i="0" u="none" strike="noStrike" cap="none">
                 <a:solidFill>
                   <a:schemeClr val="dk1"/>
                 </a:solidFill>
@@ -2433,7 +2642,7 @@
                 <a:sym typeface="Calibri"/>
               </a:defRPr>
             </a:lvl5pPr>
-            <a:lvl6pPr indent="0" lvl="5" marL="2286000" marR="0" rtl="0" algn="l">
+            <a:lvl6pPr marL="2286000" marR="0" lvl="5" indent="0" algn="l" rtl="0">
               <a:lnSpc>
                 <a:spcPct val="100000"/>
               </a:lnSpc>
@@ -2448,7 +2657,7 @@
               </a:buClr>
               <a:buFont typeface="Calibri"/>
               <a:buNone/>
-              <a:defRPr b="0" i="0" sz="2000" u="none" cap="none" strike="noStrike">
+              <a:defRPr sz="2000" b="0" i="0" u="none" strike="noStrike" cap="none">
                 <a:solidFill>
                   <a:schemeClr val="dk1"/>
                 </a:solidFill>
@@ -2458,7 +2667,7 @@
                 <a:sym typeface="Calibri"/>
               </a:defRPr>
             </a:lvl6pPr>
-            <a:lvl7pPr indent="0" lvl="6" marL="2743200" marR="0" rtl="0" algn="l">
+            <a:lvl7pPr marL="2743200" marR="0" lvl="6" indent="0" algn="l" rtl="0">
               <a:lnSpc>
                 <a:spcPct val="100000"/>
               </a:lnSpc>
@@ -2473,7 +2682,7 @@
               </a:buClr>
               <a:buFont typeface="Calibri"/>
               <a:buNone/>
-              <a:defRPr b="0" i="0" sz="2000" u="none" cap="none" strike="noStrike">
+              <a:defRPr sz="2000" b="0" i="0" u="none" strike="noStrike" cap="none">
                 <a:solidFill>
                   <a:schemeClr val="dk1"/>
                 </a:solidFill>
@@ -2483,7 +2692,7 @@
                 <a:sym typeface="Calibri"/>
               </a:defRPr>
             </a:lvl7pPr>
-            <a:lvl8pPr indent="0" lvl="7" marL="3200400" marR="0" rtl="0" algn="l">
+            <a:lvl8pPr marL="3200400" marR="0" lvl="7" indent="0" algn="l" rtl="0">
               <a:lnSpc>
                 <a:spcPct val="100000"/>
               </a:lnSpc>
@@ -2498,7 +2707,7 @@
               </a:buClr>
               <a:buFont typeface="Calibri"/>
               <a:buNone/>
-              <a:defRPr b="0" i="0" sz="2000" u="none" cap="none" strike="noStrike">
+              <a:defRPr sz="2000" b="0" i="0" u="none" strike="noStrike" cap="none">
                 <a:solidFill>
                   <a:schemeClr val="dk1"/>
                 </a:solidFill>
@@ -2508,7 +2717,7 @@
                 <a:sym typeface="Calibri"/>
               </a:defRPr>
             </a:lvl8pPr>
-            <a:lvl9pPr indent="0" lvl="8" marL="3657600" marR="0" rtl="0" algn="l">
+            <a:lvl9pPr marL="3657600" marR="0" lvl="8" indent="0" algn="l" rtl="0">
               <a:lnSpc>
                 <a:spcPct val="100000"/>
               </a:lnSpc>
@@ -2523,7 +2732,7 @@
               </a:buClr>
               <a:buFont typeface="Calibri"/>
               <a:buNone/>
-              <a:defRPr b="0" i="0" sz="2000" u="none" cap="none" strike="noStrike">
+              <a:defRPr sz="2000" b="0" i="0" u="none" strike="noStrike" cap="none">
                 <a:solidFill>
                   <a:schemeClr val="dk1"/>
                 </a:solidFill>
@@ -2534,15 +2743,19 @@
               </a:defRPr>
             </a:lvl9pPr>
           </a:lstStyle>
-          <a:p/>
+          <a:p>
+            <a:endParaRPr/>
+          </a:p>
         </p:txBody>
       </p:sp>
       <p:sp>
         <p:nvSpPr>
           <p:cNvPr id="17" name="Shape 17"/>
-          <p:cNvSpPr txBox="1"/>
+          <p:cNvSpPr txBox="1">
+            <a:spLocks noGrp="1"/>
+          </p:cNvSpPr>
           <p:nvPr>
-            <p:ph idx="2" type="body"/>
+            <p:ph type="body" idx="2"/>
           </p:nvPr>
         </p:nvSpPr>
         <p:spPr>
@@ -2559,9 +2772,9 @@
           </a:ln>
         </p:spPr>
         <p:txBody>
-          <a:bodyPr anchorCtr="0" anchor="t" bIns="91425" lIns="91425" rIns="91425" tIns="91425"/>
+          <a:bodyPr lIns="91425" tIns="91425" rIns="91425" bIns="91425" anchor="t" anchorCtr="0"/>
           <a:lstStyle>
-            <a:lvl1pPr indent="0" lvl="0" marL="0" marR="0" rtl="0" algn="l">
+            <a:lvl1pPr marL="0" marR="0" lvl="0" indent="0" algn="l" rtl="0">
               <a:lnSpc>
                 <a:spcPct val="100000"/>
               </a:lnSpc>
@@ -2576,7 +2789,7 @@
               </a:buClr>
               <a:buFont typeface="Questrial"/>
               <a:buNone/>
-              <a:defRPr b="0" i="0" sz="1800" u="none" cap="none" strike="noStrike">
+              <a:defRPr sz="1800" b="0" i="0" u="none" strike="noStrike" cap="none">
                 <a:solidFill>
                   <a:srgbClr val="000000"/>
                 </a:solidFill>
@@ -2586,7 +2799,7 @@
                 <a:sym typeface="Questrial"/>
               </a:defRPr>
             </a:lvl1pPr>
-            <a:lvl2pPr indent="0" lvl="1" marL="457200" marR="0" rtl="0" algn="l">
+            <a:lvl2pPr marL="457200" marR="0" lvl="1" indent="0" algn="l" rtl="0">
               <a:lnSpc>
                 <a:spcPct val="100000"/>
               </a:lnSpc>
@@ -2601,7 +2814,7 @@
               </a:buClr>
               <a:buFont typeface="Calibri"/>
               <a:buNone/>
-              <a:defRPr b="0" i="0" sz="1400" u="none" cap="none" strike="noStrike">
+              <a:defRPr sz="1400" b="0" i="0" u="none" strike="noStrike" cap="none">
                 <a:solidFill>
                   <a:srgbClr val="000000"/>
                 </a:solidFill>
@@ -2611,7 +2824,7 @@
                 <a:sym typeface="Arial"/>
               </a:defRPr>
             </a:lvl2pPr>
-            <a:lvl3pPr indent="0" lvl="2" marL="914400" marR="0" rtl="0" algn="l">
+            <a:lvl3pPr marL="914400" marR="0" lvl="2" indent="0" algn="l" rtl="0">
               <a:lnSpc>
                 <a:spcPct val="100000"/>
               </a:lnSpc>
@@ -2626,7 +2839,7 @@
               </a:buClr>
               <a:buFont typeface="Calibri"/>
               <a:buNone/>
-              <a:defRPr b="0" i="0" sz="1400" u="none" cap="none" strike="noStrike">
+              <a:defRPr sz="1400" b="0" i="0" u="none" strike="noStrike" cap="none">
                 <a:solidFill>
                   <a:srgbClr val="000000"/>
                 </a:solidFill>
@@ -2636,7 +2849,7 @@
                 <a:sym typeface="Arial"/>
               </a:defRPr>
             </a:lvl3pPr>
-            <a:lvl4pPr indent="0" lvl="3" marL="1371600" marR="0" rtl="0" algn="l">
+            <a:lvl4pPr marL="1371600" marR="0" lvl="3" indent="0" algn="l" rtl="0">
               <a:lnSpc>
                 <a:spcPct val="100000"/>
               </a:lnSpc>
@@ -2651,7 +2864,7 @@
               </a:buClr>
               <a:buFont typeface="Calibri"/>
               <a:buNone/>
-              <a:defRPr b="0" i="0" sz="1400" u="none" cap="none" strike="noStrike">
+              <a:defRPr sz="1400" b="0" i="0" u="none" strike="noStrike" cap="none">
                 <a:solidFill>
                   <a:srgbClr val="000000"/>
                 </a:solidFill>
@@ -2661,7 +2874,7 @@
                 <a:sym typeface="Arial"/>
               </a:defRPr>
             </a:lvl4pPr>
-            <a:lvl5pPr indent="0" lvl="4" marL="1828800" marR="0" rtl="0" algn="l">
+            <a:lvl5pPr marL="1828800" marR="0" lvl="4" indent="0" algn="l" rtl="0">
               <a:lnSpc>
                 <a:spcPct val="100000"/>
               </a:lnSpc>
@@ -2676,7 +2889,7 @@
               </a:buClr>
               <a:buFont typeface="Calibri"/>
               <a:buNone/>
-              <a:defRPr b="0" i="0" sz="1400" u="none" cap="none" strike="noStrike">
+              <a:defRPr sz="1400" b="0" i="0" u="none" strike="noStrike" cap="none">
                 <a:solidFill>
                   <a:srgbClr val="000000"/>
                 </a:solidFill>
@@ -2686,7 +2899,7 @@
                 <a:sym typeface="Arial"/>
               </a:defRPr>
             </a:lvl5pPr>
-            <a:lvl6pPr indent="0" lvl="5" marL="2286000" marR="0" rtl="0" algn="l">
+            <a:lvl6pPr marL="2286000" marR="0" lvl="5" indent="0" algn="l" rtl="0">
               <a:lnSpc>
                 <a:spcPct val="100000"/>
               </a:lnSpc>
@@ -2701,7 +2914,7 @@
               </a:buClr>
               <a:buFont typeface="Calibri"/>
               <a:buNone/>
-              <a:defRPr b="0" i="0" sz="2000" u="none" cap="none" strike="noStrike">
+              <a:defRPr sz="2000" b="0" i="0" u="none" strike="noStrike" cap="none">
                 <a:solidFill>
                   <a:schemeClr val="dk1"/>
                 </a:solidFill>
@@ -2711,7 +2924,7 @@
                 <a:sym typeface="Calibri"/>
               </a:defRPr>
             </a:lvl6pPr>
-            <a:lvl7pPr indent="0" lvl="6" marL="2743200" marR="0" rtl="0" algn="l">
+            <a:lvl7pPr marL="2743200" marR="0" lvl="6" indent="0" algn="l" rtl="0">
               <a:lnSpc>
                 <a:spcPct val="100000"/>
               </a:lnSpc>
@@ -2726,7 +2939,7 @@
               </a:buClr>
               <a:buFont typeface="Calibri"/>
               <a:buNone/>
-              <a:defRPr b="0" i="0" sz="2000" u="none" cap="none" strike="noStrike">
+              <a:defRPr sz="2000" b="0" i="0" u="none" strike="noStrike" cap="none">
                 <a:solidFill>
                   <a:schemeClr val="dk1"/>
                 </a:solidFill>
@@ -2736,7 +2949,7 @@
                 <a:sym typeface="Calibri"/>
               </a:defRPr>
             </a:lvl7pPr>
-            <a:lvl8pPr indent="0" lvl="7" marL="3200400" marR="0" rtl="0" algn="l">
+            <a:lvl8pPr marL="3200400" marR="0" lvl="7" indent="0" algn="l" rtl="0">
               <a:lnSpc>
                 <a:spcPct val="100000"/>
               </a:lnSpc>
@@ -2751,7 +2964,7 @@
               </a:buClr>
               <a:buFont typeface="Calibri"/>
               <a:buNone/>
-              <a:defRPr b="0" i="0" sz="2000" u="none" cap="none" strike="noStrike">
+              <a:defRPr sz="2000" b="0" i="0" u="none" strike="noStrike" cap="none">
                 <a:solidFill>
                   <a:schemeClr val="dk1"/>
                 </a:solidFill>
@@ -2761,7 +2974,7 @@
                 <a:sym typeface="Calibri"/>
               </a:defRPr>
             </a:lvl8pPr>
-            <a:lvl9pPr indent="0" lvl="8" marL="3657600" marR="0" rtl="0" algn="l">
+            <a:lvl9pPr marL="3657600" marR="0" lvl="8" indent="0" algn="l" rtl="0">
               <a:lnSpc>
                 <a:spcPct val="100000"/>
               </a:lnSpc>
@@ -2776,7 +2989,7 @@
               </a:buClr>
               <a:buFont typeface="Calibri"/>
               <a:buNone/>
-              <a:defRPr b="0" i="0" sz="2000" u="none" cap="none" strike="noStrike">
+              <a:defRPr sz="2000" b="0" i="0" u="none" strike="noStrike" cap="none">
                 <a:solidFill>
                   <a:schemeClr val="dk1"/>
                 </a:solidFill>
@@ -2787,15 +3000,19 @@
               </a:defRPr>
             </a:lvl9pPr>
           </a:lstStyle>
-          <a:p/>
+          <a:p>
+            <a:endParaRPr/>
+          </a:p>
         </p:txBody>
       </p:sp>
       <p:sp>
         <p:nvSpPr>
           <p:cNvPr id="18" name="Shape 18"/>
-          <p:cNvSpPr txBox="1"/>
+          <p:cNvSpPr txBox="1">
+            <a:spLocks noGrp="1"/>
+          </p:cNvSpPr>
           <p:nvPr>
-            <p:ph idx="3" type="body"/>
+            <p:ph type="body" idx="3"/>
           </p:nvPr>
         </p:nvSpPr>
         <p:spPr>
@@ -2812,9 +3029,9 @@
           </a:ln>
         </p:spPr>
         <p:txBody>
-          <a:bodyPr anchorCtr="0" anchor="t" bIns="91425" lIns="91425" rIns="91425" tIns="91425"/>
+          <a:bodyPr lIns="91425" tIns="91425" rIns="91425" bIns="91425" anchor="t" anchorCtr="0"/>
           <a:lstStyle>
-            <a:lvl1pPr indent="0" lvl="0" marL="0" marR="0" rtl="0" algn="l">
+            <a:lvl1pPr marL="0" marR="0" lvl="0" indent="0" algn="l" rtl="0">
               <a:lnSpc>
                 <a:spcPct val="100000"/>
               </a:lnSpc>
@@ -2829,7 +3046,7 @@
               </a:buClr>
               <a:buFont typeface="Questrial"/>
               <a:buNone/>
-              <a:defRPr b="0" i="1" sz="2400" u="none" cap="none" strike="noStrike">
+              <a:defRPr sz="2400" b="0" i="1" u="none" strike="noStrike" cap="none">
                 <a:solidFill>
                   <a:srgbClr val="000000"/>
                 </a:solidFill>
@@ -2839,7 +3056,7 @@
                 <a:sym typeface="Questrial"/>
               </a:defRPr>
             </a:lvl1pPr>
-            <a:lvl2pPr indent="0" lvl="1" marL="457200" marR="0" rtl="0" algn="l">
+            <a:lvl2pPr marL="457200" marR="0" lvl="1" indent="0" algn="l" rtl="0">
               <a:lnSpc>
                 <a:spcPct val="100000"/>
               </a:lnSpc>
@@ -2854,7 +3071,7 @@
               </a:buClr>
               <a:buFont typeface="Calibri"/>
               <a:buNone/>
-              <a:defRPr b="0" i="0" sz="1400" u="none" cap="none" strike="noStrike">
+              <a:defRPr sz="1400" b="0" i="0" u="none" strike="noStrike" cap="none">
                 <a:solidFill>
                   <a:srgbClr val="000000"/>
                 </a:solidFill>
@@ -2864,7 +3081,7 @@
                 <a:sym typeface="Arial"/>
               </a:defRPr>
             </a:lvl2pPr>
-            <a:lvl3pPr indent="0" lvl="2" marL="914400" marR="0" rtl="0" algn="l">
+            <a:lvl3pPr marL="914400" marR="0" lvl="2" indent="0" algn="l" rtl="0">
               <a:lnSpc>
                 <a:spcPct val="100000"/>
               </a:lnSpc>
@@ -2879,7 +3096,7 @@
               </a:buClr>
               <a:buFont typeface="Calibri"/>
               <a:buNone/>
-              <a:defRPr b="0" i="0" sz="1400" u="none" cap="none" strike="noStrike">
+              <a:defRPr sz="1400" b="0" i="0" u="none" strike="noStrike" cap="none">
                 <a:solidFill>
                   <a:srgbClr val="000000"/>
                 </a:solidFill>
@@ -2889,7 +3106,7 @@
                 <a:sym typeface="Arial"/>
               </a:defRPr>
             </a:lvl3pPr>
-            <a:lvl4pPr indent="0" lvl="3" marL="1371600" marR="0" rtl="0" algn="l">
+            <a:lvl4pPr marL="1371600" marR="0" lvl="3" indent="0" algn="l" rtl="0">
               <a:lnSpc>
                 <a:spcPct val="100000"/>
               </a:lnSpc>
@@ -2904,7 +3121,7 @@
               </a:buClr>
               <a:buFont typeface="Calibri"/>
               <a:buNone/>
-              <a:defRPr b="0" i="0" sz="1400" u="none" cap="none" strike="noStrike">
+              <a:defRPr sz="1400" b="0" i="0" u="none" strike="noStrike" cap="none">
                 <a:solidFill>
                   <a:srgbClr val="000000"/>
                 </a:solidFill>
@@ -2914,7 +3131,7 @@
                 <a:sym typeface="Arial"/>
               </a:defRPr>
             </a:lvl4pPr>
-            <a:lvl5pPr indent="0" lvl="4" marL="1828800" marR="0" rtl="0" algn="l">
+            <a:lvl5pPr marL="1828800" marR="0" lvl="4" indent="0" algn="l" rtl="0">
               <a:lnSpc>
                 <a:spcPct val="100000"/>
               </a:lnSpc>
@@ -2929,7 +3146,7 @@
               </a:buClr>
               <a:buFont typeface="Calibri"/>
               <a:buNone/>
-              <a:defRPr b="0" i="0" sz="1400" u="none" cap="none" strike="noStrike">
+              <a:defRPr sz="1400" b="0" i="0" u="none" strike="noStrike" cap="none">
                 <a:solidFill>
                   <a:srgbClr val="000000"/>
                 </a:solidFill>
@@ -2939,7 +3156,7 @@
                 <a:sym typeface="Arial"/>
               </a:defRPr>
             </a:lvl5pPr>
-            <a:lvl6pPr indent="0" lvl="5" marL="2286000" marR="0" rtl="0" algn="l">
+            <a:lvl6pPr marL="2286000" marR="0" lvl="5" indent="0" algn="l" rtl="0">
               <a:lnSpc>
                 <a:spcPct val="100000"/>
               </a:lnSpc>
@@ -2954,7 +3171,7 @@
               </a:buClr>
               <a:buFont typeface="Calibri"/>
               <a:buNone/>
-              <a:defRPr b="0" i="0" sz="2000" u="none" cap="none" strike="noStrike">
+              <a:defRPr sz="2000" b="0" i="0" u="none" strike="noStrike" cap="none">
                 <a:solidFill>
                   <a:schemeClr val="dk1"/>
                 </a:solidFill>
@@ -2964,7 +3181,7 @@
                 <a:sym typeface="Calibri"/>
               </a:defRPr>
             </a:lvl6pPr>
-            <a:lvl7pPr indent="0" lvl="6" marL="2743200" marR="0" rtl="0" algn="l">
+            <a:lvl7pPr marL="2743200" marR="0" lvl="6" indent="0" algn="l" rtl="0">
               <a:lnSpc>
                 <a:spcPct val="100000"/>
               </a:lnSpc>
@@ -2979,7 +3196,7 @@
               </a:buClr>
               <a:buFont typeface="Calibri"/>
               <a:buNone/>
-              <a:defRPr b="0" i="0" sz="2000" u="none" cap="none" strike="noStrike">
+              <a:defRPr sz="2000" b="0" i="0" u="none" strike="noStrike" cap="none">
                 <a:solidFill>
                   <a:schemeClr val="dk1"/>
                 </a:solidFill>
@@ -2989,7 +3206,7 @@
                 <a:sym typeface="Calibri"/>
               </a:defRPr>
             </a:lvl7pPr>
-            <a:lvl8pPr indent="0" lvl="7" marL="3200400" marR="0" rtl="0" algn="l">
+            <a:lvl8pPr marL="3200400" marR="0" lvl="7" indent="0" algn="l" rtl="0">
               <a:lnSpc>
                 <a:spcPct val="100000"/>
               </a:lnSpc>
@@ -3004,7 +3221,7 @@
               </a:buClr>
               <a:buFont typeface="Calibri"/>
               <a:buNone/>
-              <a:defRPr b="0" i="0" sz="2000" u="none" cap="none" strike="noStrike">
+              <a:defRPr sz="2000" b="0" i="0" u="none" strike="noStrike" cap="none">
                 <a:solidFill>
                   <a:schemeClr val="dk1"/>
                 </a:solidFill>
@@ -3014,7 +3231,7 @@
                 <a:sym typeface="Calibri"/>
               </a:defRPr>
             </a:lvl8pPr>
-            <a:lvl9pPr indent="0" lvl="8" marL="3657600" marR="0" rtl="0" algn="l">
+            <a:lvl9pPr marL="3657600" marR="0" lvl="8" indent="0" algn="l" rtl="0">
               <a:lnSpc>
                 <a:spcPct val="100000"/>
               </a:lnSpc>
@@ -3029,7 +3246,7 @@
               </a:buClr>
               <a:buFont typeface="Calibri"/>
               <a:buNone/>
-              <a:defRPr b="0" i="0" sz="2000" u="none" cap="none" strike="noStrike">
+              <a:defRPr sz="2000" b="0" i="0" u="none" strike="noStrike" cap="none">
                 <a:solidFill>
                   <a:schemeClr val="dk1"/>
                 </a:solidFill>
@@ -3040,7 +3257,9 @@
               </a:defRPr>
             </a:lvl9pPr>
           </a:lstStyle>
-          <a:p/>
+          <a:p>
+            <a:endParaRPr/>
+          </a:p>
         </p:txBody>
       </p:sp>
       <p:pic>
@@ -3053,7 +3272,7 @@
           <a:blip r:embed="rId3">
             <a:alphaModFix/>
           </a:blip>
-          <a:srcRect b="0" l="0" r="0" t="0"/>
+          <a:srcRect/>
           <a:stretch/>
         </p:blipFill>
         <p:spPr>
@@ -3080,7 +3299,7 @@
           <a:blip r:embed="rId4">
             <a:alphaModFix/>
           </a:blip>
-          <a:srcRect b="0" l="0" r="0" t="0"/>
+          <a:srcRect/>
           <a:stretch/>
         </p:blipFill>
         <p:spPr>
@@ -3107,7 +3326,7 @@
           <a:blip r:embed="rId5">
             <a:alphaModFix/>
           </a:blip>
-          <a:srcRect b="0" l="0" r="0" t="0"/>
+          <a:srcRect/>
           <a:stretch/>
         </p:blipFill>
         <p:spPr>
@@ -3127,9 +3346,11 @@
       <p:sp>
         <p:nvSpPr>
           <p:cNvPr id="22" name="Shape 22"/>
-          <p:cNvSpPr txBox="1"/>
+          <p:cNvSpPr txBox="1">
+            <a:spLocks noGrp="1"/>
+          </p:cNvSpPr>
           <p:nvPr>
-            <p:ph idx="11" type="ftr"/>
+            <p:ph type="ftr" idx="11"/>
           </p:nvPr>
         </p:nvSpPr>
         <p:spPr>
@@ -3146,9 +3367,9 @@
           </a:ln>
         </p:spPr>
         <p:txBody>
-          <a:bodyPr anchorCtr="0" anchor="ctr" bIns="91425" lIns="91425" rIns="91425" tIns="91425"/>
+          <a:bodyPr lIns="91425" tIns="91425" rIns="91425" bIns="91425" anchor="ctr" anchorCtr="0"/>
           <a:lstStyle>
-            <a:lvl1pPr indent="0" lvl="0" marL="0" marR="0" rtl="0" algn="r">
+            <a:lvl1pPr marL="0" marR="0" lvl="0" indent="0" algn="r" rtl="0">
               <a:lnSpc>
                 <a:spcPct val="100000"/>
               </a:lnSpc>
@@ -3163,7 +3384,7 @@
               </a:buClr>
               <a:buFont typeface="Questrial"/>
               <a:buNone/>
-              <a:defRPr b="0" i="0" sz="1200" u="none" cap="none" strike="noStrike">
+              <a:defRPr sz="1200" b="0" i="0" u="none" strike="noStrike" cap="none">
                 <a:solidFill>
                   <a:srgbClr val="888888"/>
                 </a:solidFill>
@@ -3173,7 +3394,7 @@
                 <a:sym typeface="Questrial"/>
               </a:defRPr>
             </a:lvl1pPr>
-            <a:lvl2pPr indent="0" lvl="1" marL="457200" marR="0" rtl="0" algn="l">
+            <a:lvl2pPr marL="457200" marR="0" lvl="1" indent="0" algn="l" rtl="0">
               <a:lnSpc>
                 <a:spcPct val="100000"/>
               </a:lnSpc>
@@ -3188,7 +3409,7 @@
               </a:buClr>
               <a:buFont typeface="Calibri"/>
               <a:buNone/>
-              <a:defRPr b="0" i="0" sz="1800" u="none" cap="none" strike="noStrike">
+              <a:defRPr sz="1800" b="0" i="0" u="none" strike="noStrike" cap="none">
                 <a:solidFill>
                   <a:schemeClr val="dk1"/>
                 </a:solidFill>
@@ -3198,7 +3419,7 @@
                 <a:sym typeface="Calibri"/>
               </a:defRPr>
             </a:lvl2pPr>
-            <a:lvl3pPr indent="0" lvl="2" marL="914400" marR="0" rtl="0" algn="l">
+            <a:lvl3pPr marL="914400" marR="0" lvl="2" indent="0" algn="l" rtl="0">
               <a:lnSpc>
                 <a:spcPct val="100000"/>
               </a:lnSpc>
@@ -3213,7 +3434,7 @@
               </a:buClr>
               <a:buFont typeface="Calibri"/>
               <a:buNone/>
-              <a:defRPr b="0" i="0" sz="1800" u="none" cap="none" strike="noStrike">
+              <a:defRPr sz="1800" b="0" i="0" u="none" strike="noStrike" cap="none">
                 <a:solidFill>
                   <a:schemeClr val="dk1"/>
                 </a:solidFill>
@@ -3223,7 +3444,7 @@
                 <a:sym typeface="Calibri"/>
               </a:defRPr>
             </a:lvl3pPr>
-            <a:lvl4pPr indent="0" lvl="3" marL="1371600" marR="0" rtl="0" algn="l">
+            <a:lvl4pPr marL="1371600" marR="0" lvl="3" indent="0" algn="l" rtl="0">
               <a:lnSpc>
                 <a:spcPct val="100000"/>
               </a:lnSpc>
@@ -3238,7 +3459,7 @@
               </a:buClr>
               <a:buFont typeface="Calibri"/>
               <a:buNone/>
-              <a:defRPr b="0" i="0" sz="1800" u="none" cap="none" strike="noStrike">
+              <a:defRPr sz="1800" b="0" i="0" u="none" strike="noStrike" cap="none">
                 <a:solidFill>
                   <a:schemeClr val="dk1"/>
                 </a:solidFill>
@@ -3248,7 +3469,7 @@
                 <a:sym typeface="Calibri"/>
               </a:defRPr>
             </a:lvl4pPr>
-            <a:lvl5pPr indent="0" lvl="4" marL="1828800" marR="0" rtl="0" algn="l">
+            <a:lvl5pPr marL="1828800" marR="0" lvl="4" indent="0" algn="l" rtl="0">
               <a:lnSpc>
                 <a:spcPct val="100000"/>
               </a:lnSpc>
@@ -3263,7 +3484,7 @@
               </a:buClr>
               <a:buFont typeface="Calibri"/>
               <a:buNone/>
-              <a:defRPr b="0" i="0" sz="1800" u="none" cap="none" strike="noStrike">
+              <a:defRPr sz="1800" b="0" i="0" u="none" strike="noStrike" cap="none">
                 <a:solidFill>
                   <a:schemeClr val="dk1"/>
                 </a:solidFill>
@@ -3273,7 +3494,7 @@
                 <a:sym typeface="Calibri"/>
               </a:defRPr>
             </a:lvl5pPr>
-            <a:lvl6pPr indent="0" lvl="5" marL="2286000" marR="0" rtl="0" algn="l">
+            <a:lvl6pPr marL="2286000" marR="0" lvl="5" indent="0" algn="l" rtl="0">
               <a:lnSpc>
                 <a:spcPct val="100000"/>
               </a:lnSpc>
@@ -3288,7 +3509,7 @@
               </a:buClr>
               <a:buFont typeface="Calibri"/>
               <a:buNone/>
-              <a:defRPr b="0" i="0" sz="1800" u="none" cap="none" strike="noStrike">
+              <a:defRPr sz="1800" b="0" i="0" u="none" strike="noStrike" cap="none">
                 <a:solidFill>
                   <a:schemeClr val="dk1"/>
                 </a:solidFill>
@@ -3298,7 +3519,7 @@
                 <a:sym typeface="Calibri"/>
               </a:defRPr>
             </a:lvl6pPr>
-            <a:lvl7pPr indent="0" lvl="6" marL="2743200" marR="0" rtl="0" algn="l">
+            <a:lvl7pPr marL="2743200" marR="0" lvl="6" indent="0" algn="l" rtl="0">
               <a:lnSpc>
                 <a:spcPct val="100000"/>
               </a:lnSpc>
@@ -3313,7 +3534,7 @@
               </a:buClr>
               <a:buFont typeface="Calibri"/>
               <a:buNone/>
-              <a:defRPr b="0" i="0" sz="1800" u="none" cap="none" strike="noStrike">
+              <a:defRPr sz="1800" b="0" i="0" u="none" strike="noStrike" cap="none">
                 <a:solidFill>
                   <a:schemeClr val="dk1"/>
                 </a:solidFill>
@@ -3323,7 +3544,7 @@
                 <a:sym typeface="Calibri"/>
               </a:defRPr>
             </a:lvl7pPr>
-            <a:lvl8pPr indent="0" lvl="7" marL="3200400" marR="0" rtl="0" algn="l">
+            <a:lvl8pPr marL="3200400" marR="0" lvl="7" indent="0" algn="l" rtl="0">
               <a:lnSpc>
                 <a:spcPct val="100000"/>
               </a:lnSpc>
@@ -3338,7 +3559,7 @@
               </a:buClr>
               <a:buFont typeface="Calibri"/>
               <a:buNone/>
-              <a:defRPr b="0" i="0" sz="1800" u="none" cap="none" strike="noStrike">
+              <a:defRPr sz="1800" b="0" i="0" u="none" strike="noStrike" cap="none">
                 <a:solidFill>
                   <a:schemeClr val="dk1"/>
                 </a:solidFill>
@@ -3348,7 +3569,7 @@
                 <a:sym typeface="Calibri"/>
               </a:defRPr>
             </a:lvl8pPr>
-            <a:lvl9pPr indent="0" lvl="8" marL="3657600" marR="0" rtl="0" algn="l">
+            <a:lvl9pPr marL="3657600" marR="0" lvl="8" indent="0" algn="l" rtl="0">
               <a:lnSpc>
                 <a:spcPct val="100000"/>
               </a:lnSpc>
@@ -3363,7 +3584,7 @@
               </a:buClr>
               <a:buFont typeface="Calibri"/>
               <a:buNone/>
-              <a:defRPr b="0" i="0" sz="1800" u="none" cap="none" strike="noStrike">
+              <a:defRPr sz="1800" b="0" i="0" u="none" strike="noStrike" cap="none">
                 <a:solidFill>
                   <a:schemeClr val="dk1"/>
                 </a:solidFill>
@@ -3374,7 +3595,9 @@
               </a:defRPr>
             </a:lvl9pPr>
           </a:lstStyle>
-          <a:p/>
+          <a:p>
+            <a:endParaRPr/>
+          </a:p>
         </p:txBody>
       </p:sp>
     </p:spTree>
@@ -3386,11 +3609,11 @@
 </file>
 
 <file path=ppt/slideLayouts/slideLayout3.xml><?xml version="1.0" encoding="utf-8"?>
-<p:sldLayout xmlns:a="http://schemas.openxmlformats.org/drawingml/2006/main" xmlns:r="http://schemas.openxmlformats.org/officeDocument/2006/relationships" xmlns:mc="http://schemas.openxmlformats.org/markup-compatibility/2006" xmlns:mv="urn:schemas-microsoft-com:mac:vml" xmlns:p="http://schemas.openxmlformats.org/presentationml/2006/main" xmlns:c="http://schemas.openxmlformats.org/drawingml/2006/chart" xmlns:dgm="http://schemas.openxmlformats.org/drawingml/2006/diagram" xmlns:o="urn:schemas-microsoft-com:office:office" xmlns:v="urn:schemas-microsoft-com:vml" xmlns:pvml="urn:schemas-microsoft-com:office:powerpoint" xmlns:com="http://schemas.openxmlformats.org/drawingml/2006/compatibility" xmlns:p14="http://schemas.microsoft.com/office/powerpoint/2010/main" type="blank">
+<p:sldLayout xmlns:a="http://schemas.openxmlformats.org/drawingml/2006/main" xmlns:r="http://schemas.openxmlformats.org/officeDocument/2006/relationships" xmlns:p="http://schemas.openxmlformats.org/presentationml/2006/main" type="blank">
   <p:cSld name="Blank">
     <p:spTree>
       <p:nvGrpSpPr>
-        <p:cNvPr id="23" name="Shape 23"/>
+        <p:cNvPr id="1" name="Shape 23"/>
         <p:cNvGrpSpPr/>
         <p:nvPr/>
       </p:nvGrpSpPr>
@@ -3405,9 +3628,11 @@
       <p:sp>
         <p:nvSpPr>
           <p:cNvPr id="24" name="Shape 24"/>
-          <p:cNvSpPr txBox="1"/>
+          <p:cNvSpPr txBox="1">
+            <a:spLocks noGrp="1"/>
+          </p:cNvSpPr>
           <p:nvPr>
-            <p:ph idx="10" type="dt"/>
+            <p:ph type="dt" idx="10"/>
           </p:nvPr>
         </p:nvSpPr>
         <p:spPr>
@@ -3424,14 +3649,14 @@
           </a:ln>
         </p:spPr>
         <p:txBody>
-          <a:bodyPr anchorCtr="0" anchor="ctr" bIns="91425" lIns="91425" rIns="91425" tIns="91425"/>
+          <a:bodyPr lIns="91425" tIns="91425" rIns="91425" bIns="91425" anchor="ctr" anchorCtr="0"/>
           <a:lstStyle>
-            <a:lvl1pPr indent="0" lvl="0" marL="0" marR="0" rtl="0" algn="l">
-              <a:spcBef>
-                <a:spcPts val="0"/>
-              </a:spcBef>
-              <a:buNone/>
-              <a:defRPr b="0" i="0" sz="1200" u="none" cap="none" strike="noStrike">
+            <a:lvl1pPr marL="0" marR="0" lvl="0" indent="0" algn="l" rtl="0">
+              <a:spcBef>
+                <a:spcPts val="0"/>
+              </a:spcBef>
+              <a:buNone/>
+              <a:defRPr sz="1200" b="0" i="0" u="none" strike="noStrike" cap="none">
                 <a:solidFill>
                   <a:schemeClr val="lt1"/>
                 </a:solidFill>
@@ -3441,12 +3666,12 @@
                 <a:sym typeface="Calibri"/>
               </a:defRPr>
             </a:lvl1pPr>
-            <a:lvl2pPr indent="-12593" lvl="1" marL="609493" marR="0" rtl="0" algn="l">
-              <a:spcBef>
-                <a:spcPts val="0"/>
-              </a:spcBef>
-              <a:buNone/>
-              <a:defRPr b="0" i="0" sz="2400" u="none" cap="none" strike="noStrike">
+            <a:lvl2pPr marL="609493" marR="0" lvl="1" indent="-12593" algn="l" rtl="0">
+              <a:spcBef>
+                <a:spcPts val="0"/>
+              </a:spcBef>
+              <a:buNone/>
+              <a:defRPr sz="2400" b="0" i="0" u="none" strike="noStrike" cap="none">
                 <a:solidFill>
                   <a:schemeClr val="lt1"/>
                 </a:solidFill>
@@ -3456,12 +3681,12 @@
                 <a:sym typeface="Calibri"/>
               </a:defRPr>
             </a:lvl2pPr>
-            <a:lvl3pPr indent="-12486" lvl="2" marL="1218986" marR="0" rtl="0" algn="l">
-              <a:spcBef>
-                <a:spcPts val="0"/>
-              </a:spcBef>
-              <a:buNone/>
-              <a:defRPr b="0" i="0" sz="2400" u="none" cap="none" strike="noStrike">
+            <a:lvl3pPr marL="1218986" marR="0" lvl="2" indent="-12486" algn="l" rtl="0">
+              <a:spcBef>
+                <a:spcPts val="0"/>
+              </a:spcBef>
+              <a:buNone/>
+              <a:defRPr sz="2400" b="0" i="0" u="none" strike="noStrike" cap="none">
                 <a:solidFill>
                   <a:schemeClr val="lt1"/>
                 </a:solidFill>
@@ -3471,12 +3696,12 @@
                 <a:sym typeface="Calibri"/>
               </a:defRPr>
             </a:lvl3pPr>
-            <a:lvl4pPr indent="-12379" lvl="3" marL="1828479" marR="0" rtl="0" algn="l">
-              <a:spcBef>
-                <a:spcPts val="0"/>
-              </a:spcBef>
-              <a:buNone/>
-              <a:defRPr b="0" i="0" sz="2400" u="none" cap="none" strike="noStrike">
+            <a:lvl4pPr marL="1828479" marR="0" lvl="3" indent="-12379" algn="l" rtl="0">
+              <a:spcBef>
+                <a:spcPts val="0"/>
+              </a:spcBef>
+              <a:buNone/>
+              <a:defRPr sz="2400" b="0" i="0" u="none" strike="noStrike" cap="none">
                 <a:solidFill>
                   <a:schemeClr val="lt1"/>
                 </a:solidFill>
@@ -3486,12 +3711,12 @@
                 <a:sym typeface="Calibri"/>
               </a:defRPr>
             </a:lvl4pPr>
-            <a:lvl5pPr indent="-12273" lvl="4" marL="2437973" marR="0" rtl="0" algn="l">
-              <a:spcBef>
-                <a:spcPts val="0"/>
-              </a:spcBef>
-              <a:buNone/>
-              <a:defRPr b="0" i="0" sz="2400" u="none" cap="none" strike="noStrike">
+            <a:lvl5pPr marL="2437973" marR="0" lvl="4" indent="-12273" algn="l" rtl="0">
+              <a:spcBef>
+                <a:spcPts val="0"/>
+              </a:spcBef>
+              <a:buNone/>
+              <a:defRPr sz="2400" b="0" i="0" u="none" strike="noStrike" cap="none">
                 <a:solidFill>
                   <a:schemeClr val="lt1"/>
                 </a:solidFill>
@@ -3501,12 +3726,12 @@
                 <a:sym typeface="Calibri"/>
               </a:defRPr>
             </a:lvl5pPr>
-            <a:lvl6pPr indent="-12166" lvl="5" marL="3047466" marR="0" rtl="0" algn="l">
-              <a:spcBef>
-                <a:spcPts val="0"/>
-              </a:spcBef>
-              <a:buNone/>
-              <a:defRPr b="0" i="0" sz="2400" u="none" cap="none" strike="noStrike">
+            <a:lvl6pPr marL="3047466" marR="0" lvl="5" indent="-12166" algn="l" rtl="0">
+              <a:spcBef>
+                <a:spcPts val="0"/>
+              </a:spcBef>
+              <a:buNone/>
+              <a:defRPr sz="2400" b="0" i="0" u="none" strike="noStrike" cap="none">
                 <a:solidFill>
                   <a:schemeClr val="lt1"/>
                 </a:solidFill>
@@ -3516,12 +3741,12 @@
                 <a:sym typeface="Calibri"/>
               </a:defRPr>
             </a:lvl6pPr>
-            <a:lvl7pPr indent="-12059" lvl="6" marL="3656959" marR="0" rtl="0" algn="l">
-              <a:spcBef>
-                <a:spcPts val="0"/>
-              </a:spcBef>
-              <a:buNone/>
-              <a:defRPr b="0" i="0" sz="2400" u="none" cap="none" strike="noStrike">
+            <a:lvl7pPr marL="3656959" marR="0" lvl="6" indent="-12059" algn="l" rtl="0">
+              <a:spcBef>
+                <a:spcPts val="0"/>
+              </a:spcBef>
+              <a:buNone/>
+              <a:defRPr sz="2400" b="0" i="0" u="none" strike="noStrike" cap="none">
                 <a:solidFill>
                   <a:schemeClr val="lt1"/>
                 </a:solidFill>
@@ -3531,12 +3756,12 @@
                 <a:sym typeface="Calibri"/>
               </a:defRPr>
             </a:lvl7pPr>
-            <a:lvl8pPr indent="-11953" lvl="7" marL="4266453" marR="0" rtl="0" algn="l">
-              <a:spcBef>
-                <a:spcPts val="0"/>
-              </a:spcBef>
-              <a:buNone/>
-              <a:defRPr b="0" i="0" sz="2400" u="none" cap="none" strike="noStrike">
+            <a:lvl8pPr marL="4266453" marR="0" lvl="7" indent="-11953" algn="l" rtl="0">
+              <a:spcBef>
+                <a:spcPts val="0"/>
+              </a:spcBef>
+              <a:buNone/>
+              <a:defRPr sz="2400" b="0" i="0" u="none" strike="noStrike" cap="none">
                 <a:solidFill>
                   <a:schemeClr val="lt1"/>
                 </a:solidFill>
@@ -3546,12 +3771,12 @@
                 <a:sym typeface="Calibri"/>
               </a:defRPr>
             </a:lvl8pPr>
-            <a:lvl9pPr indent="-11846" lvl="8" marL="4875946" marR="0" rtl="0" algn="l">
-              <a:spcBef>
-                <a:spcPts val="0"/>
-              </a:spcBef>
-              <a:buNone/>
-              <a:defRPr b="0" i="0" sz="2400" u="none" cap="none" strike="noStrike">
+            <a:lvl9pPr marL="4875946" marR="0" lvl="8" indent="-11846" algn="l" rtl="0">
+              <a:spcBef>
+                <a:spcPts val="0"/>
+              </a:spcBef>
+              <a:buNone/>
+              <a:defRPr sz="2400" b="0" i="0" u="none" strike="noStrike" cap="none">
                 <a:solidFill>
                   <a:schemeClr val="lt1"/>
                 </a:solidFill>
@@ -3562,15 +3787,19 @@
               </a:defRPr>
             </a:lvl9pPr>
           </a:lstStyle>
-          <a:p/>
+          <a:p>
+            <a:endParaRPr/>
+          </a:p>
         </p:txBody>
       </p:sp>
       <p:sp>
         <p:nvSpPr>
           <p:cNvPr id="25" name="Shape 25"/>
-          <p:cNvSpPr txBox="1"/>
+          <p:cNvSpPr txBox="1">
+            <a:spLocks noGrp="1"/>
+          </p:cNvSpPr>
           <p:nvPr>
-            <p:ph idx="11" type="ftr"/>
+            <p:ph type="ftr" idx="11"/>
           </p:nvPr>
         </p:nvSpPr>
         <p:spPr>
@@ -3587,14 +3816,14 @@
           </a:ln>
         </p:spPr>
         <p:txBody>
-          <a:bodyPr anchorCtr="0" anchor="ctr" bIns="91425" lIns="91425" rIns="91425" tIns="91425"/>
+          <a:bodyPr lIns="91425" tIns="91425" rIns="91425" bIns="91425" anchor="ctr" anchorCtr="0"/>
           <a:lstStyle>
-            <a:lvl1pPr indent="0" lvl="0" marL="0" marR="0" rtl="0" algn="ctr">
-              <a:spcBef>
-                <a:spcPts val="0"/>
-              </a:spcBef>
-              <a:buNone/>
-              <a:defRPr b="0" i="0" sz="1200" u="none" cap="none" strike="noStrike">
+            <a:lvl1pPr marL="0" marR="0" lvl="0" indent="0" algn="ctr" rtl="0">
+              <a:spcBef>
+                <a:spcPts val="0"/>
+              </a:spcBef>
+              <a:buNone/>
+              <a:defRPr sz="1200" b="0" i="0" u="none" strike="noStrike" cap="none">
                 <a:solidFill>
                   <a:schemeClr val="lt1"/>
                 </a:solidFill>
@@ -3604,12 +3833,12 @@
                 <a:sym typeface="Calibri"/>
               </a:defRPr>
             </a:lvl1pPr>
-            <a:lvl2pPr indent="-12593" lvl="1" marL="609493" marR="0" rtl="0" algn="l">
-              <a:spcBef>
-                <a:spcPts val="0"/>
-              </a:spcBef>
-              <a:buNone/>
-              <a:defRPr b="0" i="0" sz="2400" u="none" cap="none" strike="noStrike">
+            <a:lvl2pPr marL="609493" marR="0" lvl="1" indent="-12593" algn="l" rtl="0">
+              <a:spcBef>
+                <a:spcPts val="0"/>
+              </a:spcBef>
+              <a:buNone/>
+              <a:defRPr sz="2400" b="0" i="0" u="none" strike="noStrike" cap="none">
                 <a:solidFill>
                   <a:schemeClr val="lt1"/>
                 </a:solidFill>
@@ -3619,12 +3848,12 @@
                 <a:sym typeface="Calibri"/>
               </a:defRPr>
             </a:lvl2pPr>
-            <a:lvl3pPr indent="-12486" lvl="2" marL="1218986" marR="0" rtl="0" algn="l">
-              <a:spcBef>
-                <a:spcPts val="0"/>
-              </a:spcBef>
-              <a:buNone/>
-              <a:defRPr b="0" i="0" sz="2400" u="none" cap="none" strike="noStrike">
+            <a:lvl3pPr marL="1218986" marR="0" lvl="2" indent="-12486" algn="l" rtl="0">
+              <a:spcBef>
+                <a:spcPts val="0"/>
+              </a:spcBef>
+              <a:buNone/>
+              <a:defRPr sz="2400" b="0" i="0" u="none" strike="noStrike" cap="none">
                 <a:solidFill>
                   <a:schemeClr val="lt1"/>
                 </a:solidFill>
@@ -3634,12 +3863,12 @@
                 <a:sym typeface="Calibri"/>
               </a:defRPr>
             </a:lvl3pPr>
-            <a:lvl4pPr indent="-12379" lvl="3" marL="1828479" marR="0" rtl="0" algn="l">
-              <a:spcBef>
-                <a:spcPts val="0"/>
-              </a:spcBef>
-              <a:buNone/>
-              <a:defRPr b="0" i="0" sz="2400" u="none" cap="none" strike="noStrike">
+            <a:lvl4pPr marL="1828479" marR="0" lvl="3" indent="-12379" algn="l" rtl="0">
+              <a:spcBef>
+                <a:spcPts val="0"/>
+              </a:spcBef>
+              <a:buNone/>
+              <a:defRPr sz="2400" b="0" i="0" u="none" strike="noStrike" cap="none">
                 <a:solidFill>
                   <a:schemeClr val="lt1"/>
                 </a:solidFill>
@@ -3649,12 +3878,12 @@
                 <a:sym typeface="Calibri"/>
               </a:defRPr>
             </a:lvl4pPr>
-            <a:lvl5pPr indent="-12273" lvl="4" marL="2437973" marR="0" rtl="0" algn="l">
-              <a:spcBef>
-                <a:spcPts val="0"/>
-              </a:spcBef>
-              <a:buNone/>
-              <a:defRPr b="0" i="0" sz="2400" u="none" cap="none" strike="noStrike">
+            <a:lvl5pPr marL="2437973" marR="0" lvl="4" indent="-12273" algn="l" rtl="0">
+              <a:spcBef>
+                <a:spcPts val="0"/>
+              </a:spcBef>
+              <a:buNone/>
+              <a:defRPr sz="2400" b="0" i="0" u="none" strike="noStrike" cap="none">
                 <a:solidFill>
                   <a:schemeClr val="lt1"/>
                 </a:solidFill>
@@ -3664,12 +3893,12 @@
                 <a:sym typeface="Calibri"/>
               </a:defRPr>
             </a:lvl5pPr>
-            <a:lvl6pPr indent="-12166" lvl="5" marL="3047466" marR="0" rtl="0" algn="l">
-              <a:spcBef>
-                <a:spcPts val="0"/>
-              </a:spcBef>
-              <a:buNone/>
-              <a:defRPr b="0" i="0" sz="2400" u="none" cap="none" strike="noStrike">
+            <a:lvl6pPr marL="3047466" marR="0" lvl="5" indent="-12166" algn="l" rtl="0">
+              <a:spcBef>
+                <a:spcPts val="0"/>
+              </a:spcBef>
+              <a:buNone/>
+              <a:defRPr sz="2400" b="0" i="0" u="none" strike="noStrike" cap="none">
                 <a:solidFill>
                   <a:schemeClr val="lt1"/>
                 </a:solidFill>
@@ -3679,12 +3908,12 @@
                 <a:sym typeface="Calibri"/>
               </a:defRPr>
             </a:lvl6pPr>
-            <a:lvl7pPr indent="-12059" lvl="6" marL="3656959" marR="0" rtl="0" algn="l">
-              <a:spcBef>
-                <a:spcPts val="0"/>
-              </a:spcBef>
-              <a:buNone/>
-              <a:defRPr b="0" i="0" sz="2400" u="none" cap="none" strike="noStrike">
+            <a:lvl7pPr marL="3656959" marR="0" lvl="6" indent="-12059" algn="l" rtl="0">
+              <a:spcBef>
+                <a:spcPts val="0"/>
+              </a:spcBef>
+              <a:buNone/>
+              <a:defRPr sz="2400" b="0" i="0" u="none" strike="noStrike" cap="none">
                 <a:solidFill>
                   <a:schemeClr val="lt1"/>
                 </a:solidFill>
@@ -3694,12 +3923,12 @@
                 <a:sym typeface="Calibri"/>
               </a:defRPr>
             </a:lvl7pPr>
-            <a:lvl8pPr indent="-11953" lvl="7" marL="4266453" marR="0" rtl="0" algn="l">
-              <a:spcBef>
-                <a:spcPts val="0"/>
-              </a:spcBef>
-              <a:buNone/>
-              <a:defRPr b="0" i="0" sz="2400" u="none" cap="none" strike="noStrike">
+            <a:lvl8pPr marL="4266453" marR="0" lvl="7" indent="-11953" algn="l" rtl="0">
+              <a:spcBef>
+                <a:spcPts val="0"/>
+              </a:spcBef>
+              <a:buNone/>
+              <a:defRPr sz="2400" b="0" i="0" u="none" strike="noStrike" cap="none">
                 <a:solidFill>
                   <a:schemeClr val="lt1"/>
                 </a:solidFill>
@@ -3709,12 +3938,12 @@
                 <a:sym typeface="Calibri"/>
               </a:defRPr>
             </a:lvl8pPr>
-            <a:lvl9pPr indent="-11846" lvl="8" marL="4875946" marR="0" rtl="0" algn="l">
-              <a:spcBef>
-                <a:spcPts val="0"/>
-              </a:spcBef>
-              <a:buNone/>
-              <a:defRPr b="0" i="0" sz="2400" u="none" cap="none" strike="noStrike">
+            <a:lvl9pPr marL="4875946" marR="0" lvl="8" indent="-11846" algn="l" rtl="0">
+              <a:spcBef>
+                <a:spcPts val="0"/>
+              </a:spcBef>
+              <a:buNone/>
+              <a:defRPr sz="2400" b="0" i="0" u="none" strike="noStrike" cap="none">
                 <a:solidFill>
                   <a:schemeClr val="lt1"/>
                 </a:solidFill>
@@ -3725,15 +3954,19 @@
               </a:defRPr>
             </a:lvl9pPr>
           </a:lstStyle>
-          <a:p/>
+          <a:p>
+            <a:endParaRPr/>
+          </a:p>
         </p:txBody>
       </p:sp>
       <p:sp>
         <p:nvSpPr>
           <p:cNvPr id="26" name="Shape 26"/>
-          <p:cNvSpPr txBox="1"/>
+          <p:cNvSpPr txBox="1">
+            <a:spLocks noGrp="1"/>
+          </p:cNvSpPr>
           <p:nvPr>
-            <p:ph idx="12" type="sldNum"/>
+            <p:ph type="sldNum" idx="12"/>
           </p:nvPr>
         </p:nvSpPr>
         <p:spPr>
@@ -3750,12 +3983,12 @@
           </a:ln>
         </p:spPr>
         <p:txBody>
-          <a:bodyPr anchorCtr="0" anchor="ctr" bIns="60925" lIns="121875" rIns="121875" tIns="60925">
+          <a:bodyPr lIns="121875" tIns="60925" rIns="121875" bIns="60925" anchor="ctr" anchorCtr="0">
             <a:noAutofit/>
           </a:bodyPr>
           <a:lstStyle/>
           <a:p>
-            <a:pPr indent="0" lvl="0" marL="0" marR="0" rtl="0" algn="r">
+            <a:pPr marL="0" marR="0" lvl="0" indent="0" algn="r" rtl="0">
               <a:spcBef>
                 <a:spcPts val="0"/>
               </a:spcBef>
@@ -3763,7 +3996,7 @@
               <a:buNone/>
             </a:pPr>
             <a:fld id="{00000000-1234-1234-1234-123412341234}" type="slidenum">
-              <a:rPr b="0" i="0" lang="en" sz="1200" u="none" cap="none" strike="noStrike">
+              <a:rPr lang="en" sz="1200" b="0" i="0" u="none" strike="noStrike" cap="none">
                 <a:solidFill>
                   <a:schemeClr val="lt1"/>
                 </a:solidFill>
@@ -3774,6 +4007,15 @@
               </a:rPr>
               <a:t>‹#›</a:t>
             </a:fld>
+            <a:endParaRPr lang="en" sz="1200" b="0" i="0" u="none" strike="noStrike" cap="none">
+              <a:solidFill>
+                <a:schemeClr val="lt1"/>
+              </a:solidFill>
+              <a:latin typeface="Calibri"/>
+              <a:ea typeface="Calibri"/>
+              <a:cs typeface="Calibri"/>
+              <a:sym typeface="Calibri"/>
+            </a:endParaRPr>
           </a:p>
         </p:txBody>
       </p:sp>
@@ -3786,11 +4028,11 @@
 </file>
 
 <file path=ppt/slideLayouts/slideLayout4.xml><?xml version="1.0" encoding="utf-8"?>
-<p:sldLayout xmlns:a="http://schemas.openxmlformats.org/drawingml/2006/main" xmlns:r="http://schemas.openxmlformats.org/officeDocument/2006/relationships" xmlns:mc="http://schemas.openxmlformats.org/markup-compatibility/2006" xmlns:mv="urn:schemas-microsoft-com:mac:vml" xmlns:p="http://schemas.openxmlformats.org/presentationml/2006/main" xmlns:c="http://schemas.openxmlformats.org/drawingml/2006/chart" xmlns:dgm="http://schemas.openxmlformats.org/drawingml/2006/diagram" xmlns:o="urn:schemas-microsoft-com:office:office" xmlns:v="urn:schemas-microsoft-com:vml" xmlns:pvml="urn:schemas-microsoft-com:office:powerpoint" xmlns:com="http://schemas.openxmlformats.org/drawingml/2006/compatibility" xmlns:p14="http://schemas.microsoft.com/office/powerpoint/2010/main" type="title">
+<p:sldLayout xmlns:a="http://schemas.openxmlformats.org/drawingml/2006/main" xmlns:r="http://schemas.openxmlformats.org/officeDocument/2006/relationships" xmlns:p="http://schemas.openxmlformats.org/presentationml/2006/main" type="title">
   <p:cSld name="Title slide">
     <p:spTree>
       <p:nvGrpSpPr>
-        <p:cNvPr id="27" name="Shape 27"/>
+        <p:cNvPr id="1" name="Shape 27"/>
         <p:cNvGrpSpPr/>
         <p:nvPr/>
       </p:nvGrpSpPr>
@@ -3805,7 +4047,9 @@
       <p:sp>
         <p:nvSpPr>
           <p:cNvPr id="28" name="Shape 28"/>
-          <p:cNvSpPr txBox="1"/>
+          <p:cNvSpPr txBox="1">
+            <a:spLocks noGrp="1"/>
+          </p:cNvSpPr>
           <p:nvPr>
             <p:ph type="ctrTitle"/>
           </p:nvPr>
@@ -3824,65 +4068,65 @@
           </a:ln>
         </p:spPr>
         <p:txBody>
-          <a:bodyPr anchorCtr="0" anchor="b" bIns="91425" lIns="91425" rIns="91425" tIns="91425"/>
+          <a:bodyPr lIns="91425" tIns="91425" rIns="91425" bIns="91425" anchor="b" anchorCtr="0"/>
           <a:lstStyle>
-            <a:lvl1pPr lvl="0" rtl="0" algn="ctr">
+            <a:lvl1pPr lvl="0" algn="ctr" rtl="0">
               <a:spcBef>
                 <a:spcPts val="0"/>
               </a:spcBef>
               <a:buSzPct val="100000"/>
               <a:defRPr sz="5200"/>
             </a:lvl1pPr>
-            <a:lvl2pPr lvl="1" rtl="0" algn="ctr">
+            <a:lvl2pPr lvl="1" algn="ctr" rtl="0">
               <a:spcBef>
                 <a:spcPts val="0"/>
               </a:spcBef>
               <a:buSzPct val="100000"/>
               <a:defRPr sz="5200"/>
             </a:lvl2pPr>
-            <a:lvl3pPr lvl="2" rtl="0" algn="ctr">
+            <a:lvl3pPr lvl="2" algn="ctr" rtl="0">
               <a:spcBef>
                 <a:spcPts val="0"/>
               </a:spcBef>
               <a:buSzPct val="100000"/>
               <a:defRPr sz="5200"/>
             </a:lvl3pPr>
-            <a:lvl4pPr lvl="3" rtl="0" algn="ctr">
+            <a:lvl4pPr lvl="3" algn="ctr" rtl="0">
               <a:spcBef>
                 <a:spcPts val="0"/>
               </a:spcBef>
               <a:buSzPct val="100000"/>
               <a:defRPr sz="5200"/>
             </a:lvl4pPr>
-            <a:lvl5pPr lvl="4" rtl="0" algn="ctr">
+            <a:lvl5pPr lvl="4" algn="ctr" rtl="0">
               <a:spcBef>
                 <a:spcPts val="0"/>
               </a:spcBef>
               <a:buSzPct val="100000"/>
               <a:defRPr sz="5200"/>
             </a:lvl5pPr>
-            <a:lvl6pPr lvl="5" rtl="0" algn="ctr">
+            <a:lvl6pPr lvl="5" algn="ctr" rtl="0">
               <a:spcBef>
                 <a:spcPts val="0"/>
               </a:spcBef>
               <a:buSzPct val="100000"/>
               <a:defRPr sz="5200"/>
             </a:lvl6pPr>
-            <a:lvl7pPr lvl="6" rtl="0" algn="ctr">
+            <a:lvl7pPr lvl="6" algn="ctr" rtl="0">
               <a:spcBef>
                 <a:spcPts val="0"/>
               </a:spcBef>
               <a:buSzPct val="100000"/>
               <a:defRPr sz="5200"/>
             </a:lvl7pPr>
-            <a:lvl8pPr lvl="7" rtl="0" algn="ctr">
+            <a:lvl8pPr lvl="7" algn="ctr" rtl="0">
               <a:spcBef>
                 <a:spcPts val="0"/>
               </a:spcBef>
               <a:buSzPct val="100000"/>
               <a:defRPr sz="5200"/>
             </a:lvl8pPr>
-            <a:lvl9pPr lvl="8" rtl="0" algn="ctr">
+            <a:lvl9pPr lvl="8" algn="ctr" rtl="0">
               <a:spcBef>
                 <a:spcPts val="0"/>
               </a:spcBef>
@@ -3890,15 +4134,19 @@
               <a:defRPr sz="5200"/>
             </a:lvl9pPr>
           </a:lstStyle>
-          <a:p/>
+          <a:p>
+            <a:endParaRPr/>
+          </a:p>
         </p:txBody>
       </p:sp>
       <p:sp>
         <p:nvSpPr>
           <p:cNvPr id="29" name="Shape 29"/>
-          <p:cNvSpPr txBox="1"/>
+          <p:cNvSpPr txBox="1">
+            <a:spLocks noGrp="1"/>
+          </p:cNvSpPr>
           <p:nvPr>
-            <p:ph idx="1" type="subTitle"/>
+            <p:ph type="subTitle" idx="1"/>
           </p:nvPr>
         </p:nvSpPr>
         <p:spPr>
@@ -3915,9 +4163,9 @@
           </a:ln>
         </p:spPr>
         <p:txBody>
-          <a:bodyPr anchorCtr="0" anchor="ctr" bIns="91425" lIns="91425" rIns="91425" tIns="91425"/>
+          <a:bodyPr lIns="91425" tIns="91425" rIns="91425" bIns="91425" anchor="ctr" anchorCtr="0"/>
           <a:lstStyle>
-            <a:lvl1pPr lvl="0" rtl="0" algn="ctr">
+            <a:lvl1pPr lvl="0" algn="ctr" rtl="0">
               <a:lnSpc>
                 <a:spcPct val="100000"/>
               </a:lnSpc>
@@ -3931,7 +4179,7 @@
               <a:buNone/>
               <a:defRPr sz="2800"/>
             </a:lvl1pPr>
-            <a:lvl2pPr lvl="1" rtl="0" algn="ctr">
+            <a:lvl2pPr lvl="1" algn="ctr" rtl="0">
               <a:lnSpc>
                 <a:spcPct val="100000"/>
               </a:lnSpc>
@@ -3945,7 +4193,7 @@
               <a:buNone/>
               <a:defRPr sz="2800"/>
             </a:lvl2pPr>
-            <a:lvl3pPr lvl="2" rtl="0" algn="ctr">
+            <a:lvl3pPr lvl="2" algn="ctr" rtl="0">
               <a:lnSpc>
                 <a:spcPct val="100000"/>
               </a:lnSpc>
@@ -3959,7 +4207,7 @@
               <a:buNone/>
               <a:defRPr sz="2800"/>
             </a:lvl3pPr>
-            <a:lvl4pPr lvl="3" rtl="0" algn="ctr">
+            <a:lvl4pPr lvl="3" algn="ctr" rtl="0">
               <a:lnSpc>
                 <a:spcPct val="100000"/>
               </a:lnSpc>
@@ -3973,7 +4221,7 @@
               <a:buNone/>
               <a:defRPr sz="2800"/>
             </a:lvl4pPr>
-            <a:lvl5pPr lvl="4" rtl="0" algn="ctr">
+            <a:lvl5pPr lvl="4" algn="ctr" rtl="0">
               <a:lnSpc>
                 <a:spcPct val="100000"/>
               </a:lnSpc>
@@ -3987,7 +4235,7 @@
               <a:buNone/>
               <a:defRPr sz="2800"/>
             </a:lvl5pPr>
-            <a:lvl6pPr lvl="5" rtl="0" algn="ctr">
+            <a:lvl6pPr lvl="5" algn="ctr" rtl="0">
               <a:lnSpc>
                 <a:spcPct val="100000"/>
               </a:lnSpc>
@@ -4001,7 +4249,7 @@
               <a:buNone/>
               <a:defRPr sz="2800"/>
             </a:lvl6pPr>
-            <a:lvl7pPr lvl="6" rtl="0" algn="ctr">
+            <a:lvl7pPr lvl="6" algn="ctr" rtl="0">
               <a:lnSpc>
                 <a:spcPct val="100000"/>
               </a:lnSpc>
@@ -4015,7 +4263,7 @@
               <a:buNone/>
               <a:defRPr sz="2800"/>
             </a:lvl7pPr>
-            <a:lvl8pPr lvl="7" rtl="0" algn="ctr">
+            <a:lvl8pPr lvl="7" algn="ctr" rtl="0">
               <a:lnSpc>
                 <a:spcPct val="100000"/>
               </a:lnSpc>
@@ -4029,7 +4277,7 @@
               <a:buNone/>
               <a:defRPr sz="2800"/>
             </a:lvl8pPr>
-            <a:lvl9pPr lvl="8" rtl="0" algn="ctr">
+            <a:lvl9pPr lvl="8" algn="ctr" rtl="0">
               <a:lnSpc>
                 <a:spcPct val="100000"/>
               </a:lnSpc>
@@ -4044,15 +4292,19 @@
               <a:defRPr sz="2800"/>
             </a:lvl9pPr>
           </a:lstStyle>
-          <a:p/>
+          <a:p>
+            <a:endParaRPr/>
+          </a:p>
         </p:txBody>
       </p:sp>
       <p:sp>
         <p:nvSpPr>
           <p:cNvPr id="30" name="Shape 30"/>
-          <p:cNvSpPr txBox="1"/>
+          <p:cNvSpPr txBox="1">
+            <a:spLocks noGrp="1"/>
+          </p:cNvSpPr>
           <p:nvPr>
-            <p:ph idx="12" type="sldNum"/>
+            <p:ph type="sldNum" idx="12"/>
           </p:nvPr>
         </p:nvSpPr>
         <p:spPr>
@@ -4065,7 +4317,7 @@
           </a:prstGeom>
         </p:spPr>
         <p:txBody>
-          <a:bodyPr anchorCtr="0" anchor="t" bIns="45700" lIns="91425" rIns="91425" tIns="45700">
+          <a:bodyPr lIns="91425" tIns="45700" rIns="91425" bIns="45700" anchor="t" anchorCtr="0">
             <a:noAutofit/>
           </a:bodyPr>
           <a:lstStyle/>
@@ -4080,6 +4332,7 @@
               <a:rPr lang="en"/>
               <a:t>‹#›</a:t>
             </a:fld>
+            <a:endParaRPr lang="en"/>
           </a:p>
         </p:txBody>
       </p:sp>
@@ -4092,11 +4345,11 @@
 </file>
 
 <file path=ppt/slideLayouts/slideLayout5.xml><?xml version="1.0" encoding="utf-8"?>
-<p:sldLayout xmlns:a="http://schemas.openxmlformats.org/drawingml/2006/main" xmlns:r="http://schemas.openxmlformats.org/officeDocument/2006/relationships" xmlns:mc="http://schemas.openxmlformats.org/markup-compatibility/2006" xmlns:mv="urn:schemas-microsoft-com:mac:vml" xmlns:p="http://schemas.openxmlformats.org/presentationml/2006/main" xmlns:c="http://schemas.openxmlformats.org/drawingml/2006/chart" xmlns:dgm="http://schemas.openxmlformats.org/drawingml/2006/diagram" xmlns:o="urn:schemas-microsoft-com:office:office" xmlns:v="urn:schemas-microsoft-com:vml" xmlns:pvml="urn:schemas-microsoft-com:office:powerpoint" xmlns:com="http://schemas.openxmlformats.org/drawingml/2006/compatibility" xmlns:p14="http://schemas.microsoft.com/office/powerpoint/2010/main" type="obj">
+<p:sldLayout xmlns:a="http://schemas.openxmlformats.org/drawingml/2006/main" xmlns:r="http://schemas.openxmlformats.org/officeDocument/2006/relationships" xmlns:p="http://schemas.openxmlformats.org/presentationml/2006/main" type="obj">
   <p:cSld name="Title and Content">
     <p:spTree>
       <p:nvGrpSpPr>
-        <p:cNvPr id="31" name="Shape 31"/>
+        <p:cNvPr id="1" name="Shape 31"/>
         <p:cNvGrpSpPr/>
         <p:nvPr/>
       </p:nvGrpSpPr>
@@ -4111,7 +4364,9 @@
       <p:sp>
         <p:nvSpPr>
           <p:cNvPr id="32" name="Shape 32"/>
-          <p:cNvSpPr txBox="1"/>
+          <p:cNvSpPr txBox="1">
+            <a:spLocks noGrp="1"/>
+          </p:cNvSpPr>
           <p:nvPr>
             <p:ph type="title"/>
           </p:nvPr>
@@ -4130,9 +4385,9 @@
           </a:ln>
         </p:spPr>
         <p:txBody>
-          <a:bodyPr anchorCtr="0" anchor="ctr" bIns="91425" lIns="91425" rIns="91425" tIns="91425"/>
+          <a:bodyPr lIns="91425" tIns="91425" rIns="91425" bIns="91425" anchor="ctr" anchorCtr="0"/>
           <a:lstStyle>
-            <a:lvl1pPr indent="0" lvl="0" marL="0" marR="0" rtl="0" algn="ctr">
+            <a:lvl1pPr marL="0" marR="0" lvl="0" indent="0" algn="ctr" rtl="0">
               <a:spcBef>
                 <a:spcPts val="0"/>
               </a:spcBef>
@@ -4141,7 +4396,7 @@
               </a:buClr>
               <a:buFont typeface="Calibri"/>
               <a:buNone/>
-              <a:defRPr b="0" i="0" sz="4400" u="none" cap="none" strike="noStrike">
+              <a:defRPr sz="4400" b="0" i="0" u="none" strike="noStrike" cap="none">
                 <a:solidFill>
                   <a:schemeClr val="dk1"/>
                 </a:solidFill>
@@ -4151,56 +4406,56 @@
                 <a:sym typeface="Calibri"/>
               </a:defRPr>
             </a:lvl1pPr>
-            <a:lvl2pPr indent="0" lvl="1">
+            <a:lvl2pPr lvl="1" indent="0">
               <a:spcBef>
                 <a:spcPts val="0"/>
               </a:spcBef>
               <a:buNone/>
               <a:defRPr sz="1800"/>
             </a:lvl2pPr>
-            <a:lvl3pPr indent="0" lvl="2">
+            <a:lvl3pPr lvl="2" indent="0">
               <a:spcBef>
                 <a:spcPts val="0"/>
               </a:spcBef>
               <a:buNone/>
               <a:defRPr sz="1800"/>
             </a:lvl3pPr>
-            <a:lvl4pPr indent="0" lvl="3">
+            <a:lvl4pPr lvl="3" indent="0">
               <a:spcBef>
                 <a:spcPts val="0"/>
               </a:spcBef>
               <a:buNone/>
               <a:defRPr sz="1800"/>
             </a:lvl4pPr>
-            <a:lvl5pPr indent="0" lvl="4">
+            <a:lvl5pPr lvl="4" indent="0">
               <a:spcBef>
                 <a:spcPts val="0"/>
               </a:spcBef>
               <a:buNone/>
               <a:defRPr sz="1800"/>
             </a:lvl5pPr>
-            <a:lvl6pPr indent="0" lvl="5">
+            <a:lvl6pPr lvl="5" indent="0">
               <a:spcBef>
                 <a:spcPts val="0"/>
               </a:spcBef>
               <a:buNone/>
               <a:defRPr sz="1800"/>
             </a:lvl6pPr>
-            <a:lvl7pPr indent="0" lvl="6">
+            <a:lvl7pPr lvl="6" indent="0">
               <a:spcBef>
                 <a:spcPts val="0"/>
               </a:spcBef>
               <a:buNone/>
               <a:defRPr sz="1800"/>
             </a:lvl7pPr>
-            <a:lvl8pPr indent="0" lvl="7">
+            <a:lvl8pPr lvl="7" indent="0">
               <a:spcBef>
                 <a:spcPts val="0"/>
               </a:spcBef>
               <a:buNone/>
               <a:defRPr sz="1800"/>
             </a:lvl8pPr>
-            <a:lvl9pPr indent="0" lvl="8">
+            <a:lvl9pPr lvl="8" indent="0">
               <a:spcBef>
                 <a:spcPts val="0"/>
               </a:spcBef>
@@ -4208,15 +4463,19 @@
               <a:defRPr sz="1800"/>
             </a:lvl9pPr>
           </a:lstStyle>
-          <a:p/>
+          <a:p>
+            <a:endParaRPr/>
+          </a:p>
         </p:txBody>
       </p:sp>
       <p:sp>
         <p:nvSpPr>
           <p:cNvPr id="33" name="Shape 33"/>
-          <p:cNvSpPr txBox="1"/>
+          <p:cNvSpPr txBox="1">
+            <a:spLocks noGrp="1"/>
+          </p:cNvSpPr>
           <p:nvPr>
-            <p:ph idx="1" type="body"/>
+            <p:ph type="body" idx="1"/>
           </p:nvPr>
         </p:nvSpPr>
         <p:spPr>
@@ -4233,9 +4492,9 @@
           </a:ln>
         </p:spPr>
         <p:txBody>
-          <a:bodyPr anchorCtr="0" anchor="t" bIns="91425" lIns="91425" rIns="91425" tIns="91425"/>
+          <a:bodyPr lIns="91425" tIns="91425" rIns="91425" bIns="91425" anchor="t" anchorCtr="0"/>
           <a:lstStyle>
-            <a:lvl1pPr indent="-139700" lvl="0" marL="342900" marR="0" rtl="0" algn="l">
+            <a:lvl1pPr marL="342900" marR="0" lvl="0" indent="-139700" algn="l" rtl="0">
               <a:spcBef>
                 <a:spcPts val="640"/>
               </a:spcBef>
@@ -4245,7 +4504,7 @@
               <a:buSzPct val="100000"/>
               <a:buFont typeface="Arial"/>
               <a:buChar char="•"/>
-              <a:defRPr b="0" i="0" sz="3200" u="none" cap="none" strike="noStrike">
+              <a:defRPr sz="3200" b="0" i="0" u="none" strike="noStrike" cap="none">
                 <a:solidFill>
                   <a:schemeClr val="dk1"/>
                 </a:solidFill>
@@ -4255,7 +4514,7 @@
                 <a:sym typeface="Calibri"/>
               </a:defRPr>
             </a:lvl1pPr>
-            <a:lvl2pPr indent="-107950" lvl="1" marL="742950" marR="0" rtl="0" algn="l">
+            <a:lvl2pPr marL="742950" marR="0" lvl="1" indent="-107950" algn="l" rtl="0">
               <a:spcBef>
                 <a:spcPts val="560"/>
               </a:spcBef>
@@ -4265,7 +4524,7 @@
               <a:buSzPct val="100000"/>
               <a:buFont typeface="Arial"/>
               <a:buChar char="–"/>
-              <a:defRPr b="0" i="0" sz="2800" u="none" cap="none" strike="noStrike">
+              <a:defRPr sz="2800" b="0" i="0" u="none" strike="noStrike" cap="none">
                 <a:solidFill>
                   <a:schemeClr val="dk1"/>
                 </a:solidFill>
@@ -4275,7 +4534,7 @@
                 <a:sym typeface="Calibri"/>
               </a:defRPr>
             </a:lvl2pPr>
-            <a:lvl3pPr indent="-76200" lvl="2" marL="1143000" marR="0" rtl="0" algn="l">
+            <a:lvl3pPr marL="1143000" marR="0" lvl="2" indent="-76200" algn="l" rtl="0">
               <a:spcBef>
                 <a:spcPts val="480"/>
               </a:spcBef>
@@ -4285,7 +4544,7 @@
               <a:buSzPct val="100000"/>
               <a:buFont typeface="Arial"/>
               <a:buChar char="•"/>
-              <a:defRPr b="0" i="0" sz="2400" u="none" cap="none" strike="noStrike">
+              <a:defRPr sz="2400" b="0" i="0" u="none" strike="noStrike" cap="none">
                 <a:solidFill>
                   <a:schemeClr val="dk1"/>
                 </a:solidFill>
@@ -4295,7 +4554,7 @@
                 <a:sym typeface="Calibri"/>
               </a:defRPr>
             </a:lvl3pPr>
-            <a:lvl4pPr indent="-101600" lvl="3" marL="1600200" marR="0" rtl="0" algn="l">
+            <a:lvl4pPr marL="1600200" marR="0" lvl="3" indent="-101600" algn="l" rtl="0">
               <a:spcBef>
                 <a:spcPts val="400"/>
               </a:spcBef>
@@ -4305,7 +4564,7 @@
               <a:buSzPct val="100000"/>
               <a:buFont typeface="Arial"/>
               <a:buChar char="–"/>
-              <a:defRPr b="0" i="0" sz="2000" u="none" cap="none" strike="noStrike">
+              <a:defRPr sz="2000" b="0" i="0" u="none" strike="noStrike" cap="none">
                 <a:solidFill>
                   <a:schemeClr val="dk1"/>
                 </a:solidFill>
@@ -4315,7 +4574,7 @@
                 <a:sym typeface="Calibri"/>
               </a:defRPr>
             </a:lvl4pPr>
-            <a:lvl5pPr indent="-101600" lvl="4" marL="2057400" marR="0" rtl="0" algn="l">
+            <a:lvl5pPr marL="2057400" marR="0" lvl="4" indent="-101600" algn="l" rtl="0">
               <a:spcBef>
                 <a:spcPts val="400"/>
               </a:spcBef>
@@ -4325,7 +4584,7 @@
               <a:buSzPct val="100000"/>
               <a:buFont typeface="Arial"/>
               <a:buChar char="»"/>
-              <a:defRPr b="0" i="0" sz="2000" u="none" cap="none" strike="noStrike">
+              <a:defRPr sz="2000" b="0" i="0" u="none" strike="noStrike" cap="none">
                 <a:solidFill>
                   <a:schemeClr val="dk1"/>
                 </a:solidFill>
@@ -4335,7 +4594,7 @@
                 <a:sym typeface="Calibri"/>
               </a:defRPr>
             </a:lvl5pPr>
-            <a:lvl6pPr indent="-101600" lvl="5" marL="2514600" marR="0" rtl="0" algn="l">
+            <a:lvl6pPr marL="2514600" marR="0" lvl="5" indent="-101600" algn="l" rtl="0">
               <a:spcBef>
                 <a:spcPts val="400"/>
               </a:spcBef>
@@ -4345,7 +4604,7 @@
               <a:buSzPct val="100000"/>
               <a:buFont typeface="Arial"/>
               <a:buChar char="•"/>
-              <a:defRPr b="0" i="0" sz="2000" u="none" cap="none" strike="noStrike">
+              <a:defRPr sz="2000" b="0" i="0" u="none" strike="noStrike" cap="none">
                 <a:solidFill>
                   <a:schemeClr val="dk1"/>
                 </a:solidFill>
@@ -4355,7 +4614,7 @@
                 <a:sym typeface="Calibri"/>
               </a:defRPr>
             </a:lvl6pPr>
-            <a:lvl7pPr indent="-101600" lvl="6" marL="2971800" marR="0" rtl="0" algn="l">
+            <a:lvl7pPr marL="2971800" marR="0" lvl="6" indent="-101600" algn="l" rtl="0">
               <a:spcBef>
                 <a:spcPts val="400"/>
               </a:spcBef>
@@ -4365,7 +4624,7 @@
               <a:buSzPct val="100000"/>
               <a:buFont typeface="Arial"/>
               <a:buChar char="•"/>
-              <a:defRPr b="0" i="0" sz="2000" u="none" cap="none" strike="noStrike">
+              <a:defRPr sz="2000" b="0" i="0" u="none" strike="noStrike" cap="none">
                 <a:solidFill>
                   <a:schemeClr val="dk1"/>
                 </a:solidFill>
@@ -4375,7 +4634,7 @@
                 <a:sym typeface="Calibri"/>
               </a:defRPr>
             </a:lvl7pPr>
-            <a:lvl8pPr indent="-101600" lvl="7" marL="3429000" marR="0" rtl="0" algn="l">
+            <a:lvl8pPr marL="3429000" marR="0" lvl="7" indent="-101600" algn="l" rtl="0">
               <a:spcBef>
                 <a:spcPts val="400"/>
               </a:spcBef>
@@ -4385,7 +4644,7 @@
               <a:buSzPct val="100000"/>
               <a:buFont typeface="Arial"/>
               <a:buChar char="•"/>
-              <a:defRPr b="0" i="0" sz="2000" u="none" cap="none" strike="noStrike">
+              <a:defRPr sz="2000" b="0" i="0" u="none" strike="noStrike" cap="none">
                 <a:solidFill>
                   <a:schemeClr val="dk1"/>
                 </a:solidFill>
@@ -4395,7 +4654,7 @@
                 <a:sym typeface="Calibri"/>
               </a:defRPr>
             </a:lvl8pPr>
-            <a:lvl9pPr indent="-101600" lvl="8" marL="3886200" marR="0" rtl="0" algn="l">
+            <a:lvl9pPr marL="3886200" marR="0" lvl="8" indent="-101600" algn="l" rtl="0">
               <a:spcBef>
                 <a:spcPts val="400"/>
               </a:spcBef>
@@ -4405,7 +4664,7 @@
               <a:buSzPct val="100000"/>
               <a:buFont typeface="Arial"/>
               <a:buChar char="•"/>
-              <a:defRPr b="0" i="0" sz="2000" u="none" cap="none" strike="noStrike">
+              <a:defRPr sz="2000" b="0" i="0" u="none" strike="noStrike" cap="none">
                 <a:solidFill>
                   <a:schemeClr val="dk1"/>
                 </a:solidFill>
@@ -4416,15 +4675,19 @@
               </a:defRPr>
             </a:lvl9pPr>
           </a:lstStyle>
-          <a:p/>
+          <a:p>
+            <a:endParaRPr/>
+          </a:p>
         </p:txBody>
       </p:sp>
       <p:sp>
         <p:nvSpPr>
           <p:cNvPr id="34" name="Shape 34"/>
-          <p:cNvSpPr txBox="1"/>
+          <p:cNvSpPr txBox="1">
+            <a:spLocks noGrp="1"/>
+          </p:cNvSpPr>
           <p:nvPr>
-            <p:ph idx="10" type="dt"/>
+            <p:ph type="dt" idx="10"/>
           </p:nvPr>
         </p:nvSpPr>
         <p:spPr>
@@ -4441,14 +4704,14 @@
           </a:ln>
         </p:spPr>
         <p:txBody>
-          <a:bodyPr anchorCtr="0" anchor="ctr" bIns="91425" lIns="91425" rIns="91425" tIns="91425"/>
+          <a:bodyPr lIns="91425" tIns="91425" rIns="91425" bIns="91425" anchor="ctr" anchorCtr="0"/>
           <a:lstStyle>
-            <a:lvl1pPr indent="0" lvl="0" marL="0" marR="0" rtl="0" algn="l">
-              <a:spcBef>
-                <a:spcPts val="0"/>
-              </a:spcBef>
-              <a:buNone/>
-              <a:defRPr b="0" i="0" sz="1200" u="none" cap="none" strike="noStrike">
+            <a:lvl1pPr marL="0" marR="0" lvl="0" indent="0" algn="l" rtl="0">
+              <a:spcBef>
+                <a:spcPts val="0"/>
+              </a:spcBef>
+              <a:buNone/>
+              <a:defRPr sz="1200" b="0" i="0" u="none" strike="noStrike" cap="none">
                 <a:solidFill>
                   <a:srgbClr val="888888"/>
                 </a:solidFill>
@@ -4458,12 +4721,12 @@
                 <a:sym typeface="Calibri"/>
               </a:defRPr>
             </a:lvl1pPr>
-            <a:lvl2pPr indent="0" lvl="1" marL="457200" marR="0" rtl="0" algn="l">
-              <a:spcBef>
-                <a:spcPts val="0"/>
-              </a:spcBef>
-              <a:buNone/>
-              <a:defRPr b="0" i="0" sz="1800" u="none" cap="none" strike="noStrike">
+            <a:lvl2pPr marL="457200" marR="0" lvl="1" indent="0" algn="l" rtl="0">
+              <a:spcBef>
+                <a:spcPts val="0"/>
+              </a:spcBef>
+              <a:buNone/>
+              <a:defRPr sz="1800" b="0" i="0" u="none" strike="noStrike" cap="none">
                 <a:solidFill>
                   <a:schemeClr val="dk1"/>
                 </a:solidFill>
@@ -4473,12 +4736,12 @@
                 <a:sym typeface="Calibri"/>
               </a:defRPr>
             </a:lvl2pPr>
-            <a:lvl3pPr indent="0" lvl="2" marL="914400" marR="0" rtl="0" algn="l">
-              <a:spcBef>
-                <a:spcPts val="0"/>
-              </a:spcBef>
-              <a:buNone/>
-              <a:defRPr b="0" i="0" sz="1800" u="none" cap="none" strike="noStrike">
+            <a:lvl3pPr marL="914400" marR="0" lvl="2" indent="0" algn="l" rtl="0">
+              <a:spcBef>
+                <a:spcPts val="0"/>
+              </a:spcBef>
+              <a:buNone/>
+              <a:defRPr sz="1800" b="0" i="0" u="none" strike="noStrike" cap="none">
                 <a:solidFill>
                   <a:schemeClr val="dk1"/>
                 </a:solidFill>
@@ -4488,12 +4751,12 @@
                 <a:sym typeface="Calibri"/>
               </a:defRPr>
             </a:lvl3pPr>
-            <a:lvl4pPr indent="0" lvl="3" marL="1371600" marR="0" rtl="0" algn="l">
-              <a:spcBef>
-                <a:spcPts val="0"/>
-              </a:spcBef>
-              <a:buNone/>
-              <a:defRPr b="0" i="0" sz="1800" u="none" cap="none" strike="noStrike">
+            <a:lvl4pPr marL="1371600" marR="0" lvl="3" indent="0" algn="l" rtl="0">
+              <a:spcBef>
+                <a:spcPts val="0"/>
+              </a:spcBef>
+              <a:buNone/>
+              <a:defRPr sz="1800" b="0" i="0" u="none" strike="noStrike" cap="none">
                 <a:solidFill>
                   <a:schemeClr val="dk1"/>
                 </a:solidFill>
@@ -4503,12 +4766,12 @@
                 <a:sym typeface="Calibri"/>
               </a:defRPr>
             </a:lvl4pPr>
-            <a:lvl5pPr indent="0" lvl="4" marL="1828800" marR="0" rtl="0" algn="l">
-              <a:spcBef>
-                <a:spcPts val="0"/>
-              </a:spcBef>
-              <a:buNone/>
-              <a:defRPr b="0" i="0" sz="1800" u="none" cap="none" strike="noStrike">
+            <a:lvl5pPr marL="1828800" marR="0" lvl="4" indent="0" algn="l" rtl="0">
+              <a:spcBef>
+                <a:spcPts val="0"/>
+              </a:spcBef>
+              <a:buNone/>
+              <a:defRPr sz="1800" b="0" i="0" u="none" strike="noStrike" cap="none">
                 <a:solidFill>
                   <a:schemeClr val="dk1"/>
                 </a:solidFill>
@@ -4518,12 +4781,12 @@
                 <a:sym typeface="Calibri"/>
               </a:defRPr>
             </a:lvl5pPr>
-            <a:lvl6pPr indent="0" lvl="5" marL="2286000" marR="0" rtl="0" algn="l">
-              <a:spcBef>
-                <a:spcPts val="0"/>
-              </a:spcBef>
-              <a:buNone/>
-              <a:defRPr b="0" i="0" sz="1800" u="none" cap="none" strike="noStrike">
+            <a:lvl6pPr marL="2286000" marR="0" lvl="5" indent="0" algn="l" rtl="0">
+              <a:spcBef>
+                <a:spcPts val="0"/>
+              </a:spcBef>
+              <a:buNone/>
+              <a:defRPr sz="1800" b="0" i="0" u="none" strike="noStrike" cap="none">
                 <a:solidFill>
                   <a:schemeClr val="dk1"/>
                 </a:solidFill>
@@ -4533,12 +4796,12 @@
                 <a:sym typeface="Calibri"/>
               </a:defRPr>
             </a:lvl6pPr>
-            <a:lvl7pPr indent="0" lvl="6" marL="2743200" marR="0" rtl="0" algn="l">
-              <a:spcBef>
-                <a:spcPts val="0"/>
-              </a:spcBef>
-              <a:buNone/>
-              <a:defRPr b="0" i="0" sz="1800" u="none" cap="none" strike="noStrike">
+            <a:lvl7pPr marL="2743200" marR="0" lvl="6" indent="0" algn="l" rtl="0">
+              <a:spcBef>
+                <a:spcPts val="0"/>
+              </a:spcBef>
+              <a:buNone/>
+              <a:defRPr sz="1800" b="0" i="0" u="none" strike="noStrike" cap="none">
                 <a:solidFill>
                   <a:schemeClr val="dk1"/>
                 </a:solidFill>
@@ -4548,12 +4811,12 @@
                 <a:sym typeface="Calibri"/>
               </a:defRPr>
             </a:lvl7pPr>
-            <a:lvl8pPr indent="0" lvl="7" marL="3200400" marR="0" rtl="0" algn="l">
-              <a:spcBef>
-                <a:spcPts val="0"/>
-              </a:spcBef>
-              <a:buNone/>
-              <a:defRPr b="0" i="0" sz="1800" u="none" cap="none" strike="noStrike">
+            <a:lvl8pPr marL="3200400" marR="0" lvl="7" indent="0" algn="l" rtl="0">
+              <a:spcBef>
+                <a:spcPts val="0"/>
+              </a:spcBef>
+              <a:buNone/>
+              <a:defRPr sz="1800" b="0" i="0" u="none" strike="noStrike" cap="none">
                 <a:solidFill>
                   <a:schemeClr val="dk1"/>
                 </a:solidFill>
@@ -4563,12 +4826,12 @@
                 <a:sym typeface="Calibri"/>
               </a:defRPr>
             </a:lvl8pPr>
-            <a:lvl9pPr indent="0" lvl="8" marL="3657600" marR="0" rtl="0" algn="l">
-              <a:spcBef>
-                <a:spcPts val="0"/>
-              </a:spcBef>
-              <a:buNone/>
-              <a:defRPr b="0" i="0" sz="1800" u="none" cap="none" strike="noStrike">
+            <a:lvl9pPr marL="3657600" marR="0" lvl="8" indent="0" algn="l" rtl="0">
+              <a:spcBef>
+                <a:spcPts val="0"/>
+              </a:spcBef>
+              <a:buNone/>
+              <a:defRPr sz="1800" b="0" i="0" u="none" strike="noStrike" cap="none">
                 <a:solidFill>
                   <a:schemeClr val="dk1"/>
                 </a:solidFill>
@@ -4579,15 +4842,19 @@
               </a:defRPr>
             </a:lvl9pPr>
           </a:lstStyle>
-          <a:p/>
+          <a:p>
+            <a:endParaRPr/>
+          </a:p>
         </p:txBody>
       </p:sp>
       <p:sp>
         <p:nvSpPr>
           <p:cNvPr id="35" name="Shape 35"/>
-          <p:cNvSpPr txBox="1"/>
+          <p:cNvSpPr txBox="1">
+            <a:spLocks noGrp="1"/>
+          </p:cNvSpPr>
           <p:nvPr>
-            <p:ph idx="11" type="ftr"/>
+            <p:ph type="ftr" idx="11"/>
           </p:nvPr>
         </p:nvSpPr>
         <p:spPr>
@@ -4604,14 +4871,14 @@
           </a:ln>
         </p:spPr>
         <p:txBody>
-          <a:bodyPr anchorCtr="0" anchor="ctr" bIns="91425" lIns="91425" rIns="91425" tIns="91425"/>
+          <a:bodyPr lIns="91425" tIns="91425" rIns="91425" bIns="91425" anchor="ctr" anchorCtr="0"/>
           <a:lstStyle>
-            <a:lvl1pPr indent="0" lvl="0" marL="0" marR="0" rtl="0" algn="ctr">
-              <a:spcBef>
-                <a:spcPts val="0"/>
-              </a:spcBef>
-              <a:buNone/>
-              <a:defRPr b="0" i="0" sz="1200" u="none" cap="none" strike="noStrike">
+            <a:lvl1pPr marL="0" marR="0" lvl="0" indent="0" algn="ctr" rtl="0">
+              <a:spcBef>
+                <a:spcPts val="0"/>
+              </a:spcBef>
+              <a:buNone/>
+              <a:defRPr sz="1200" b="0" i="0" u="none" strike="noStrike" cap="none">
                 <a:solidFill>
                   <a:srgbClr val="888888"/>
                 </a:solidFill>
@@ -4621,12 +4888,12 @@
                 <a:sym typeface="Calibri"/>
               </a:defRPr>
             </a:lvl1pPr>
-            <a:lvl2pPr indent="0" lvl="1" marL="457200" marR="0" rtl="0" algn="l">
-              <a:spcBef>
-                <a:spcPts val="0"/>
-              </a:spcBef>
-              <a:buNone/>
-              <a:defRPr b="0" i="0" sz="1800" u="none" cap="none" strike="noStrike">
+            <a:lvl2pPr marL="457200" marR="0" lvl="1" indent="0" algn="l" rtl="0">
+              <a:spcBef>
+                <a:spcPts val="0"/>
+              </a:spcBef>
+              <a:buNone/>
+              <a:defRPr sz="1800" b="0" i="0" u="none" strike="noStrike" cap="none">
                 <a:solidFill>
                   <a:schemeClr val="dk1"/>
                 </a:solidFill>
@@ -4636,12 +4903,12 @@
                 <a:sym typeface="Calibri"/>
               </a:defRPr>
             </a:lvl2pPr>
-            <a:lvl3pPr indent="0" lvl="2" marL="914400" marR="0" rtl="0" algn="l">
-              <a:spcBef>
-                <a:spcPts val="0"/>
-              </a:spcBef>
-              <a:buNone/>
-              <a:defRPr b="0" i="0" sz="1800" u="none" cap="none" strike="noStrike">
+            <a:lvl3pPr marL="914400" marR="0" lvl="2" indent="0" algn="l" rtl="0">
+              <a:spcBef>
+                <a:spcPts val="0"/>
+              </a:spcBef>
+              <a:buNone/>
+              <a:defRPr sz="1800" b="0" i="0" u="none" strike="noStrike" cap="none">
                 <a:solidFill>
                   <a:schemeClr val="dk1"/>
                 </a:solidFill>
@@ -4651,12 +4918,12 @@
                 <a:sym typeface="Calibri"/>
               </a:defRPr>
             </a:lvl3pPr>
-            <a:lvl4pPr indent="0" lvl="3" marL="1371600" marR="0" rtl="0" algn="l">
-              <a:spcBef>
-                <a:spcPts val="0"/>
-              </a:spcBef>
-              <a:buNone/>
-              <a:defRPr b="0" i="0" sz="1800" u="none" cap="none" strike="noStrike">
+            <a:lvl4pPr marL="1371600" marR="0" lvl="3" indent="0" algn="l" rtl="0">
+              <a:spcBef>
+                <a:spcPts val="0"/>
+              </a:spcBef>
+              <a:buNone/>
+              <a:defRPr sz="1800" b="0" i="0" u="none" strike="noStrike" cap="none">
                 <a:solidFill>
                   <a:schemeClr val="dk1"/>
                 </a:solidFill>
@@ -4666,12 +4933,12 @@
                 <a:sym typeface="Calibri"/>
               </a:defRPr>
             </a:lvl4pPr>
-            <a:lvl5pPr indent="0" lvl="4" marL="1828800" marR="0" rtl="0" algn="l">
-              <a:spcBef>
-                <a:spcPts val="0"/>
-              </a:spcBef>
-              <a:buNone/>
-              <a:defRPr b="0" i="0" sz="1800" u="none" cap="none" strike="noStrike">
+            <a:lvl5pPr marL="1828800" marR="0" lvl="4" indent="0" algn="l" rtl="0">
+              <a:spcBef>
+                <a:spcPts val="0"/>
+              </a:spcBef>
+              <a:buNone/>
+              <a:defRPr sz="1800" b="0" i="0" u="none" strike="noStrike" cap="none">
                 <a:solidFill>
                   <a:schemeClr val="dk1"/>
                 </a:solidFill>
@@ -4681,12 +4948,12 @@
                 <a:sym typeface="Calibri"/>
               </a:defRPr>
             </a:lvl5pPr>
-            <a:lvl6pPr indent="0" lvl="5" marL="2286000" marR="0" rtl="0" algn="l">
-              <a:spcBef>
-                <a:spcPts val="0"/>
-              </a:spcBef>
-              <a:buNone/>
-              <a:defRPr b="0" i="0" sz="1800" u="none" cap="none" strike="noStrike">
+            <a:lvl6pPr marL="2286000" marR="0" lvl="5" indent="0" algn="l" rtl="0">
+              <a:spcBef>
+                <a:spcPts val="0"/>
+              </a:spcBef>
+              <a:buNone/>
+              <a:defRPr sz="1800" b="0" i="0" u="none" strike="noStrike" cap="none">
                 <a:solidFill>
                   <a:schemeClr val="dk1"/>
                 </a:solidFill>
@@ -4696,12 +4963,12 @@
                 <a:sym typeface="Calibri"/>
               </a:defRPr>
             </a:lvl6pPr>
-            <a:lvl7pPr indent="0" lvl="6" marL="2743200" marR="0" rtl="0" algn="l">
-              <a:spcBef>
-                <a:spcPts val="0"/>
-              </a:spcBef>
-              <a:buNone/>
-              <a:defRPr b="0" i="0" sz="1800" u="none" cap="none" strike="noStrike">
+            <a:lvl7pPr marL="2743200" marR="0" lvl="6" indent="0" algn="l" rtl="0">
+              <a:spcBef>
+                <a:spcPts val="0"/>
+              </a:spcBef>
+              <a:buNone/>
+              <a:defRPr sz="1800" b="0" i="0" u="none" strike="noStrike" cap="none">
                 <a:solidFill>
                   <a:schemeClr val="dk1"/>
                 </a:solidFill>
@@ -4711,12 +4978,12 @@
                 <a:sym typeface="Calibri"/>
               </a:defRPr>
             </a:lvl7pPr>
-            <a:lvl8pPr indent="0" lvl="7" marL="3200400" marR="0" rtl="0" algn="l">
-              <a:spcBef>
-                <a:spcPts val="0"/>
-              </a:spcBef>
-              <a:buNone/>
-              <a:defRPr b="0" i="0" sz="1800" u="none" cap="none" strike="noStrike">
+            <a:lvl8pPr marL="3200400" marR="0" lvl="7" indent="0" algn="l" rtl="0">
+              <a:spcBef>
+                <a:spcPts val="0"/>
+              </a:spcBef>
+              <a:buNone/>
+              <a:defRPr sz="1800" b="0" i="0" u="none" strike="noStrike" cap="none">
                 <a:solidFill>
                   <a:schemeClr val="dk1"/>
                 </a:solidFill>
@@ -4726,12 +4993,12 @@
                 <a:sym typeface="Calibri"/>
               </a:defRPr>
             </a:lvl8pPr>
-            <a:lvl9pPr indent="0" lvl="8" marL="3657600" marR="0" rtl="0" algn="l">
-              <a:spcBef>
-                <a:spcPts val="0"/>
-              </a:spcBef>
-              <a:buNone/>
-              <a:defRPr b="0" i="0" sz="1800" u="none" cap="none" strike="noStrike">
+            <a:lvl9pPr marL="3657600" marR="0" lvl="8" indent="0" algn="l" rtl="0">
+              <a:spcBef>
+                <a:spcPts val="0"/>
+              </a:spcBef>
+              <a:buNone/>
+              <a:defRPr sz="1800" b="0" i="0" u="none" strike="noStrike" cap="none">
                 <a:solidFill>
                   <a:schemeClr val="dk1"/>
                 </a:solidFill>
@@ -4742,15 +5009,19 @@
               </a:defRPr>
             </a:lvl9pPr>
           </a:lstStyle>
-          <a:p/>
+          <a:p>
+            <a:endParaRPr/>
+          </a:p>
         </p:txBody>
       </p:sp>
       <p:sp>
         <p:nvSpPr>
           <p:cNvPr id="36" name="Shape 36"/>
-          <p:cNvSpPr txBox="1"/>
+          <p:cNvSpPr txBox="1">
+            <a:spLocks noGrp="1"/>
+          </p:cNvSpPr>
           <p:nvPr>
-            <p:ph idx="12" type="sldNum"/>
+            <p:ph type="sldNum" idx="12"/>
           </p:nvPr>
         </p:nvSpPr>
         <p:spPr>
@@ -4767,12 +5038,12 @@
           </a:ln>
         </p:spPr>
         <p:txBody>
-          <a:bodyPr anchorCtr="0" anchor="ctr" bIns="45700" lIns="91425" rIns="91425" tIns="45700">
+          <a:bodyPr lIns="91425" tIns="45700" rIns="91425" bIns="45700" anchor="ctr" anchorCtr="0">
             <a:noAutofit/>
           </a:bodyPr>
           <a:lstStyle/>
           <a:p>
-            <a:pPr indent="0" lvl="0" marL="0" marR="0" rtl="0" algn="r">
+            <a:pPr marL="0" marR="0" lvl="0" indent="0" algn="r" rtl="0">
               <a:spcBef>
                 <a:spcPts val="0"/>
               </a:spcBef>
@@ -4780,7 +5051,7 @@
               <a:buNone/>
             </a:pPr>
             <a:fld id="{00000000-1234-1234-1234-123412341234}" type="slidenum">
-              <a:rPr b="0" i="0" lang="en" sz="1200" u="none" cap="none" strike="noStrike">
+              <a:rPr lang="en" sz="1200" b="0" i="0" u="none" strike="noStrike" cap="none">
                 <a:solidFill>
                   <a:srgbClr val="888888"/>
                 </a:solidFill>
@@ -4791,6 +5062,15 @@
               </a:rPr>
               <a:t>‹#›</a:t>
             </a:fld>
+            <a:endParaRPr lang="en" sz="1200" b="0" i="0" u="none" strike="noStrike" cap="none">
+              <a:solidFill>
+                <a:srgbClr val="888888"/>
+              </a:solidFill>
+              <a:latin typeface="Calibri"/>
+              <a:ea typeface="Calibri"/>
+              <a:cs typeface="Calibri"/>
+              <a:sym typeface="Calibri"/>
+            </a:endParaRPr>
           </a:p>
         </p:txBody>
       </p:sp>
@@ -4803,11 +5083,11 @@
 </file>
 
 <file path=ppt/slideLayouts/slideLayout6.xml><?xml version="1.0" encoding="utf-8"?>
-<p:sldLayout xmlns:a="http://schemas.openxmlformats.org/drawingml/2006/main" xmlns:r="http://schemas.openxmlformats.org/officeDocument/2006/relationships" xmlns:mc="http://schemas.openxmlformats.org/markup-compatibility/2006" xmlns:mv="urn:schemas-microsoft-com:mac:vml" xmlns:p="http://schemas.openxmlformats.org/presentationml/2006/main" xmlns:c="http://schemas.openxmlformats.org/drawingml/2006/chart" xmlns:dgm="http://schemas.openxmlformats.org/drawingml/2006/diagram" xmlns:o="urn:schemas-microsoft-com:office:office" xmlns:v="urn:schemas-microsoft-com:vml" xmlns:pvml="urn:schemas-microsoft-com:office:powerpoint" xmlns:com="http://schemas.openxmlformats.org/drawingml/2006/compatibility" xmlns:p14="http://schemas.microsoft.com/office/powerpoint/2010/main" type="titleOnly">
+<p:sldLayout xmlns:a="http://schemas.openxmlformats.org/drawingml/2006/main" xmlns:r="http://schemas.openxmlformats.org/officeDocument/2006/relationships" xmlns:p="http://schemas.openxmlformats.org/presentationml/2006/main" type="titleOnly">
   <p:cSld name="Title Only">
     <p:spTree>
       <p:nvGrpSpPr>
-        <p:cNvPr id="37" name="Shape 37"/>
+        <p:cNvPr id="1" name="Shape 37"/>
         <p:cNvGrpSpPr/>
         <p:nvPr/>
       </p:nvGrpSpPr>
@@ -4822,7 +5102,9 @@
       <p:sp>
         <p:nvSpPr>
           <p:cNvPr id="38" name="Shape 38"/>
-          <p:cNvSpPr txBox="1"/>
+          <p:cNvSpPr txBox="1">
+            <a:spLocks noGrp="1"/>
+          </p:cNvSpPr>
           <p:nvPr>
             <p:ph type="title"/>
           </p:nvPr>
@@ -4841,9 +5123,9 @@
           </a:ln>
         </p:spPr>
         <p:txBody>
-          <a:bodyPr anchorCtr="0" anchor="ctr" bIns="91425" lIns="91425" rIns="91425" tIns="91425"/>
+          <a:bodyPr lIns="91425" tIns="91425" rIns="91425" bIns="91425" anchor="ctr" anchorCtr="0"/>
           <a:lstStyle>
-            <a:lvl1pPr indent="0" lvl="0" marL="0" marR="0" rtl="0" algn="ctr">
+            <a:lvl1pPr marL="0" marR="0" lvl="0" indent="0" algn="ctr" rtl="0">
               <a:spcBef>
                 <a:spcPts val="0"/>
               </a:spcBef>
@@ -4852,7 +5134,7 @@
               </a:buClr>
               <a:buFont typeface="Calibri"/>
               <a:buNone/>
-              <a:defRPr b="0" i="0" sz="4400" u="none" cap="none" strike="noStrike">
+              <a:defRPr sz="4400" b="0" i="0" u="none" strike="noStrike" cap="none">
                 <a:solidFill>
                   <a:schemeClr val="dk1"/>
                 </a:solidFill>
@@ -4862,56 +5144,56 @@
                 <a:sym typeface="Calibri"/>
               </a:defRPr>
             </a:lvl1pPr>
-            <a:lvl2pPr indent="0" lvl="1">
+            <a:lvl2pPr lvl="1" indent="0">
               <a:spcBef>
                 <a:spcPts val="0"/>
               </a:spcBef>
               <a:buNone/>
               <a:defRPr sz="1800"/>
             </a:lvl2pPr>
-            <a:lvl3pPr indent="0" lvl="2">
+            <a:lvl3pPr lvl="2" indent="0">
               <a:spcBef>
                 <a:spcPts val="0"/>
               </a:spcBef>
               <a:buNone/>
               <a:defRPr sz="1800"/>
             </a:lvl3pPr>
-            <a:lvl4pPr indent="0" lvl="3">
+            <a:lvl4pPr lvl="3" indent="0">
               <a:spcBef>
                 <a:spcPts val="0"/>
               </a:spcBef>
               <a:buNone/>
               <a:defRPr sz="1800"/>
             </a:lvl4pPr>
-            <a:lvl5pPr indent="0" lvl="4">
+            <a:lvl5pPr lvl="4" indent="0">
               <a:spcBef>
                 <a:spcPts val="0"/>
               </a:spcBef>
               <a:buNone/>
               <a:defRPr sz="1800"/>
             </a:lvl5pPr>
-            <a:lvl6pPr indent="0" lvl="5">
+            <a:lvl6pPr lvl="5" indent="0">
               <a:spcBef>
                 <a:spcPts val="0"/>
               </a:spcBef>
               <a:buNone/>
               <a:defRPr sz="1800"/>
             </a:lvl6pPr>
-            <a:lvl7pPr indent="0" lvl="6">
+            <a:lvl7pPr lvl="6" indent="0">
               <a:spcBef>
                 <a:spcPts val="0"/>
               </a:spcBef>
               <a:buNone/>
               <a:defRPr sz="1800"/>
             </a:lvl7pPr>
-            <a:lvl8pPr indent="0" lvl="7">
+            <a:lvl8pPr lvl="7" indent="0">
               <a:spcBef>
                 <a:spcPts val="0"/>
               </a:spcBef>
               <a:buNone/>
               <a:defRPr sz="1800"/>
             </a:lvl8pPr>
-            <a:lvl9pPr indent="0" lvl="8">
+            <a:lvl9pPr lvl="8" indent="0">
               <a:spcBef>
                 <a:spcPts val="0"/>
               </a:spcBef>
@@ -4919,15 +5201,19 @@
               <a:defRPr sz="1800"/>
             </a:lvl9pPr>
           </a:lstStyle>
-          <a:p/>
+          <a:p>
+            <a:endParaRPr/>
+          </a:p>
         </p:txBody>
       </p:sp>
       <p:sp>
         <p:nvSpPr>
           <p:cNvPr id="39" name="Shape 39"/>
-          <p:cNvSpPr txBox="1"/>
+          <p:cNvSpPr txBox="1">
+            <a:spLocks noGrp="1"/>
+          </p:cNvSpPr>
           <p:nvPr>
-            <p:ph idx="10" type="dt"/>
+            <p:ph type="dt" idx="10"/>
           </p:nvPr>
         </p:nvSpPr>
         <p:spPr>
@@ -4944,14 +5230,14 @@
           </a:ln>
         </p:spPr>
         <p:txBody>
-          <a:bodyPr anchorCtr="0" anchor="ctr" bIns="91425" lIns="91425" rIns="91425" tIns="91425"/>
+          <a:bodyPr lIns="91425" tIns="91425" rIns="91425" bIns="91425" anchor="ctr" anchorCtr="0"/>
           <a:lstStyle>
-            <a:lvl1pPr indent="0" lvl="0" marL="0" marR="0" rtl="0" algn="l">
-              <a:spcBef>
-                <a:spcPts val="0"/>
-              </a:spcBef>
-              <a:buNone/>
-              <a:defRPr b="0" i="0" sz="1200" u="none" cap="none" strike="noStrike">
+            <a:lvl1pPr marL="0" marR="0" lvl="0" indent="0" algn="l" rtl="0">
+              <a:spcBef>
+                <a:spcPts val="0"/>
+              </a:spcBef>
+              <a:buNone/>
+              <a:defRPr sz="1200" b="0" i="0" u="none" strike="noStrike" cap="none">
                 <a:solidFill>
                   <a:srgbClr val="888888"/>
                 </a:solidFill>
@@ -4961,12 +5247,12 @@
                 <a:sym typeface="Calibri"/>
               </a:defRPr>
             </a:lvl1pPr>
-            <a:lvl2pPr indent="0" lvl="1" marL="457200" marR="0" rtl="0" algn="l">
-              <a:spcBef>
-                <a:spcPts val="0"/>
-              </a:spcBef>
-              <a:buNone/>
-              <a:defRPr b="0" i="0" sz="1800" u="none" cap="none" strike="noStrike">
+            <a:lvl2pPr marL="457200" marR="0" lvl="1" indent="0" algn="l" rtl="0">
+              <a:spcBef>
+                <a:spcPts val="0"/>
+              </a:spcBef>
+              <a:buNone/>
+              <a:defRPr sz="1800" b="0" i="0" u="none" strike="noStrike" cap="none">
                 <a:solidFill>
                   <a:schemeClr val="dk1"/>
                 </a:solidFill>
@@ -4976,12 +5262,12 @@
                 <a:sym typeface="Calibri"/>
               </a:defRPr>
             </a:lvl2pPr>
-            <a:lvl3pPr indent="0" lvl="2" marL="914400" marR="0" rtl="0" algn="l">
-              <a:spcBef>
-                <a:spcPts val="0"/>
-              </a:spcBef>
-              <a:buNone/>
-              <a:defRPr b="0" i="0" sz="1800" u="none" cap="none" strike="noStrike">
+            <a:lvl3pPr marL="914400" marR="0" lvl="2" indent="0" algn="l" rtl="0">
+              <a:spcBef>
+                <a:spcPts val="0"/>
+              </a:spcBef>
+              <a:buNone/>
+              <a:defRPr sz="1800" b="0" i="0" u="none" strike="noStrike" cap="none">
                 <a:solidFill>
                   <a:schemeClr val="dk1"/>
                 </a:solidFill>
@@ -4991,12 +5277,12 @@
                 <a:sym typeface="Calibri"/>
               </a:defRPr>
             </a:lvl3pPr>
-            <a:lvl4pPr indent="0" lvl="3" marL="1371600" marR="0" rtl="0" algn="l">
-              <a:spcBef>
-                <a:spcPts val="0"/>
-              </a:spcBef>
-              <a:buNone/>
-              <a:defRPr b="0" i="0" sz="1800" u="none" cap="none" strike="noStrike">
+            <a:lvl4pPr marL="1371600" marR="0" lvl="3" indent="0" algn="l" rtl="0">
+              <a:spcBef>
+                <a:spcPts val="0"/>
+              </a:spcBef>
+              <a:buNone/>
+              <a:defRPr sz="1800" b="0" i="0" u="none" strike="noStrike" cap="none">
                 <a:solidFill>
                   <a:schemeClr val="dk1"/>
                 </a:solidFill>
@@ -5006,12 +5292,12 @@
                 <a:sym typeface="Calibri"/>
               </a:defRPr>
             </a:lvl4pPr>
-            <a:lvl5pPr indent="0" lvl="4" marL="1828800" marR="0" rtl="0" algn="l">
-              <a:spcBef>
-                <a:spcPts val="0"/>
-              </a:spcBef>
-              <a:buNone/>
-              <a:defRPr b="0" i="0" sz="1800" u="none" cap="none" strike="noStrike">
+            <a:lvl5pPr marL="1828800" marR="0" lvl="4" indent="0" algn="l" rtl="0">
+              <a:spcBef>
+                <a:spcPts val="0"/>
+              </a:spcBef>
+              <a:buNone/>
+              <a:defRPr sz="1800" b="0" i="0" u="none" strike="noStrike" cap="none">
                 <a:solidFill>
                   <a:schemeClr val="dk1"/>
                 </a:solidFill>
@@ -5021,12 +5307,12 @@
                 <a:sym typeface="Calibri"/>
               </a:defRPr>
             </a:lvl5pPr>
-            <a:lvl6pPr indent="0" lvl="5" marL="2286000" marR="0" rtl="0" algn="l">
-              <a:spcBef>
-                <a:spcPts val="0"/>
-              </a:spcBef>
-              <a:buNone/>
-              <a:defRPr b="0" i="0" sz="1800" u="none" cap="none" strike="noStrike">
+            <a:lvl6pPr marL="2286000" marR="0" lvl="5" indent="0" algn="l" rtl="0">
+              <a:spcBef>
+                <a:spcPts val="0"/>
+              </a:spcBef>
+              <a:buNone/>
+              <a:defRPr sz="1800" b="0" i="0" u="none" strike="noStrike" cap="none">
                 <a:solidFill>
                   <a:schemeClr val="dk1"/>
                 </a:solidFill>
@@ -5036,12 +5322,12 @@
                 <a:sym typeface="Calibri"/>
               </a:defRPr>
             </a:lvl6pPr>
-            <a:lvl7pPr indent="0" lvl="6" marL="2743200" marR="0" rtl="0" algn="l">
-              <a:spcBef>
-                <a:spcPts val="0"/>
-              </a:spcBef>
-              <a:buNone/>
-              <a:defRPr b="0" i="0" sz="1800" u="none" cap="none" strike="noStrike">
+            <a:lvl7pPr marL="2743200" marR="0" lvl="6" indent="0" algn="l" rtl="0">
+              <a:spcBef>
+                <a:spcPts val="0"/>
+              </a:spcBef>
+              <a:buNone/>
+              <a:defRPr sz="1800" b="0" i="0" u="none" strike="noStrike" cap="none">
                 <a:solidFill>
                   <a:schemeClr val="dk1"/>
                 </a:solidFill>
@@ -5051,12 +5337,12 @@
                 <a:sym typeface="Calibri"/>
               </a:defRPr>
             </a:lvl7pPr>
-            <a:lvl8pPr indent="0" lvl="7" marL="3200400" marR="0" rtl="0" algn="l">
-              <a:spcBef>
-                <a:spcPts val="0"/>
-              </a:spcBef>
-              <a:buNone/>
-              <a:defRPr b="0" i="0" sz="1800" u="none" cap="none" strike="noStrike">
+            <a:lvl8pPr marL="3200400" marR="0" lvl="7" indent="0" algn="l" rtl="0">
+              <a:spcBef>
+                <a:spcPts val="0"/>
+              </a:spcBef>
+              <a:buNone/>
+              <a:defRPr sz="1800" b="0" i="0" u="none" strike="noStrike" cap="none">
                 <a:solidFill>
                   <a:schemeClr val="dk1"/>
                 </a:solidFill>
@@ -5066,12 +5352,12 @@
                 <a:sym typeface="Calibri"/>
               </a:defRPr>
             </a:lvl8pPr>
-            <a:lvl9pPr indent="0" lvl="8" marL="3657600" marR="0" rtl="0" algn="l">
-              <a:spcBef>
-                <a:spcPts val="0"/>
-              </a:spcBef>
-              <a:buNone/>
-              <a:defRPr b="0" i="0" sz="1800" u="none" cap="none" strike="noStrike">
+            <a:lvl9pPr marL="3657600" marR="0" lvl="8" indent="0" algn="l" rtl="0">
+              <a:spcBef>
+                <a:spcPts val="0"/>
+              </a:spcBef>
+              <a:buNone/>
+              <a:defRPr sz="1800" b="0" i="0" u="none" strike="noStrike" cap="none">
                 <a:solidFill>
                   <a:schemeClr val="dk1"/>
                 </a:solidFill>
@@ -5082,15 +5368,19 @@
               </a:defRPr>
             </a:lvl9pPr>
           </a:lstStyle>
-          <a:p/>
+          <a:p>
+            <a:endParaRPr/>
+          </a:p>
         </p:txBody>
       </p:sp>
       <p:sp>
         <p:nvSpPr>
           <p:cNvPr id="40" name="Shape 40"/>
-          <p:cNvSpPr txBox="1"/>
+          <p:cNvSpPr txBox="1">
+            <a:spLocks noGrp="1"/>
+          </p:cNvSpPr>
           <p:nvPr>
-            <p:ph idx="11" type="ftr"/>
+            <p:ph type="ftr" idx="11"/>
           </p:nvPr>
         </p:nvSpPr>
         <p:spPr>
@@ -5107,14 +5397,14 @@
           </a:ln>
         </p:spPr>
         <p:txBody>
-          <a:bodyPr anchorCtr="0" anchor="ctr" bIns="91425" lIns="91425" rIns="91425" tIns="91425"/>
+          <a:bodyPr lIns="91425" tIns="91425" rIns="91425" bIns="91425" anchor="ctr" anchorCtr="0"/>
           <a:lstStyle>
-            <a:lvl1pPr indent="0" lvl="0" marL="0" marR="0" rtl="0" algn="ctr">
-              <a:spcBef>
-                <a:spcPts val="0"/>
-              </a:spcBef>
-              <a:buNone/>
-              <a:defRPr b="0" i="0" sz="1200" u="none" cap="none" strike="noStrike">
+            <a:lvl1pPr marL="0" marR="0" lvl="0" indent="0" algn="ctr" rtl="0">
+              <a:spcBef>
+                <a:spcPts val="0"/>
+              </a:spcBef>
+              <a:buNone/>
+              <a:defRPr sz="1200" b="0" i="0" u="none" strike="noStrike" cap="none">
                 <a:solidFill>
                   <a:srgbClr val="888888"/>
                 </a:solidFill>
@@ -5124,12 +5414,12 @@
                 <a:sym typeface="Calibri"/>
               </a:defRPr>
             </a:lvl1pPr>
-            <a:lvl2pPr indent="0" lvl="1" marL="457200" marR="0" rtl="0" algn="l">
-              <a:spcBef>
-                <a:spcPts val="0"/>
-              </a:spcBef>
-              <a:buNone/>
-              <a:defRPr b="0" i="0" sz="1800" u="none" cap="none" strike="noStrike">
+            <a:lvl2pPr marL="457200" marR="0" lvl="1" indent="0" algn="l" rtl="0">
+              <a:spcBef>
+                <a:spcPts val="0"/>
+              </a:spcBef>
+              <a:buNone/>
+              <a:defRPr sz="1800" b="0" i="0" u="none" strike="noStrike" cap="none">
                 <a:solidFill>
                   <a:schemeClr val="dk1"/>
                 </a:solidFill>
@@ -5139,12 +5429,12 @@
                 <a:sym typeface="Calibri"/>
               </a:defRPr>
             </a:lvl2pPr>
-            <a:lvl3pPr indent="0" lvl="2" marL="914400" marR="0" rtl="0" algn="l">
-              <a:spcBef>
-                <a:spcPts val="0"/>
-              </a:spcBef>
-              <a:buNone/>
-              <a:defRPr b="0" i="0" sz="1800" u="none" cap="none" strike="noStrike">
+            <a:lvl3pPr marL="914400" marR="0" lvl="2" indent="0" algn="l" rtl="0">
+              <a:spcBef>
+                <a:spcPts val="0"/>
+              </a:spcBef>
+              <a:buNone/>
+              <a:defRPr sz="1800" b="0" i="0" u="none" strike="noStrike" cap="none">
                 <a:solidFill>
                   <a:schemeClr val="dk1"/>
                 </a:solidFill>
@@ -5154,12 +5444,12 @@
                 <a:sym typeface="Calibri"/>
               </a:defRPr>
             </a:lvl3pPr>
-            <a:lvl4pPr indent="0" lvl="3" marL="1371600" marR="0" rtl="0" algn="l">
-              <a:spcBef>
-                <a:spcPts val="0"/>
-              </a:spcBef>
-              <a:buNone/>
-              <a:defRPr b="0" i="0" sz="1800" u="none" cap="none" strike="noStrike">
+            <a:lvl4pPr marL="1371600" marR="0" lvl="3" indent="0" algn="l" rtl="0">
+              <a:spcBef>
+                <a:spcPts val="0"/>
+              </a:spcBef>
+              <a:buNone/>
+              <a:defRPr sz="1800" b="0" i="0" u="none" strike="noStrike" cap="none">
                 <a:solidFill>
                   <a:schemeClr val="dk1"/>
                 </a:solidFill>
@@ -5169,12 +5459,12 @@
                 <a:sym typeface="Calibri"/>
               </a:defRPr>
             </a:lvl4pPr>
-            <a:lvl5pPr indent="0" lvl="4" marL="1828800" marR="0" rtl="0" algn="l">
-              <a:spcBef>
-                <a:spcPts val="0"/>
-              </a:spcBef>
-              <a:buNone/>
-              <a:defRPr b="0" i="0" sz="1800" u="none" cap="none" strike="noStrike">
+            <a:lvl5pPr marL="1828800" marR="0" lvl="4" indent="0" algn="l" rtl="0">
+              <a:spcBef>
+                <a:spcPts val="0"/>
+              </a:spcBef>
+              <a:buNone/>
+              <a:defRPr sz="1800" b="0" i="0" u="none" strike="noStrike" cap="none">
                 <a:solidFill>
                   <a:schemeClr val="dk1"/>
                 </a:solidFill>
@@ -5184,12 +5474,12 @@
                 <a:sym typeface="Calibri"/>
               </a:defRPr>
             </a:lvl5pPr>
-            <a:lvl6pPr indent="0" lvl="5" marL="2286000" marR="0" rtl="0" algn="l">
-              <a:spcBef>
-                <a:spcPts val="0"/>
-              </a:spcBef>
-              <a:buNone/>
-              <a:defRPr b="0" i="0" sz="1800" u="none" cap="none" strike="noStrike">
+            <a:lvl6pPr marL="2286000" marR="0" lvl="5" indent="0" algn="l" rtl="0">
+              <a:spcBef>
+                <a:spcPts val="0"/>
+              </a:spcBef>
+              <a:buNone/>
+              <a:defRPr sz="1800" b="0" i="0" u="none" strike="noStrike" cap="none">
                 <a:solidFill>
                   <a:schemeClr val="dk1"/>
                 </a:solidFill>
@@ -5199,12 +5489,12 @@
                 <a:sym typeface="Calibri"/>
               </a:defRPr>
             </a:lvl6pPr>
-            <a:lvl7pPr indent="0" lvl="6" marL="2743200" marR="0" rtl="0" algn="l">
-              <a:spcBef>
-                <a:spcPts val="0"/>
-              </a:spcBef>
-              <a:buNone/>
-              <a:defRPr b="0" i="0" sz="1800" u="none" cap="none" strike="noStrike">
+            <a:lvl7pPr marL="2743200" marR="0" lvl="6" indent="0" algn="l" rtl="0">
+              <a:spcBef>
+                <a:spcPts val="0"/>
+              </a:spcBef>
+              <a:buNone/>
+              <a:defRPr sz="1800" b="0" i="0" u="none" strike="noStrike" cap="none">
                 <a:solidFill>
                   <a:schemeClr val="dk1"/>
                 </a:solidFill>
@@ -5214,12 +5504,12 @@
                 <a:sym typeface="Calibri"/>
               </a:defRPr>
             </a:lvl7pPr>
-            <a:lvl8pPr indent="0" lvl="7" marL="3200400" marR="0" rtl="0" algn="l">
-              <a:spcBef>
-                <a:spcPts val="0"/>
-              </a:spcBef>
-              <a:buNone/>
-              <a:defRPr b="0" i="0" sz="1800" u="none" cap="none" strike="noStrike">
+            <a:lvl8pPr marL="3200400" marR="0" lvl="7" indent="0" algn="l" rtl="0">
+              <a:spcBef>
+                <a:spcPts val="0"/>
+              </a:spcBef>
+              <a:buNone/>
+              <a:defRPr sz="1800" b="0" i="0" u="none" strike="noStrike" cap="none">
                 <a:solidFill>
                   <a:schemeClr val="dk1"/>
                 </a:solidFill>
@@ -5229,12 +5519,12 @@
                 <a:sym typeface="Calibri"/>
               </a:defRPr>
             </a:lvl8pPr>
-            <a:lvl9pPr indent="0" lvl="8" marL="3657600" marR="0" rtl="0" algn="l">
-              <a:spcBef>
-                <a:spcPts val="0"/>
-              </a:spcBef>
-              <a:buNone/>
-              <a:defRPr b="0" i="0" sz="1800" u="none" cap="none" strike="noStrike">
+            <a:lvl9pPr marL="3657600" marR="0" lvl="8" indent="0" algn="l" rtl="0">
+              <a:spcBef>
+                <a:spcPts val="0"/>
+              </a:spcBef>
+              <a:buNone/>
+              <a:defRPr sz="1800" b="0" i="0" u="none" strike="noStrike" cap="none">
                 <a:solidFill>
                   <a:schemeClr val="dk1"/>
                 </a:solidFill>
@@ -5245,15 +5535,19 @@
               </a:defRPr>
             </a:lvl9pPr>
           </a:lstStyle>
-          <a:p/>
+          <a:p>
+            <a:endParaRPr/>
+          </a:p>
         </p:txBody>
       </p:sp>
       <p:sp>
         <p:nvSpPr>
           <p:cNvPr id="41" name="Shape 41"/>
-          <p:cNvSpPr txBox="1"/>
+          <p:cNvSpPr txBox="1">
+            <a:spLocks noGrp="1"/>
+          </p:cNvSpPr>
           <p:nvPr>
-            <p:ph idx="12" type="sldNum"/>
+            <p:ph type="sldNum" idx="12"/>
           </p:nvPr>
         </p:nvSpPr>
         <p:spPr>
@@ -5270,12 +5564,12 @@
           </a:ln>
         </p:spPr>
         <p:txBody>
-          <a:bodyPr anchorCtr="0" anchor="ctr" bIns="45700" lIns="91425" rIns="91425" tIns="45700">
+          <a:bodyPr lIns="91425" tIns="45700" rIns="91425" bIns="45700" anchor="ctr" anchorCtr="0">
             <a:noAutofit/>
           </a:bodyPr>
           <a:lstStyle/>
           <a:p>
-            <a:pPr indent="0" lvl="0" marL="0" marR="0" rtl="0" algn="r">
+            <a:pPr marL="0" marR="0" lvl="0" indent="0" algn="r" rtl="0">
               <a:spcBef>
                 <a:spcPts val="0"/>
               </a:spcBef>
@@ -5283,7 +5577,7 @@
               <a:buNone/>
             </a:pPr>
             <a:fld id="{00000000-1234-1234-1234-123412341234}" type="slidenum">
-              <a:rPr b="0" i="0" lang="en" sz="1200" u="none" cap="none" strike="noStrike">
+              <a:rPr lang="en" sz="1200" b="0" i="0" u="none" strike="noStrike" cap="none">
                 <a:solidFill>
                   <a:srgbClr val="888888"/>
                 </a:solidFill>
@@ -5294,6 +5588,15 @@
               </a:rPr>
               <a:t>‹#›</a:t>
             </a:fld>
+            <a:endParaRPr lang="en" sz="1200" b="0" i="0" u="none" strike="noStrike" cap="none">
+              <a:solidFill>
+                <a:srgbClr val="888888"/>
+              </a:solidFill>
+              <a:latin typeface="Calibri"/>
+              <a:ea typeface="Calibri"/>
+              <a:cs typeface="Calibri"/>
+              <a:sym typeface="Calibri"/>
+            </a:endParaRPr>
           </a:p>
         </p:txBody>
       </p:sp>
@@ -5306,11 +5609,11 @@
 </file>
 
 <file path=ppt/slideLayouts/slideLayout7.xml><?xml version="1.0" encoding="utf-8"?>
-<p:sldLayout xmlns:a="http://schemas.openxmlformats.org/drawingml/2006/main" xmlns:r="http://schemas.openxmlformats.org/officeDocument/2006/relationships" xmlns:mc="http://schemas.openxmlformats.org/markup-compatibility/2006" xmlns:mv="urn:schemas-microsoft-com:mac:vml" xmlns:p="http://schemas.openxmlformats.org/presentationml/2006/main" xmlns:c="http://schemas.openxmlformats.org/drawingml/2006/chart" xmlns:dgm="http://schemas.openxmlformats.org/drawingml/2006/diagram" xmlns:o="urn:schemas-microsoft-com:office:office" xmlns:v="urn:schemas-microsoft-com:vml" xmlns:pvml="urn:schemas-microsoft-com:office:powerpoint" xmlns:com="http://schemas.openxmlformats.org/drawingml/2006/compatibility" xmlns:p14="http://schemas.microsoft.com/office/powerpoint/2010/main" type="objTx">
+<p:sldLayout xmlns:a="http://schemas.openxmlformats.org/drawingml/2006/main" xmlns:r="http://schemas.openxmlformats.org/officeDocument/2006/relationships" xmlns:p="http://schemas.openxmlformats.org/presentationml/2006/main" type="objTx">
   <p:cSld name="Content with Caption">
     <p:spTree>
       <p:nvGrpSpPr>
-        <p:cNvPr id="42" name="Shape 42"/>
+        <p:cNvPr id="1" name="Shape 42"/>
         <p:cNvGrpSpPr/>
         <p:nvPr/>
       </p:nvGrpSpPr>
@@ -5325,7 +5628,9 @@
       <p:sp>
         <p:nvSpPr>
           <p:cNvPr id="43" name="Shape 43"/>
-          <p:cNvSpPr txBox="1"/>
+          <p:cNvSpPr txBox="1">
+            <a:spLocks noGrp="1"/>
+          </p:cNvSpPr>
           <p:nvPr>
             <p:ph type="title"/>
           </p:nvPr>
@@ -5344,9 +5649,9 @@
           </a:ln>
         </p:spPr>
         <p:txBody>
-          <a:bodyPr anchorCtr="0" anchor="b" bIns="91425" lIns="91425" rIns="91425" tIns="91425"/>
+          <a:bodyPr lIns="91425" tIns="91425" rIns="91425" bIns="91425" anchor="b" anchorCtr="0"/>
           <a:lstStyle>
-            <a:lvl1pPr indent="0" lvl="0" marL="0" marR="0" rtl="0" algn="l">
+            <a:lvl1pPr marL="0" marR="0" lvl="0" indent="0" algn="l" rtl="0">
               <a:spcBef>
                 <a:spcPts val="0"/>
               </a:spcBef>
@@ -5355,7 +5660,7 @@
               </a:buClr>
               <a:buFont typeface="Calibri"/>
               <a:buNone/>
-              <a:defRPr b="1" i="0" sz="2000" u="none" cap="none" strike="noStrike">
+              <a:defRPr sz="2000" b="1" i="0" u="none" strike="noStrike" cap="none">
                 <a:solidFill>
                   <a:schemeClr val="dk1"/>
                 </a:solidFill>
@@ -5365,56 +5670,56 @@
                 <a:sym typeface="Calibri"/>
               </a:defRPr>
             </a:lvl1pPr>
-            <a:lvl2pPr indent="0" lvl="1">
+            <a:lvl2pPr lvl="1" indent="0">
               <a:spcBef>
                 <a:spcPts val="0"/>
               </a:spcBef>
               <a:buNone/>
               <a:defRPr sz="1800"/>
             </a:lvl2pPr>
-            <a:lvl3pPr indent="0" lvl="2">
+            <a:lvl3pPr lvl="2" indent="0">
               <a:spcBef>
                 <a:spcPts val="0"/>
               </a:spcBef>
               <a:buNone/>
               <a:defRPr sz="1800"/>
             </a:lvl3pPr>
-            <a:lvl4pPr indent="0" lvl="3">
+            <a:lvl4pPr lvl="3" indent="0">
               <a:spcBef>
                 <a:spcPts val="0"/>
               </a:spcBef>
               <a:buNone/>
               <a:defRPr sz="1800"/>
             </a:lvl4pPr>
-            <a:lvl5pPr indent="0" lvl="4">
+            <a:lvl5pPr lvl="4" indent="0">
               <a:spcBef>
                 <a:spcPts val="0"/>
               </a:spcBef>
               <a:buNone/>
               <a:defRPr sz="1800"/>
             </a:lvl5pPr>
-            <a:lvl6pPr indent="0" lvl="5">
+            <a:lvl6pPr lvl="5" indent="0">
               <a:spcBef>
                 <a:spcPts val="0"/>
               </a:spcBef>
               <a:buNone/>
               <a:defRPr sz="1800"/>
             </a:lvl6pPr>
-            <a:lvl7pPr indent="0" lvl="6">
+            <a:lvl7pPr lvl="6" indent="0">
               <a:spcBef>
                 <a:spcPts val="0"/>
               </a:spcBef>
               <a:buNone/>
               <a:defRPr sz="1800"/>
             </a:lvl7pPr>
-            <a:lvl8pPr indent="0" lvl="7">
+            <a:lvl8pPr lvl="7" indent="0">
               <a:spcBef>
                 <a:spcPts val="0"/>
               </a:spcBef>
               <a:buNone/>
               <a:defRPr sz="1800"/>
             </a:lvl8pPr>
-            <a:lvl9pPr indent="0" lvl="8">
+            <a:lvl9pPr lvl="8" indent="0">
               <a:spcBef>
                 <a:spcPts val="0"/>
               </a:spcBef>
@@ -5422,15 +5727,19 @@
               <a:defRPr sz="1800"/>
             </a:lvl9pPr>
           </a:lstStyle>
-          <a:p/>
+          <a:p>
+            <a:endParaRPr/>
+          </a:p>
         </p:txBody>
       </p:sp>
       <p:sp>
         <p:nvSpPr>
           <p:cNvPr id="44" name="Shape 44"/>
-          <p:cNvSpPr txBox="1"/>
+          <p:cNvSpPr txBox="1">
+            <a:spLocks noGrp="1"/>
+          </p:cNvSpPr>
           <p:nvPr>
-            <p:ph idx="1" type="body"/>
+            <p:ph type="body" idx="1"/>
           </p:nvPr>
         </p:nvSpPr>
         <p:spPr>
@@ -5447,9 +5756,9 @@
           </a:ln>
         </p:spPr>
         <p:txBody>
-          <a:bodyPr anchorCtr="0" anchor="t" bIns="91425" lIns="91425" rIns="91425" tIns="91425"/>
+          <a:bodyPr lIns="91425" tIns="91425" rIns="91425" bIns="91425" anchor="t" anchorCtr="0"/>
           <a:lstStyle>
-            <a:lvl1pPr indent="-139700" lvl="0" marL="342900" marR="0" rtl="0" algn="l">
+            <a:lvl1pPr marL="342900" marR="0" lvl="0" indent="-139700" algn="l" rtl="0">
               <a:spcBef>
                 <a:spcPts val="640"/>
               </a:spcBef>
@@ -5459,7 +5768,7 @@
               <a:buSzPct val="100000"/>
               <a:buFont typeface="Arial"/>
               <a:buChar char="•"/>
-              <a:defRPr b="0" i="0" sz="3200" u="none" cap="none" strike="noStrike">
+              <a:defRPr sz="3200" b="0" i="0" u="none" strike="noStrike" cap="none">
                 <a:solidFill>
                   <a:schemeClr val="dk1"/>
                 </a:solidFill>
@@ -5469,7 +5778,7 @@
                 <a:sym typeface="Calibri"/>
               </a:defRPr>
             </a:lvl1pPr>
-            <a:lvl2pPr indent="-107950" lvl="1" marL="742950" marR="0" rtl="0" algn="l">
+            <a:lvl2pPr marL="742950" marR="0" lvl="1" indent="-107950" algn="l" rtl="0">
               <a:spcBef>
                 <a:spcPts val="560"/>
               </a:spcBef>
@@ -5479,7 +5788,7 @@
               <a:buSzPct val="100000"/>
               <a:buFont typeface="Arial"/>
               <a:buChar char="–"/>
-              <a:defRPr b="0" i="0" sz="2800" u="none" cap="none" strike="noStrike">
+              <a:defRPr sz="2800" b="0" i="0" u="none" strike="noStrike" cap="none">
                 <a:solidFill>
                   <a:schemeClr val="dk1"/>
                 </a:solidFill>
@@ -5489,7 +5798,7 @@
                 <a:sym typeface="Calibri"/>
               </a:defRPr>
             </a:lvl2pPr>
-            <a:lvl3pPr indent="-76200" lvl="2" marL="1143000" marR="0" rtl="0" algn="l">
+            <a:lvl3pPr marL="1143000" marR="0" lvl="2" indent="-76200" algn="l" rtl="0">
               <a:spcBef>
                 <a:spcPts val="480"/>
               </a:spcBef>
@@ -5499,7 +5808,7 @@
               <a:buSzPct val="100000"/>
               <a:buFont typeface="Arial"/>
               <a:buChar char="•"/>
-              <a:defRPr b="0" i="0" sz="2400" u="none" cap="none" strike="noStrike">
+              <a:defRPr sz="2400" b="0" i="0" u="none" strike="noStrike" cap="none">
                 <a:solidFill>
                   <a:schemeClr val="dk1"/>
                 </a:solidFill>
@@ -5509,7 +5818,7 @@
                 <a:sym typeface="Calibri"/>
               </a:defRPr>
             </a:lvl3pPr>
-            <a:lvl4pPr indent="-101600" lvl="3" marL="1600200" marR="0" rtl="0" algn="l">
+            <a:lvl4pPr marL="1600200" marR="0" lvl="3" indent="-101600" algn="l" rtl="0">
               <a:spcBef>
                 <a:spcPts val="400"/>
               </a:spcBef>
@@ -5519,7 +5828,7 @@
               <a:buSzPct val="100000"/>
               <a:buFont typeface="Arial"/>
               <a:buChar char="–"/>
-              <a:defRPr b="0" i="0" sz="2000" u="none" cap="none" strike="noStrike">
+              <a:defRPr sz="2000" b="0" i="0" u="none" strike="noStrike" cap="none">
                 <a:solidFill>
                   <a:schemeClr val="dk1"/>
                 </a:solidFill>
@@ -5529,7 +5838,7 @@
                 <a:sym typeface="Calibri"/>
               </a:defRPr>
             </a:lvl4pPr>
-            <a:lvl5pPr indent="-101600" lvl="4" marL="2057400" marR="0" rtl="0" algn="l">
+            <a:lvl5pPr marL="2057400" marR="0" lvl="4" indent="-101600" algn="l" rtl="0">
               <a:spcBef>
                 <a:spcPts val="400"/>
               </a:spcBef>
@@ -5539,7 +5848,7 @@
               <a:buSzPct val="100000"/>
               <a:buFont typeface="Arial"/>
               <a:buChar char="»"/>
-              <a:defRPr b="0" i="0" sz="2000" u="none" cap="none" strike="noStrike">
+              <a:defRPr sz="2000" b="0" i="0" u="none" strike="noStrike" cap="none">
                 <a:solidFill>
                   <a:schemeClr val="dk1"/>
                 </a:solidFill>
@@ -5549,7 +5858,7 @@
                 <a:sym typeface="Calibri"/>
               </a:defRPr>
             </a:lvl5pPr>
-            <a:lvl6pPr indent="-101600" lvl="5" marL="2514600" marR="0" rtl="0" algn="l">
+            <a:lvl6pPr marL="2514600" marR="0" lvl="5" indent="-101600" algn="l" rtl="0">
               <a:spcBef>
                 <a:spcPts val="400"/>
               </a:spcBef>
@@ -5559,7 +5868,7 @@
               <a:buSzPct val="100000"/>
               <a:buFont typeface="Arial"/>
               <a:buChar char="•"/>
-              <a:defRPr b="0" i="0" sz="2000" u="none" cap="none" strike="noStrike">
+              <a:defRPr sz="2000" b="0" i="0" u="none" strike="noStrike" cap="none">
                 <a:solidFill>
                   <a:schemeClr val="dk1"/>
                 </a:solidFill>
@@ -5569,7 +5878,7 @@
                 <a:sym typeface="Calibri"/>
               </a:defRPr>
             </a:lvl6pPr>
-            <a:lvl7pPr indent="-101600" lvl="6" marL="2971800" marR="0" rtl="0" algn="l">
+            <a:lvl7pPr marL="2971800" marR="0" lvl="6" indent="-101600" algn="l" rtl="0">
               <a:spcBef>
                 <a:spcPts val="400"/>
               </a:spcBef>
@@ -5579,7 +5888,7 @@
               <a:buSzPct val="100000"/>
               <a:buFont typeface="Arial"/>
               <a:buChar char="•"/>
-              <a:defRPr b="0" i="0" sz="2000" u="none" cap="none" strike="noStrike">
+              <a:defRPr sz="2000" b="0" i="0" u="none" strike="noStrike" cap="none">
                 <a:solidFill>
                   <a:schemeClr val="dk1"/>
                 </a:solidFill>
@@ -5589,7 +5898,7 @@
                 <a:sym typeface="Calibri"/>
               </a:defRPr>
             </a:lvl7pPr>
-            <a:lvl8pPr indent="-101600" lvl="7" marL="3429000" marR="0" rtl="0" algn="l">
+            <a:lvl8pPr marL="3429000" marR="0" lvl="7" indent="-101600" algn="l" rtl="0">
               <a:spcBef>
                 <a:spcPts val="400"/>
               </a:spcBef>
@@ -5599,7 +5908,7 @@
               <a:buSzPct val="100000"/>
               <a:buFont typeface="Arial"/>
               <a:buChar char="•"/>
-              <a:defRPr b="0" i="0" sz="2000" u="none" cap="none" strike="noStrike">
+              <a:defRPr sz="2000" b="0" i="0" u="none" strike="noStrike" cap="none">
                 <a:solidFill>
                   <a:schemeClr val="dk1"/>
                 </a:solidFill>
@@ -5609,7 +5918,7 @@
                 <a:sym typeface="Calibri"/>
               </a:defRPr>
             </a:lvl8pPr>
-            <a:lvl9pPr indent="-101600" lvl="8" marL="3886200" marR="0" rtl="0" algn="l">
+            <a:lvl9pPr marL="3886200" marR="0" lvl="8" indent="-101600" algn="l" rtl="0">
               <a:spcBef>
                 <a:spcPts val="400"/>
               </a:spcBef>
@@ -5619,7 +5928,7 @@
               <a:buSzPct val="100000"/>
               <a:buFont typeface="Arial"/>
               <a:buChar char="•"/>
-              <a:defRPr b="0" i="0" sz="2000" u="none" cap="none" strike="noStrike">
+              <a:defRPr sz="2000" b="0" i="0" u="none" strike="noStrike" cap="none">
                 <a:solidFill>
                   <a:schemeClr val="dk1"/>
                 </a:solidFill>
@@ -5630,15 +5939,19 @@
               </a:defRPr>
             </a:lvl9pPr>
           </a:lstStyle>
-          <a:p/>
+          <a:p>
+            <a:endParaRPr/>
+          </a:p>
         </p:txBody>
       </p:sp>
       <p:sp>
         <p:nvSpPr>
           <p:cNvPr id="45" name="Shape 45"/>
-          <p:cNvSpPr txBox="1"/>
+          <p:cNvSpPr txBox="1">
+            <a:spLocks noGrp="1"/>
+          </p:cNvSpPr>
           <p:nvPr>
-            <p:ph idx="2" type="body"/>
+            <p:ph type="body" idx="2"/>
           </p:nvPr>
         </p:nvSpPr>
         <p:spPr>
@@ -5655,9 +5968,9 @@
           </a:ln>
         </p:spPr>
         <p:txBody>
-          <a:bodyPr anchorCtr="0" anchor="t" bIns="91425" lIns="91425" rIns="91425" tIns="91425"/>
+          <a:bodyPr lIns="91425" tIns="91425" rIns="91425" bIns="91425" anchor="t" anchorCtr="0"/>
           <a:lstStyle>
-            <a:lvl1pPr indent="0" lvl="0" marL="0" marR="0" rtl="0" algn="l">
+            <a:lvl1pPr marL="0" marR="0" lvl="0" indent="0" algn="l" rtl="0">
               <a:spcBef>
                 <a:spcPts val="280"/>
               </a:spcBef>
@@ -5666,7 +5979,7 @@
               </a:buClr>
               <a:buFont typeface="Arial"/>
               <a:buNone/>
-              <a:defRPr b="0" i="0" sz="1400" u="none" cap="none" strike="noStrike">
+              <a:defRPr sz="1400" b="0" i="0" u="none" strike="noStrike" cap="none">
                 <a:solidFill>
                   <a:schemeClr val="dk1"/>
                 </a:solidFill>
@@ -5676,7 +5989,7 @@
                 <a:sym typeface="Calibri"/>
               </a:defRPr>
             </a:lvl1pPr>
-            <a:lvl2pPr indent="0" lvl="1" marL="457200" marR="0" rtl="0" algn="l">
+            <a:lvl2pPr marL="457200" marR="0" lvl="1" indent="0" algn="l" rtl="0">
               <a:spcBef>
                 <a:spcPts val="240"/>
               </a:spcBef>
@@ -5685,7 +5998,7 @@
               </a:buClr>
               <a:buFont typeface="Arial"/>
               <a:buNone/>
-              <a:defRPr b="0" i="0" sz="1200" u="none" cap="none" strike="noStrike">
+              <a:defRPr sz="1200" b="0" i="0" u="none" strike="noStrike" cap="none">
                 <a:solidFill>
                   <a:schemeClr val="dk1"/>
                 </a:solidFill>
@@ -5695,7 +6008,7 @@
                 <a:sym typeface="Calibri"/>
               </a:defRPr>
             </a:lvl2pPr>
-            <a:lvl3pPr indent="0" lvl="2" marL="914400" marR="0" rtl="0" algn="l">
+            <a:lvl3pPr marL="914400" marR="0" lvl="2" indent="0" algn="l" rtl="0">
               <a:spcBef>
                 <a:spcPts val="200"/>
               </a:spcBef>
@@ -5704,7 +6017,7 @@
               </a:buClr>
               <a:buFont typeface="Arial"/>
               <a:buNone/>
-              <a:defRPr b="0" i="0" sz="1000" u="none" cap="none" strike="noStrike">
+              <a:defRPr sz="1000" b="0" i="0" u="none" strike="noStrike" cap="none">
                 <a:solidFill>
                   <a:schemeClr val="dk1"/>
                 </a:solidFill>
@@ -5714,7 +6027,7 @@
                 <a:sym typeface="Calibri"/>
               </a:defRPr>
             </a:lvl3pPr>
-            <a:lvl4pPr indent="0" lvl="3" marL="1371600" marR="0" rtl="0" algn="l">
+            <a:lvl4pPr marL="1371600" marR="0" lvl="3" indent="0" algn="l" rtl="0">
               <a:spcBef>
                 <a:spcPts val="180"/>
               </a:spcBef>
@@ -5723,7 +6036,7 @@
               </a:buClr>
               <a:buFont typeface="Arial"/>
               <a:buNone/>
-              <a:defRPr b="0" i="0" sz="900" u="none" cap="none" strike="noStrike">
+              <a:defRPr sz="900" b="0" i="0" u="none" strike="noStrike" cap="none">
                 <a:solidFill>
                   <a:schemeClr val="dk1"/>
                 </a:solidFill>
@@ -5733,7 +6046,7 @@
                 <a:sym typeface="Calibri"/>
               </a:defRPr>
             </a:lvl4pPr>
-            <a:lvl5pPr indent="0" lvl="4" marL="1828800" marR="0" rtl="0" algn="l">
+            <a:lvl5pPr marL="1828800" marR="0" lvl="4" indent="0" algn="l" rtl="0">
               <a:spcBef>
                 <a:spcPts val="180"/>
               </a:spcBef>
@@ -5742,7 +6055,7 @@
               </a:buClr>
               <a:buFont typeface="Arial"/>
               <a:buNone/>
-              <a:defRPr b="0" i="0" sz="900" u="none" cap="none" strike="noStrike">
+              <a:defRPr sz="900" b="0" i="0" u="none" strike="noStrike" cap="none">
                 <a:solidFill>
                   <a:schemeClr val="dk1"/>
                 </a:solidFill>
@@ -5752,7 +6065,7 @@
                 <a:sym typeface="Calibri"/>
               </a:defRPr>
             </a:lvl5pPr>
-            <a:lvl6pPr indent="0" lvl="5" marL="2286000" marR="0" rtl="0" algn="l">
+            <a:lvl6pPr marL="2286000" marR="0" lvl="5" indent="0" algn="l" rtl="0">
               <a:spcBef>
                 <a:spcPts val="180"/>
               </a:spcBef>
@@ -5761,7 +6074,7 @@
               </a:buClr>
               <a:buFont typeface="Arial"/>
               <a:buNone/>
-              <a:defRPr b="0" i="0" sz="900" u="none" cap="none" strike="noStrike">
+              <a:defRPr sz="900" b="0" i="0" u="none" strike="noStrike" cap="none">
                 <a:solidFill>
                   <a:schemeClr val="dk1"/>
                 </a:solidFill>
@@ -5771,7 +6084,7 @@
                 <a:sym typeface="Calibri"/>
               </a:defRPr>
             </a:lvl6pPr>
-            <a:lvl7pPr indent="0" lvl="6" marL="2743200" marR="0" rtl="0" algn="l">
+            <a:lvl7pPr marL="2743200" marR="0" lvl="6" indent="0" algn="l" rtl="0">
               <a:spcBef>
                 <a:spcPts val="180"/>
               </a:spcBef>
@@ -5780,7 +6093,7 @@
               </a:buClr>
               <a:buFont typeface="Arial"/>
               <a:buNone/>
-              <a:defRPr b="0" i="0" sz="900" u="none" cap="none" strike="noStrike">
+              <a:defRPr sz="900" b="0" i="0" u="none" strike="noStrike" cap="none">
                 <a:solidFill>
                   <a:schemeClr val="dk1"/>
                 </a:solidFill>
@@ -5790,7 +6103,7 @@
                 <a:sym typeface="Calibri"/>
               </a:defRPr>
             </a:lvl7pPr>
-            <a:lvl8pPr indent="0" lvl="7" marL="3200400" marR="0" rtl="0" algn="l">
+            <a:lvl8pPr marL="3200400" marR="0" lvl="7" indent="0" algn="l" rtl="0">
               <a:spcBef>
                 <a:spcPts val="180"/>
               </a:spcBef>
@@ -5799,7 +6112,7 @@
               </a:buClr>
               <a:buFont typeface="Arial"/>
               <a:buNone/>
-              <a:defRPr b="0" i="0" sz="900" u="none" cap="none" strike="noStrike">
+              <a:defRPr sz="900" b="0" i="0" u="none" strike="noStrike" cap="none">
                 <a:solidFill>
                   <a:schemeClr val="dk1"/>
                 </a:solidFill>
@@ -5809,7 +6122,7 @@
                 <a:sym typeface="Calibri"/>
               </a:defRPr>
             </a:lvl8pPr>
-            <a:lvl9pPr indent="0" lvl="8" marL="3657600" marR="0" rtl="0" algn="l">
+            <a:lvl9pPr marL="3657600" marR="0" lvl="8" indent="0" algn="l" rtl="0">
               <a:spcBef>
                 <a:spcPts val="180"/>
               </a:spcBef>
@@ -5818,7 +6131,7 @@
               </a:buClr>
               <a:buFont typeface="Arial"/>
               <a:buNone/>
-              <a:defRPr b="0" i="0" sz="900" u="none" cap="none" strike="noStrike">
+              <a:defRPr sz="900" b="0" i="0" u="none" strike="noStrike" cap="none">
                 <a:solidFill>
                   <a:schemeClr val="dk1"/>
                 </a:solidFill>
@@ -5829,15 +6142,19 @@
               </a:defRPr>
             </a:lvl9pPr>
           </a:lstStyle>
-          <a:p/>
+          <a:p>
+            <a:endParaRPr/>
+          </a:p>
         </p:txBody>
       </p:sp>
       <p:sp>
         <p:nvSpPr>
           <p:cNvPr id="46" name="Shape 46"/>
-          <p:cNvSpPr txBox="1"/>
+          <p:cNvSpPr txBox="1">
+            <a:spLocks noGrp="1"/>
+          </p:cNvSpPr>
           <p:nvPr>
-            <p:ph idx="10" type="dt"/>
+            <p:ph type="dt" idx="10"/>
           </p:nvPr>
         </p:nvSpPr>
         <p:spPr>
@@ -5854,14 +6171,14 @@
           </a:ln>
         </p:spPr>
         <p:txBody>
-          <a:bodyPr anchorCtr="0" anchor="ctr" bIns="91425" lIns="91425" rIns="91425" tIns="91425"/>
+          <a:bodyPr lIns="91425" tIns="91425" rIns="91425" bIns="91425" anchor="ctr" anchorCtr="0"/>
           <a:lstStyle>
-            <a:lvl1pPr indent="0" lvl="0" marL="0" marR="0" rtl="0" algn="l">
-              <a:spcBef>
-                <a:spcPts val="0"/>
-              </a:spcBef>
-              <a:buNone/>
-              <a:defRPr b="0" i="0" sz="1200" u="none" cap="none" strike="noStrike">
+            <a:lvl1pPr marL="0" marR="0" lvl="0" indent="0" algn="l" rtl="0">
+              <a:spcBef>
+                <a:spcPts val="0"/>
+              </a:spcBef>
+              <a:buNone/>
+              <a:defRPr sz="1200" b="0" i="0" u="none" strike="noStrike" cap="none">
                 <a:solidFill>
                   <a:srgbClr val="888888"/>
                 </a:solidFill>
@@ -5871,12 +6188,12 @@
                 <a:sym typeface="Calibri"/>
               </a:defRPr>
             </a:lvl1pPr>
-            <a:lvl2pPr indent="0" lvl="1" marL="457200" marR="0" rtl="0" algn="l">
-              <a:spcBef>
-                <a:spcPts val="0"/>
-              </a:spcBef>
-              <a:buNone/>
-              <a:defRPr b="0" i="0" sz="1800" u="none" cap="none" strike="noStrike">
+            <a:lvl2pPr marL="457200" marR="0" lvl="1" indent="0" algn="l" rtl="0">
+              <a:spcBef>
+                <a:spcPts val="0"/>
+              </a:spcBef>
+              <a:buNone/>
+              <a:defRPr sz="1800" b="0" i="0" u="none" strike="noStrike" cap="none">
                 <a:solidFill>
                   <a:schemeClr val="dk1"/>
                 </a:solidFill>
@@ -5886,12 +6203,12 @@
                 <a:sym typeface="Calibri"/>
               </a:defRPr>
             </a:lvl2pPr>
-            <a:lvl3pPr indent="0" lvl="2" marL="914400" marR="0" rtl="0" algn="l">
-              <a:spcBef>
-                <a:spcPts val="0"/>
-              </a:spcBef>
-              <a:buNone/>
-              <a:defRPr b="0" i="0" sz="1800" u="none" cap="none" strike="noStrike">
+            <a:lvl3pPr marL="914400" marR="0" lvl="2" indent="0" algn="l" rtl="0">
+              <a:spcBef>
+                <a:spcPts val="0"/>
+              </a:spcBef>
+              <a:buNone/>
+              <a:defRPr sz="1800" b="0" i="0" u="none" strike="noStrike" cap="none">
                 <a:solidFill>
                   <a:schemeClr val="dk1"/>
                 </a:solidFill>
@@ -5901,12 +6218,12 @@
                 <a:sym typeface="Calibri"/>
               </a:defRPr>
             </a:lvl3pPr>
-            <a:lvl4pPr indent="0" lvl="3" marL="1371600" marR="0" rtl="0" algn="l">
-              <a:spcBef>
-                <a:spcPts val="0"/>
-              </a:spcBef>
-              <a:buNone/>
-              <a:defRPr b="0" i="0" sz="1800" u="none" cap="none" strike="noStrike">
+            <a:lvl4pPr marL="1371600" marR="0" lvl="3" indent="0" algn="l" rtl="0">
+              <a:spcBef>
+                <a:spcPts val="0"/>
+              </a:spcBef>
+              <a:buNone/>
+              <a:defRPr sz="1800" b="0" i="0" u="none" strike="noStrike" cap="none">
                 <a:solidFill>
                   <a:schemeClr val="dk1"/>
                 </a:solidFill>
@@ -5916,12 +6233,12 @@
                 <a:sym typeface="Calibri"/>
               </a:defRPr>
             </a:lvl4pPr>
-            <a:lvl5pPr indent="0" lvl="4" marL="1828800" marR="0" rtl="0" algn="l">
-              <a:spcBef>
-                <a:spcPts val="0"/>
-              </a:spcBef>
-              <a:buNone/>
-              <a:defRPr b="0" i="0" sz="1800" u="none" cap="none" strike="noStrike">
+            <a:lvl5pPr marL="1828800" marR="0" lvl="4" indent="0" algn="l" rtl="0">
+              <a:spcBef>
+                <a:spcPts val="0"/>
+              </a:spcBef>
+              <a:buNone/>
+              <a:defRPr sz="1800" b="0" i="0" u="none" strike="noStrike" cap="none">
                 <a:solidFill>
                   <a:schemeClr val="dk1"/>
                 </a:solidFill>
@@ -5931,12 +6248,12 @@
                 <a:sym typeface="Calibri"/>
               </a:defRPr>
             </a:lvl5pPr>
-            <a:lvl6pPr indent="0" lvl="5" marL="2286000" marR="0" rtl="0" algn="l">
-              <a:spcBef>
-                <a:spcPts val="0"/>
-              </a:spcBef>
-              <a:buNone/>
-              <a:defRPr b="0" i="0" sz="1800" u="none" cap="none" strike="noStrike">
+            <a:lvl6pPr marL="2286000" marR="0" lvl="5" indent="0" algn="l" rtl="0">
+              <a:spcBef>
+                <a:spcPts val="0"/>
+              </a:spcBef>
+              <a:buNone/>
+              <a:defRPr sz="1800" b="0" i="0" u="none" strike="noStrike" cap="none">
                 <a:solidFill>
                   <a:schemeClr val="dk1"/>
                 </a:solidFill>
@@ -5946,12 +6263,12 @@
                 <a:sym typeface="Calibri"/>
               </a:defRPr>
             </a:lvl6pPr>
-            <a:lvl7pPr indent="0" lvl="6" marL="2743200" marR="0" rtl="0" algn="l">
-              <a:spcBef>
-                <a:spcPts val="0"/>
-              </a:spcBef>
-              <a:buNone/>
-              <a:defRPr b="0" i="0" sz="1800" u="none" cap="none" strike="noStrike">
+            <a:lvl7pPr marL="2743200" marR="0" lvl="6" indent="0" algn="l" rtl="0">
+              <a:spcBef>
+                <a:spcPts val="0"/>
+              </a:spcBef>
+              <a:buNone/>
+              <a:defRPr sz="1800" b="0" i="0" u="none" strike="noStrike" cap="none">
                 <a:solidFill>
                   <a:schemeClr val="dk1"/>
                 </a:solidFill>
@@ -5961,12 +6278,12 @@
                 <a:sym typeface="Calibri"/>
               </a:defRPr>
             </a:lvl7pPr>
-            <a:lvl8pPr indent="0" lvl="7" marL="3200400" marR="0" rtl="0" algn="l">
-              <a:spcBef>
-                <a:spcPts val="0"/>
-              </a:spcBef>
-              <a:buNone/>
-              <a:defRPr b="0" i="0" sz="1800" u="none" cap="none" strike="noStrike">
+            <a:lvl8pPr marL="3200400" marR="0" lvl="7" indent="0" algn="l" rtl="0">
+              <a:spcBef>
+                <a:spcPts val="0"/>
+              </a:spcBef>
+              <a:buNone/>
+              <a:defRPr sz="1800" b="0" i="0" u="none" strike="noStrike" cap="none">
                 <a:solidFill>
                   <a:schemeClr val="dk1"/>
                 </a:solidFill>
@@ -5976,12 +6293,12 @@
                 <a:sym typeface="Calibri"/>
               </a:defRPr>
             </a:lvl8pPr>
-            <a:lvl9pPr indent="0" lvl="8" marL="3657600" marR="0" rtl="0" algn="l">
-              <a:spcBef>
-                <a:spcPts val="0"/>
-              </a:spcBef>
-              <a:buNone/>
-              <a:defRPr b="0" i="0" sz="1800" u="none" cap="none" strike="noStrike">
+            <a:lvl9pPr marL="3657600" marR="0" lvl="8" indent="0" algn="l" rtl="0">
+              <a:spcBef>
+                <a:spcPts val="0"/>
+              </a:spcBef>
+              <a:buNone/>
+              <a:defRPr sz="1800" b="0" i="0" u="none" strike="noStrike" cap="none">
                 <a:solidFill>
                   <a:schemeClr val="dk1"/>
                 </a:solidFill>
@@ -5992,15 +6309,19 @@
               </a:defRPr>
             </a:lvl9pPr>
           </a:lstStyle>
-          <a:p/>
+          <a:p>
+            <a:endParaRPr/>
+          </a:p>
         </p:txBody>
       </p:sp>
       <p:sp>
         <p:nvSpPr>
           <p:cNvPr id="47" name="Shape 47"/>
-          <p:cNvSpPr txBox="1"/>
+          <p:cNvSpPr txBox="1">
+            <a:spLocks noGrp="1"/>
+          </p:cNvSpPr>
           <p:nvPr>
-            <p:ph idx="11" type="ftr"/>
+            <p:ph type="ftr" idx="11"/>
           </p:nvPr>
         </p:nvSpPr>
         <p:spPr>
@@ -6017,14 +6338,14 @@
           </a:ln>
         </p:spPr>
         <p:txBody>
-          <a:bodyPr anchorCtr="0" anchor="ctr" bIns="91425" lIns="91425" rIns="91425" tIns="91425"/>
+          <a:bodyPr lIns="91425" tIns="91425" rIns="91425" bIns="91425" anchor="ctr" anchorCtr="0"/>
           <a:lstStyle>
-            <a:lvl1pPr indent="0" lvl="0" marL="0" marR="0" rtl="0" algn="ctr">
-              <a:spcBef>
-                <a:spcPts val="0"/>
-              </a:spcBef>
-              <a:buNone/>
-              <a:defRPr b="0" i="0" sz="1200" u="none" cap="none" strike="noStrike">
+            <a:lvl1pPr marL="0" marR="0" lvl="0" indent="0" algn="ctr" rtl="0">
+              <a:spcBef>
+                <a:spcPts val="0"/>
+              </a:spcBef>
+              <a:buNone/>
+              <a:defRPr sz="1200" b="0" i="0" u="none" strike="noStrike" cap="none">
                 <a:solidFill>
                   <a:srgbClr val="888888"/>
                 </a:solidFill>
@@ -6034,12 +6355,12 @@
                 <a:sym typeface="Calibri"/>
               </a:defRPr>
             </a:lvl1pPr>
-            <a:lvl2pPr indent="0" lvl="1" marL="457200" marR="0" rtl="0" algn="l">
-              <a:spcBef>
-                <a:spcPts val="0"/>
-              </a:spcBef>
-              <a:buNone/>
-              <a:defRPr b="0" i="0" sz="1800" u="none" cap="none" strike="noStrike">
+            <a:lvl2pPr marL="457200" marR="0" lvl="1" indent="0" algn="l" rtl="0">
+              <a:spcBef>
+                <a:spcPts val="0"/>
+              </a:spcBef>
+              <a:buNone/>
+              <a:defRPr sz="1800" b="0" i="0" u="none" strike="noStrike" cap="none">
                 <a:solidFill>
                   <a:schemeClr val="dk1"/>
                 </a:solidFill>
@@ -6049,12 +6370,12 @@
                 <a:sym typeface="Calibri"/>
               </a:defRPr>
             </a:lvl2pPr>
-            <a:lvl3pPr indent="0" lvl="2" marL="914400" marR="0" rtl="0" algn="l">
-              <a:spcBef>
-                <a:spcPts val="0"/>
-              </a:spcBef>
-              <a:buNone/>
-              <a:defRPr b="0" i="0" sz="1800" u="none" cap="none" strike="noStrike">
+            <a:lvl3pPr marL="914400" marR="0" lvl="2" indent="0" algn="l" rtl="0">
+              <a:spcBef>
+                <a:spcPts val="0"/>
+              </a:spcBef>
+              <a:buNone/>
+              <a:defRPr sz="1800" b="0" i="0" u="none" strike="noStrike" cap="none">
                 <a:solidFill>
                   <a:schemeClr val="dk1"/>
                 </a:solidFill>
@@ -6064,12 +6385,12 @@
                 <a:sym typeface="Calibri"/>
               </a:defRPr>
             </a:lvl3pPr>
-            <a:lvl4pPr indent="0" lvl="3" marL="1371600" marR="0" rtl="0" algn="l">
-              <a:spcBef>
-                <a:spcPts val="0"/>
-              </a:spcBef>
-              <a:buNone/>
-              <a:defRPr b="0" i="0" sz="1800" u="none" cap="none" strike="noStrike">
+            <a:lvl4pPr marL="1371600" marR="0" lvl="3" indent="0" algn="l" rtl="0">
+              <a:spcBef>
+                <a:spcPts val="0"/>
+              </a:spcBef>
+              <a:buNone/>
+              <a:defRPr sz="1800" b="0" i="0" u="none" strike="noStrike" cap="none">
                 <a:solidFill>
                   <a:schemeClr val="dk1"/>
                 </a:solidFill>
@@ -6079,12 +6400,12 @@
                 <a:sym typeface="Calibri"/>
               </a:defRPr>
             </a:lvl4pPr>
-            <a:lvl5pPr indent="0" lvl="4" marL="1828800" marR="0" rtl="0" algn="l">
-              <a:spcBef>
-                <a:spcPts val="0"/>
-              </a:spcBef>
-              <a:buNone/>
-              <a:defRPr b="0" i="0" sz="1800" u="none" cap="none" strike="noStrike">
+            <a:lvl5pPr marL="1828800" marR="0" lvl="4" indent="0" algn="l" rtl="0">
+              <a:spcBef>
+                <a:spcPts val="0"/>
+              </a:spcBef>
+              <a:buNone/>
+              <a:defRPr sz="1800" b="0" i="0" u="none" strike="noStrike" cap="none">
                 <a:solidFill>
                   <a:schemeClr val="dk1"/>
                 </a:solidFill>
@@ -6094,12 +6415,12 @@
                 <a:sym typeface="Calibri"/>
               </a:defRPr>
             </a:lvl5pPr>
-            <a:lvl6pPr indent="0" lvl="5" marL="2286000" marR="0" rtl="0" algn="l">
-              <a:spcBef>
-                <a:spcPts val="0"/>
-              </a:spcBef>
-              <a:buNone/>
-              <a:defRPr b="0" i="0" sz="1800" u="none" cap="none" strike="noStrike">
+            <a:lvl6pPr marL="2286000" marR="0" lvl="5" indent="0" algn="l" rtl="0">
+              <a:spcBef>
+                <a:spcPts val="0"/>
+              </a:spcBef>
+              <a:buNone/>
+              <a:defRPr sz="1800" b="0" i="0" u="none" strike="noStrike" cap="none">
                 <a:solidFill>
                   <a:schemeClr val="dk1"/>
                 </a:solidFill>
@@ -6109,12 +6430,12 @@
                 <a:sym typeface="Calibri"/>
               </a:defRPr>
             </a:lvl6pPr>
-            <a:lvl7pPr indent="0" lvl="6" marL="2743200" marR="0" rtl="0" algn="l">
-              <a:spcBef>
-                <a:spcPts val="0"/>
-              </a:spcBef>
-              <a:buNone/>
-              <a:defRPr b="0" i="0" sz="1800" u="none" cap="none" strike="noStrike">
+            <a:lvl7pPr marL="2743200" marR="0" lvl="6" indent="0" algn="l" rtl="0">
+              <a:spcBef>
+                <a:spcPts val="0"/>
+              </a:spcBef>
+              <a:buNone/>
+              <a:defRPr sz="1800" b="0" i="0" u="none" strike="noStrike" cap="none">
                 <a:solidFill>
                   <a:schemeClr val="dk1"/>
                 </a:solidFill>
@@ -6124,12 +6445,12 @@
                 <a:sym typeface="Calibri"/>
               </a:defRPr>
             </a:lvl7pPr>
-            <a:lvl8pPr indent="0" lvl="7" marL="3200400" marR="0" rtl="0" algn="l">
-              <a:spcBef>
-                <a:spcPts val="0"/>
-              </a:spcBef>
-              <a:buNone/>
-              <a:defRPr b="0" i="0" sz="1800" u="none" cap="none" strike="noStrike">
+            <a:lvl8pPr marL="3200400" marR="0" lvl="7" indent="0" algn="l" rtl="0">
+              <a:spcBef>
+                <a:spcPts val="0"/>
+              </a:spcBef>
+              <a:buNone/>
+              <a:defRPr sz="1800" b="0" i="0" u="none" strike="noStrike" cap="none">
                 <a:solidFill>
                   <a:schemeClr val="dk1"/>
                 </a:solidFill>
@@ -6139,12 +6460,12 @@
                 <a:sym typeface="Calibri"/>
               </a:defRPr>
             </a:lvl8pPr>
-            <a:lvl9pPr indent="0" lvl="8" marL="3657600" marR="0" rtl="0" algn="l">
-              <a:spcBef>
-                <a:spcPts val="0"/>
-              </a:spcBef>
-              <a:buNone/>
-              <a:defRPr b="0" i="0" sz="1800" u="none" cap="none" strike="noStrike">
+            <a:lvl9pPr marL="3657600" marR="0" lvl="8" indent="0" algn="l" rtl="0">
+              <a:spcBef>
+                <a:spcPts val="0"/>
+              </a:spcBef>
+              <a:buNone/>
+              <a:defRPr sz="1800" b="0" i="0" u="none" strike="noStrike" cap="none">
                 <a:solidFill>
                   <a:schemeClr val="dk1"/>
                 </a:solidFill>
@@ -6155,15 +6476,19 @@
               </a:defRPr>
             </a:lvl9pPr>
           </a:lstStyle>
-          <a:p/>
+          <a:p>
+            <a:endParaRPr/>
+          </a:p>
         </p:txBody>
       </p:sp>
       <p:sp>
         <p:nvSpPr>
           <p:cNvPr id="48" name="Shape 48"/>
-          <p:cNvSpPr txBox="1"/>
+          <p:cNvSpPr txBox="1">
+            <a:spLocks noGrp="1"/>
+          </p:cNvSpPr>
           <p:nvPr>
-            <p:ph idx="12" type="sldNum"/>
+            <p:ph type="sldNum" idx="12"/>
           </p:nvPr>
         </p:nvSpPr>
         <p:spPr>
@@ -6180,12 +6505,12 @@
           </a:ln>
         </p:spPr>
         <p:txBody>
-          <a:bodyPr anchorCtr="0" anchor="ctr" bIns="45700" lIns="91425" rIns="91425" tIns="45700">
+          <a:bodyPr lIns="91425" tIns="45700" rIns="91425" bIns="45700" anchor="ctr" anchorCtr="0">
             <a:noAutofit/>
           </a:bodyPr>
           <a:lstStyle/>
           <a:p>
-            <a:pPr indent="0" lvl="0" marL="0" marR="0" rtl="0" algn="r">
+            <a:pPr marL="0" marR="0" lvl="0" indent="0" algn="r" rtl="0">
               <a:spcBef>
                 <a:spcPts val="0"/>
               </a:spcBef>
@@ -6193,7 +6518,7 @@
               <a:buNone/>
             </a:pPr>
             <a:fld id="{00000000-1234-1234-1234-123412341234}" type="slidenum">
-              <a:rPr b="0" i="0" lang="en" sz="1200" u="none" cap="none" strike="noStrike">
+              <a:rPr lang="en" sz="1200" b="0" i="0" u="none" strike="noStrike" cap="none">
                 <a:solidFill>
                   <a:srgbClr val="888888"/>
                 </a:solidFill>
@@ -6204,6 +6529,15 @@
               </a:rPr>
               <a:t>‹#›</a:t>
             </a:fld>
+            <a:endParaRPr lang="en" sz="1200" b="0" i="0" u="none" strike="noStrike" cap="none">
+              <a:solidFill>
+                <a:srgbClr val="888888"/>
+              </a:solidFill>
+              <a:latin typeface="Calibri"/>
+              <a:ea typeface="Calibri"/>
+              <a:cs typeface="Calibri"/>
+              <a:sym typeface="Calibri"/>
+            </a:endParaRPr>
           </a:p>
         </p:txBody>
       </p:sp>
@@ -6216,11 +6550,11 @@
 </file>
 
 <file path=ppt/slideLayouts/slideLayout8.xml><?xml version="1.0" encoding="utf-8"?>
-<p:sldLayout xmlns:a="http://schemas.openxmlformats.org/drawingml/2006/main" xmlns:r="http://schemas.openxmlformats.org/officeDocument/2006/relationships" xmlns:mc="http://schemas.openxmlformats.org/markup-compatibility/2006" xmlns:mv="urn:schemas-microsoft-com:mac:vml" xmlns:p="http://schemas.openxmlformats.org/presentationml/2006/main" xmlns:c="http://schemas.openxmlformats.org/drawingml/2006/chart" xmlns:dgm="http://schemas.openxmlformats.org/drawingml/2006/diagram" xmlns:o="urn:schemas-microsoft-com:office:office" xmlns:v="urn:schemas-microsoft-com:vml" xmlns:pvml="urn:schemas-microsoft-com:office:powerpoint" xmlns:com="http://schemas.openxmlformats.org/drawingml/2006/compatibility" xmlns:p14="http://schemas.microsoft.com/office/powerpoint/2010/main" type="tx">
+<p:sldLayout xmlns:a="http://schemas.openxmlformats.org/drawingml/2006/main" xmlns:r="http://schemas.openxmlformats.org/officeDocument/2006/relationships" xmlns:p="http://schemas.openxmlformats.org/presentationml/2006/main" type="tx">
   <p:cSld name="Title and body">
     <p:spTree>
       <p:nvGrpSpPr>
-        <p:cNvPr id="49" name="Shape 49"/>
+        <p:cNvPr id="1" name="Shape 49"/>
         <p:cNvGrpSpPr/>
         <p:nvPr/>
       </p:nvGrpSpPr>
@@ -6235,7 +6569,9 @@
       <p:sp>
         <p:nvSpPr>
           <p:cNvPr id="50" name="Shape 50"/>
-          <p:cNvSpPr txBox="1"/>
+          <p:cNvSpPr txBox="1">
+            <a:spLocks noGrp="1"/>
+          </p:cNvSpPr>
           <p:nvPr>
             <p:ph type="title"/>
           </p:nvPr>
@@ -6254,7 +6590,7 @@
           </a:ln>
         </p:spPr>
         <p:txBody>
-          <a:bodyPr anchorCtr="0" anchor="ctr" bIns="91425" lIns="91425" rIns="91425" tIns="91425"/>
+          <a:bodyPr lIns="91425" tIns="91425" rIns="91425" bIns="91425" anchor="ctr" anchorCtr="0"/>
           <a:lstStyle>
             <a:lvl1pPr lvl="0" rtl="0">
               <a:spcBef>
@@ -6311,15 +6647,19 @@
               <a:defRPr/>
             </a:lvl9pPr>
           </a:lstStyle>
-          <a:p/>
+          <a:p>
+            <a:endParaRPr/>
+          </a:p>
         </p:txBody>
       </p:sp>
       <p:sp>
         <p:nvSpPr>
           <p:cNvPr id="51" name="Shape 51"/>
-          <p:cNvSpPr txBox="1"/>
+          <p:cNvSpPr txBox="1">
+            <a:spLocks noGrp="1"/>
+          </p:cNvSpPr>
           <p:nvPr>
-            <p:ph idx="1" type="body"/>
+            <p:ph type="body" idx="1"/>
           </p:nvPr>
         </p:nvSpPr>
         <p:spPr>
@@ -6336,7 +6676,7 @@
           </a:ln>
         </p:spPr>
         <p:txBody>
-          <a:bodyPr anchorCtr="0" anchor="ctr" bIns="91425" lIns="91425" rIns="91425" tIns="91425"/>
+          <a:bodyPr lIns="91425" tIns="91425" rIns="91425" bIns="91425" anchor="ctr" anchorCtr="0"/>
           <a:lstStyle>
             <a:lvl1pPr lvl="0" rtl="0">
               <a:spcBef>
@@ -6393,15 +6733,19 @@
               <a:defRPr/>
             </a:lvl9pPr>
           </a:lstStyle>
-          <a:p/>
+          <a:p>
+            <a:endParaRPr/>
+          </a:p>
         </p:txBody>
       </p:sp>
       <p:sp>
         <p:nvSpPr>
           <p:cNvPr id="52" name="Shape 52"/>
-          <p:cNvSpPr txBox="1"/>
+          <p:cNvSpPr txBox="1">
+            <a:spLocks noGrp="1"/>
+          </p:cNvSpPr>
           <p:nvPr>
-            <p:ph idx="12" type="sldNum"/>
+            <p:ph type="sldNum" idx="12"/>
           </p:nvPr>
         </p:nvSpPr>
         <p:spPr>
@@ -6414,7 +6758,7 @@
           </a:prstGeom>
         </p:spPr>
         <p:txBody>
-          <a:bodyPr anchorCtr="0" anchor="t" bIns="45700" lIns="91425" rIns="91425" tIns="45700">
+          <a:bodyPr lIns="91425" tIns="45700" rIns="91425" bIns="45700" anchor="t" anchorCtr="0">
             <a:noAutofit/>
           </a:bodyPr>
           <a:lstStyle/>
@@ -6429,6 +6773,7 @@
               <a:rPr lang="en"/>
               <a:t>‹#›</a:t>
             </a:fld>
+            <a:endParaRPr lang="en"/>
           </a:p>
         </p:txBody>
       </p:sp>
@@ -6441,18 +6786,19 @@
 </file>
 
 <file path=ppt/slideMasters/slideMaster1.xml><?xml version="1.0" encoding="utf-8"?>
-<p:sldMaster xmlns:a="http://schemas.openxmlformats.org/drawingml/2006/main" xmlns:r="http://schemas.openxmlformats.org/officeDocument/2006/relationships" xmlns:mc="http://schemas.openxmlformats.org/markup-compatibility/2006" xmlns:mv="urn:schemas-microsoft-com:mac:vml" xmlns:p="http://schemas.openxmlformats.org/presentationml/2006/main" xmlns:c="http://schemas.openxmlformats.org/drawingml/2006/chart" xmlns:dgm="http://schemas.openxmlformats.org/drawingml/2006/diagram" xmlns:o="urn:schemas-microsoft-com:office:office" xmlns:v="urn:schemas-microsoft-com:vml" xmlns:pvml="urn:schemas-microsoft-com:office:powerpoint" xmlns:com="http://schemas.openxmlformats.org/drawingml/2006/compatibility" xmlns:p14="http://schemas.microsoft.com/office/powerpoint/2010/main">
+<p:sldMaster xmlns:a="http://schemas.openxmlformats.org/drawingml/2006/main" xmlns:r="http://schemas.openxmlformats.org/officeDocument/2006/relationships" xmlns:p="http://schemas.openxmlformats.org/presentationml/2006/main">
   <p:cSld>
     <p:bg>
       <p:bgPr>
         <a:solidFill>
           <a:schemeClr val="lt1"/>
         </a:solidFill>
+        <a:effectLst/>
       </p:bgPr>
     </p:bg>
     <p:spTree>
       <p:nvGrpSpPr>
-        <p:cNvPr id="5" name="Shape 5"/>
+        <p:cNvPr id="1" name="Shape 5"/>
         <p:cNvGrpSpPr/>
         <p:nvPr/>
       </p:nvGrpSpPr>
@@ -6471,10 +6817,10 @@
           <p:nvPr/>
         </p:nvPicPr>
         <p:blipFill rotWithShape="1">
-          <a:blip r:embed="rId1">
+          <a:blip r:embed="rId10">
             <a:alphaModFix/>
           </a:blip>
-          <a:srcRect b="0" l="0" r="0" t="0"/>
+          <a:srcRect/>
           <a:stretch/>
         </p:blipFill>
         <p:spPr>
@@ -6498,10 +6844,10 @@
           <p:nvPr/>
         </p:nvPicPr>
         <p:blipFill rotWithShape="1">
-          <a:blip r:embed="rId2">
+          <a:blip r:embed="rId11">
             <a:alphaModFix/>
           </a:blip>
-          <a:srcRect b="0" l="0" r="0" t="0"/>
+          <a:srcRect/>
           <a:stretch/>
         </p:blipFill>
         <p:spPr>
@@ -6521,9 +6867,11 @@
       <p:sp>
         <p:nvSpPr>
           <p:cNvPr id="8" name="Shape 8"/>
-          <p:cNvSpPr txBox="1"/>
+          <p:cNvSpPr txBox="1">
+            <a:spLocks noGrp="1"/>
+          </p:cNvSpPr>
           <p:nvPr>
-            <p:ph idx="12" type="sldNum"/>
+            <p:ph type="sldNum" idx="12"/>
           </p:nvPr>
         </p:nvSpPr>
         <p:spPr>
@@ -6540,12 +6888,12 @@
           </a:ln>
         </p:spPr>
         <p:txBody>
-          <a:bodyPr anchorCtr="0" anchor="t" bIns="45700" lIns="91425" rIns="91425" tIns="45700">
+          <a:bodyPr lIns="91425" tIns="45700" rIns="91425" bIns="45700" anchor="t" anchorCtr="0">
             <a:noAutofit/>
           </a:bodyPr>
           <a:lstStyle/>
           <a:p>
-            <a:pPr indent="0" lvl="0" marL="0" marR="0" rtl="0" algn="l">
+            <a:pPr marL="0" marR="0" lvl="0" indent="0" algn="l" rtl="0">
               <a:lnSpc>
                 <a:spcPct val="100000"/>
               </a:lnSpc>
@@ -6563,7 +6911,7 @@
               <a:buNone/>
             </a:pPr>
             <a:fld id="{00000000-1234-1234-1234-123412341234}" type="slidenum">
-              <a:rPr b="0" i="0" lang="en" sz="1400" u="none" cap="none" strike="noStrike">
+              <a:rPr lang="en" sz="1400" b="0" i="0" u="none" strike="noStrike" cap="none">
                 <a:solidFill>
                   <a:schemeClr val="dk1"/>
                 </a:solidFill>
@@ -6574,9 +6922,18 @@
               </a:rPr>
               <a:t>‹#›</a:t>
             </a:fld>
+            <a:endParaRPr lang="en" sz="1400" b="0" i="0" u="none" strike="noStrike" cap="none">
+              <a:solidFill>
+                <a:schemeClr val="dk1"/>
+              </a:solidFill>
+              <a:latin typeface="Calibri"/>
+              <a:ea typeface="Calibri"/>
+              <a:cs typeface="Calibri"/>
+              <a:sym typeface="Calibri"/>
+            </a:endParaRPr>
           </a:p>
           <a:p>
-            <a:pPr indent="0" lvl="0" marL="0" marR="0" rtl="0" algn="l">
+            <a:pPr marL="0" marR="0" lvl="0" indent="0" algn="l" rtl="0">
               <a:lnSpc>
                 <a:spcPct val="100000"/>
               </a:lnSpc>
@@ -6592,10 +6949,7 @@
               <a:buFont typeface="Arial"/>
               <a:buNone/>
             </a:pPr>
-            <a:r>
-              <a:t/>
-            </a:r>
-            <a:endParaRPr b="0" i="0" sz="1400" u="none" cap="none" strike="noStrike">
+            <a:endParaRPr sz="1400" b="0" i="0" u="none" strike="noStrike" cap="none">
               <a:solidFill>
                 <a:schemeClr val="dk1"/>
               </a:solidFill>
@@ -6609,21 +6963,21 @@
       </p:sp>
     </p:spTree>
   </p:cSld>
-  <p:clrMap accent1="accent1" accent2="accent2" accent3="accent3" accent4="accent4" accent5="accent5" accent6="accent6" bg1="lt1" bg2="dk2" tx1="dk1" tx2="lt2" folHlink="folHlink" hlink="hlink"/>
+  <p:clrMap bg1="lt1" tx1="dk1" bg2="dk2" tx2="lt2" accent1="accent1" accent2="accent2" accent3="accent3" accent4="accent4" accent5="accent5" accent6="accent6" hlink="hlink" folHlink="folHlink"/>
   <p:sldLayoutIdLst>
-    <p:sldLayoutId id="2147483648" r:id="rId3"/>
-    <p:sldLayoutId id="2147483649" r:id="rId4"/>
-    <p:sldLayoutId id="2147483650" r:id="rId5"/>
-    <p:sldLayoutId id="2147483651" r:id="rId6"/>
-    <p:sldLayoutId id="2147483652" r:id="rId7"/>
-    <p:sldLayoutId id="2147483653" r:id="rId8"/>
-    <p:sldLayoutId id="2147483654" r:id="rId9"/>
-    <p:sldLayoutId id="2147483655" r:id="rId10"/>
+    <p:sldLayoutId id="2147483648" r:id="rId1"/>
+    <p:sldLayoutId id="2147483649" r:id="rId2"/>
+    <p:sldLayoutId id="2147483650" r:id="rId3"/>
+    <p:sldLayoutId id="2147483651" r:id="rId4"/>
+    <p:sldLayoutId id="2147483652" r:id="rId5"/>
+    <p:sldLayoutId id="2147483653" r:id="rId6"/>
+    <p:sldLayoutId id="2147483654" r:id="rId7"/>
+    <p:sldLayoutId id="2147483655" r:id="rId8"/>
   </p:sldLayoutIdLst>
-  <p:hf dt="0" ftr="0" hdr="0" sldNum="0"/>
+  <p:hf sldNum="0" hdr="0" ftr="0" dt="0"/>
   <p:txStyles>
     <p:titleStyle>
-      <a:defPPr lvl="0" marR="0" rtl="0" algn="l">
+      <a:defPPr marR="0" lvl="0" algn="l" rtl="0">
         <a:lnSpc>
           <a:spcPct val="100000"/>
         </a:lnSpc>
@@ -6634,7 +6988,7 @@
           <a:spcPts val="0"/>
         </a:spcAft>
       </a:defPPr>
-      <a:lvl1pPr lvl="0" marR="0" rtl="0" algn="l">
+      <a:lvl1pPr marR="0" lvl="0" algn="l" rtl="0">
         <a:lnSpc>
           <a:spcPct val="100000"/>
         </a:lnSpc>
@@ -6645,7 +6999,7 @@
           <a:spcPts val="0"/>
         </a:spcAft>
         <a:buNone/>
-        <a:defRPr b="0" i="0" sz="1400" u="none" cap="none" strike="noStrike">
+        <a:defRPr sz="1400" b="0" i="0" u="none" strike="noStrike" cap="none">
           <a:solidFill>
             <a:srgbClr val="000000"/>
           </a:solidFill>
@@ -6657,7 +7011,7 @@
       </a:lvl1pPr>
     </p:titleStyle>
     <p:bodyStyle>
-      <a:defPPr lvl="0" marR="0" rtl="0" algn="l">
+      <a:defPPr marR="0" lvl="0" algn="l" rtl="0">
         <a:lnSpc>
           <a:spcPct val="100000"/>
         </a:lnSpc>
@@ -6668,7 +7022,7 @@
           <a:spcPts val="0"/>
         </a:spcAft>
       </a:defPPr>
-      <a:lvl1pPr lvl="0" marR="0" rtl="0" algn="l">
+      <a:lvl1pPr marR="0" lvl="0" algn="l" rtl="0">
         <a:lnSpc>
           <a:spcPct val="100000"/>
         </a:lnSpc>
@@ -6679,7 +7033,7 @@
           <a:spcPts val="0"/>
         </a:spcAft>
         <a:buNone/>
-        <a:defRPr b="0" i="0" sz="1400" u="none" cap="none" strike="noStrike">
+        <a:defRPr sz="1400" b="0" i="0" u="none" strike="noStrike" cap="none">
           <a:solidFill>
             <a:srgbClr val="000000"/>
           </a:solidFill>
@@ -6689,7 +7043,7 @@
           <a:sym typeface="Arial"/>
         </a:defRPr>
       </a:lvl1pPr>
-      <a:lvl2pPr lvl="1" marR="0" rtl="0" algn="l">
+      <a:lvl2pPr marR="0" lvl="1" algn="l" rtl="0">
         <a:lnSpc>
           <a:spcPct val="100000"/>
         </a:lnSpc>
@@ -6700,7 +7054,7 @@
           <a:spcPts val="0"/>
         </a:spcAft>
         <a:buNone/>
-        <a:defRPr b="0" i="0" sz="1400" u="none" cap="none" strike="noStrike">
+        <a:defRPr sz="1400" b="0" i="0" u="none" strike="noStrike" cap="none">
           <a:solidFill>
             <a:srgbClr val="000000"/>
           </a:solidFill>
@@ -6710,7 +7064,7 @@
           <a:sym typeface="Arial"/>
         </a:defRPr>
       </a:lvl2pPr>
-      <a:lvl3pPr lvl="2" marR="0" rtl="0" algn="l">
+      <a:lvl3pPr marR="0" lvl="2" algn="l" rtl="0">
         <a:lnSpc>
           <a:spcPct val="100000"/>
         </a:lnSpc>
@@ -6721,7 +7075,7 @@
           <a:spcPts val="0"/>
         </a:spcAft>
         <a:buNone/>
-        <a:defRPr b="0" i="0" sz="1400" u="none" cap="none" strike="noStrike">
+        <a:defRPr sz="1400" b="0" i="0" u="none" strike="noStrike" cap="none">
           <a:solidFill>
             <a:srgbClr val="000000"/>
           </a:solidFill>
@@ -6731,7 +7085,7 @@
           <a:sym typeface="Arial"/>
         </a:defRPr>
       </a:lvl3pPr>
-      <a:lvl4pPr lvl="3" marR="0" rtl="0" algn="l">
+      <a:lvl4pPr marR="0" lvl="3" algn="l" rtl="0">
         <a:lnSpc>
           <a:spcPct val="100000"/>
         </a:lnSpc>
@@ -6742,7 +7096,7 @@
           <a:spcPts val="0"/>
         </a:spcAft>
         <a:buNone/>
-        <a:defRPr b="0" i="0" sz="1400" u="none" cap="none" strike="noStrike">
+        <a:defRPr sz="1400" b="0" i="0" u="none" strike="noStrike" cap="none">
           <a:solidFill>
             <a:srgbClr val="000000"/>
           </a:solidFill>
@@ -6752,7 +7106,7 @@
           <a:sym typeface="Arial"/>
         </a:defRPr>
       </a:lvl4pPr>
-      <a:lvl5pPr lvl="4" marR="0" rtl="0" algn="l">
+      <a:lvl5pPr marR="0" lvl="4" algn="l" rtl="0">
         <a:lnSpc>
           <a:spcPct val="100000"/>
         </a:lnSpc>
@@ -6763,7 +7117,7 @@
           <a:spcPts val="0"/>
         </a:spcAft>
         <a:buNone/>
-        <a:defRPr b="0" i="0" sz="1400" u="none" cap="none" strike="noStrike">
+        <a:defRPr sz="1400" b="0" i="0" u="none" strike="noStrike" cap="none">
           <a:solidFill>
             <a:srgbClr val="000000"/>
           </a:solidFill>
@@ -6773,7 +7127,7 @@
           <a:sym typeface="Arial"/>
         </a:defRPr>
       </a:lvl5pPr>
-      <a:lvl6pPr lvl="5" marR="0" rtl="0" algn="l">
+      <a:lvl6pPr marR="0" lvl="5" algn="l" rtl="0">
         <a:lnSpc>
           <a:spcPct val="100000"/>
         </a:lnSpc>
@@ -6784,7 +7138,7 @@
           <a:spcPts val="0"/>
         </a:spcAft>
         <a:buNone/>
-        <a:defRPr b="0" i="0" sz="1400" u="none" cap="none" strike="noStrike">
+        <a:defRPr sz="1400" b="0" i="0" u="none" strike="noStrike" cap="none">
           <a:solidFill>
             <a:srgbClr val="000000"/>
           </a:solidFill>
@@ -6794,7 +7148,7 @@
           <a:sym typeface="Arial"/>
         </a:defRPr>
       </a:lvl6pPr>
-      <a:lvl7pPr lvl="6" marR="0" rtl="0" algn="l">
+      <a:lvl7pPr marR="0" lvl="6" algn="l" rtl="0">
         <a:lnSpc>
           <a:spcPct val="100000"/>
         </a:lnSpc>
@@ -6805,7 +7159,7 @@
           <a:spcPts val="0"/>
         </a:spcAft>
         <a:buNone/>
-        <a:defRPr b="0" i="0" sz="1400" u="none" cap="none" strike="noStrike">
+        <a:defRPr sz="1400" b="0" i="0" u="none" strike="noStrike" cap="none">
           <a:solidFill>
             <a:srgbClr val="000000"/>
           </a:solidFill>
@@ -6815,7 +7169,7 @@
           <a:sym typeface="Arial"/>
         </a:defRPr>
       </a:lvl7pPr>
-      <a:lvl8pPr lvl="7" marR="0" rtl="0" algn="l">
+      <a:lvl8pPr marR="0" lvl="7" algn="l" rtl="0">
         <a:lnSpc>
           <a:spcPct val="100000"/>
         </a:lnSpc>
@@ -6826,7 +7180,7 @@
           <a:spcPts val="0"/>
         </a:spcAft>
         <a:buNone/>
-        <a:defRPr b="0" i="0" sz="1400" u="none" cap="none" strike="noStrike">
+        <a:defRPr sz="1400" b="0" i="0" u="none" strike="noStrike" cap="none">
           <a:solidFill>
             <a:srgbClr val="000000"/>
           </a:solidFill>
@@ -6836,7 +7190,7 @@
           <a:sym typeface="Arial"/>
         </a:defRPr>
       </a:lvl8pPr>
-      <a:lvl9pPr lvl="8" marR="0" rtl="0" algn="l">
+      <a:lvl9pPr marR="0" lvl="8" algn="l" rtl="0">
         <a:lnSpc>
           <a:spcPct val="100000"/>
         </a:lnSpc>
@@ -6847,7 +7201,7 @@
           <a:spcPts val="0"/>
         </a:spcAft>
         <a:buNone/>
-        <a:defRPr b="0" i="0" sz="1400" u="none" cap="none" strike="noStrike">
+        <a:defRPr sz="1400" b="0" i="0" u="none" strike="noStrike" cap="none">
           <a:solidFill>
             <a:srgbClr val="000000"/>
           </a:solidFill>
@@ -6859,7 +7213,7 @@
       </a:lvl9pPr>
     </p:bodyStyle>
     <p:otherStyle>
-      <a:defPPr lvl="0" marR="0" rtl="0" algn="l">
+      <a:defPPr marR="0" lvl="0" algn="l" rtl="0">
         <a:lnSpc>
           <a:spcPct val="100000"/>
         </a:lnSpc>
@@ -6870,7 +7224,7 @@
           <a:spcPts val="0"/>
         </a:spcAft>
       </a:defPPr>
-      <a:lvl1pPr lvl="0" marR="0" rtl="0" algn="l">
+      <a:lvl1pPr marR="0" lvl="0" algn="l" rtl="0">
         <a:lnSpc>
           <a:spcPct val="100000"/>
         </a:lnSpc>
@@ -6881,7 +7235,7 @@
           <a:spcPts val="0"/>
         </a:spcAft>
         <a:buNone/>
-        <a:defRPr b="0" i="0" sz="1400" u="none" cap="none" strike="noStrike">
+        <a:defRPr sz="1400" b="0" i="0" u="none" strike="noStrike" cap="none">
           <a:solidFill>
             <a:srgbClr val="000000"/>
           </a:solidFill>
@@ -6891,7 +7245,7 @@
           <a:sym typeface="Arial"/>
         </a:defRPr>
       </a:lvl1pPr>
-      <a:lvl2pPr lvl="1" marR="0" rtl="0" algn="l">
+      <a:lvl2pPr marR="0" lvl="1" algn="l" rtl="0">
         <a:lnSpc>
           <a:spcPct val="100000"/>
         </a:lnSpc>
@@ -6902,7 +7256,7 @@
           <a:spcPts val="0"/>
         </a:spcAft>
         <a:buNone/>
-        <a:defRPr b="0" i="0" sz="1400" u="none" cap="none" strike="noStrike">
+        <a:defRPr sz="1400" b="0" i="0" u="none" strike="noStrike" cap="none">
           <a:solidFill>
             <a:srgbClr val="000000"/>
           </a:solidFill>
@@ -6912,7 +7266,7 @@
           <a:sym typeface="Arial"/>
         </a:defRPr>
       </a:lvl2pPr>
-      <a:lvl3pPr lvl="2" marR="0" rtl="0" algn="l">
+      <a:lvl3pPr marR="0" lvl="2" algn="l" rtl="0">
         <a:lnSpc>
           <a:spcPct val="100000"/>
         </a:lnSpc>
@@ -6923,7 +7277,7 @@
           <a:spcPts val="0"/>
         </a:spcAft>
         <a:buNone/>
-        <a:defRPr b="0" i="0" sz="1400" u="none" cap="none" strike="noStrike">
+        <a:defRPr sz="1400" b="0" i="0" u="none" strike="noStrike" cap="none">
           <a:solidFill>
             <a:srgbClr val="000000"/>
           </a:solidFill>
@@ -6933,7 +7287,7 @@
           <a:sym typeface="Arial"/>
         </a:defRPr>
       </a:lvl3pPr>
-      <a:lvl4pPr lvl="3" marR="0" rtl="0" algn="l">
+      <a:lvl4pPr marR="0" lvl="3" algn="l" rtl="0">
         <a:lnSpc>
           <a:spcPct val="100000"/>
         </a:lnSpc>
@@ -6944,7 +7298,7 @@
           <a:spcPts val="0"/>
         </a:spcAft>
         <a:buNone/>
-        <a:defRPr b="0" i="0" sz="1400" u="none" cap="none" strike="noStrike">
+        <a:defRPr sz="1400" b="0" i="0" u="none" strike="noStrike" cap="none">
           <a:solidFill>
             <a:srgbClr val="000000"/>
           </a:solidFill>
@@ -6954,7 +7308,7 @@
           <a:sym typeface="Arial"/>
         </a:defRPr>
       </a:lvl4pPr>
-      <a:lvl5pPr lvl="4" marR="0" rtl="0" algn="l">
+      <a:lvl5pPr marR="0" lvl="4" algn="l" rtl="0">
         <a:lnSpc>
           <a:spcPct val="100000"/>
         </a:lnSpc>
@@ -6965,7 +7319,7 @@
           <a:spcPts val="0"/>
         </a:spcAft>
         <a:buNone/>
-        <a:defRPr b="0" i="0" sz="1400" u="none" cap="none" strike="noStrike">
+        <a:defRPr sz="1400" b="0" i="0" u="none" strike="noStrike" cap="none">
           <a:solidFill>
             <a:srgbClr val="000000"/>
           </a:solidFill>
@@ -6975,7 +7329,7 @@
           <a:sym typeface="Arial"/>
         </a:defRPr>
       </a:lvl5pPr>
-      <a:lvl6pPr lvl="5" marR="0" rtl="0" algn="l">
+      <a:lvl6pPr marR="0" lvl="5" algn="l" rtl="0">
         <a:lnSpc>
           <a:spcPct val="100000"/>
         </a:lnSpc>
@@ -6986,7 +7340,7 @@
           <a:spcPts val="0"/>
         </a:spcAft>
         <a:buNone/>
-        <a:defRPr b="0" i="0" sz="1400" u="none" cap="none" strike="noStrike">
+        <a:defRPr sz="1400" b="0" i="0" u="none" strike="noStrike" cap="none">
           <a:solidFill>
             <a:srgbClr val="000000"/>
           </a:solidFill>
@@ -6996,7 +7350,7 @@
           <a:sym typeface="Arial"/>
         </a:defRPr>
       </a:lvl6pPr>
-      <a:lvl7pPr lvl="6" marR="0" rtl="0" algn="l">
+      <a:lvl7pPr marR="0" lvl="6" algn="l" rtl="0">
         <a:lnSpc>
           <a:spcPct val="100000"/>
         </a:lnSpc>
@@ -7007,7 +7361,7 @@
           <a:spcPts val="0"/>
         </a:spcAft>
         <a:buNone/>
-        <a:defRPr b="0" i="0" sz="1400" u="none" cap="none" strike="noStrike">
+        <a:defRPr sz="1400" b="0" i="0" u="none" strike="noStrike" cap="none">
           <a:solidFill>
             <a:srgbClr val="000000"/>
           </a:solidFill>
@@ -7017,7 +7371,7 @@
           <a:sym typeface="Arial"/>
         </a:defRPr>
       </a:lvl7pPr>
-      <a:lvl8pPr lvl="7" marR="0" rtl="0" algn="l">
+      <a:lvl8pPr marR="0" lvl="7" algn="l" rtl="0">
         <a:lnSpc>
           <a:spcPct val="100000"/>
         </a:lnSpc>
@@ -7028,7 +7382,7 @@
           <a:spcPts val="0"/>
         </a:spcAft>
         <a:buNone/>
-        <a:defRPr b="0" i="0" sz="1400" u="none" cap="none" strike="noStrike">
+        <a:defRPr sz="1400" b="0" i="0" u="none" strike="noStrike" cap="none">
           <a:solidFill>
             <a:srgbClr val="000000"/>
           </a:solidFill>
@@ -7038,7 +7392,7 @@
           <a:sym typeface="Arial"/>
         </a:defRPr>
       </a:lvl8pPr>
-      <a:lvl9pPr lvl="8" marR="0" rtl="0" algn="l">
+      <a:lvl9pPr marR="0" lvl="8" algn="l" rtl="0">
         <a:lnSpc>
           <a:spcPct val="100000"/>
         </a:lnSpc>
@@ -7049,7 +7403,7 @@
           <a:spcPts val="0"/>
         </a:spcAft>
         <a:buNone/>
-        <a:defRPr b="0" i="0" sz="1400" u="none" cap="none" strike="noStrike">
+        <a:defRPr sz="1400" b="0" i="0" u="none" strike="noStrike" cap="none">
           <a:solidFill>
             <a:srgbClr val="000000"/>
           </a:solidFill>
@@ -7065,11 +7419,11 @@
 </file>
 
 <file path=ppt/slides/slide1.xml><?xml version="1.0" encoding="utf-8"?>
-<p:sld xmlns:a="http://schemas.openxmlformats.org/drawingml/2006/main" xmlns:r="http://schemas.openxmlformats.org/officeDocument/2006/relationships" xmlns:mc="http://schemas.openxmlformats.org/markup-compatibility/2006" xmlns:mv="urn:schemas-microsoft-com:mac:vml" xmlns:p="http://schemas.openxmlformats.org/presentationml/2006/main" xmlns:c="http://schemas.openxmlformats.org/drawingml/2006/chart" xmlns:dgm="http://schemas.openxmlformats.org/drawingml/2006/diagram" xmlns:o="urn:schemas-microsoft-com:office:office" xmlns:v="urn:schemas-microsoft-com:vml" xmlns:pvml="urn:schemas-microsoft-com:office:powerpoint" xmlns:com="http://schemas.openxmlformats.org/drawingml/2006/compatibility" xmlns:p14="http://schemas.microsoft.com/office/powerpoint/2010/main">
+<p:sld xmlns:a="http://schemas.openxmlformats.org/drawingml/2006/main" xmlns:r="http://schemas.openxmlformats.org/officeDocument/2006/relationships" xmlns:p="http://schemas.openxmlformats.org/presentationml/2006/main">
   <p:cSld>
     <p:spTree>
       <p:nvGrpSpPr>
-        <p:cNvPr id="56" name="Shape 56"/>
+        <p:cNvPr id="1" name="Shape 56"/>
         <p:cNvGrpSpPr/>
         <p:nvPr/>
       </p:nvGrpSpPr>
@@ -7081,130 +7435,9 @@
           <a:chExt cx="0" cy="0"/>
         </a:xfrm>
       </p:grpSpPr>
-      <p:sp>
-        <p:nvSpPr>
-          <p:cNvPr id="57" name="Shape 57"/>
-          <p:cNvSpPr txBox="1"/>
-          <p:nvPr>
-            <p:ph idx="2" type="body"/>
-          </p:nvPr>
-        </p:nvSpPr>
-        <p:spPr>
-          <a:xfrm>
-            <a:off x="119775" y="3924800"/>
-            <a:ext cx="2487000" cy="692700"/>
-          </a:xfrm>
-          <a:prstGeom prst="rect">
-            <a:avLst/>
-          </a:prstGeom>
-        </p:spPr>
-        <p:txBody>
-          <a:bodyPr anchorCtr="0" anchor="t" bIns="91425" lIns="91425" rIns="91425" tIns="91425">
-            <a:noAutofit/>
-          </a:bodyPr>
-          <a:lstStyle/>
-          <a:p>
-            <a:pPr lvl="0">
-              <a:spcBef>
-                <a:spcPts val="0"/>
-              </a:spcBef>
-              <a:buNone/>
-            </a:pPr>
-            <a:r>
-              <a:rPr lang="en" sz="1600">
-                <a:latin typeface="Muli"/>
-                <a:ea typeface="Muli"/>
-                <a:cs typeface="Muli"/>
-                <a:sym typeface="Muli"/>
-              </a:rPr>
-              <a:t>Jayakumar, Jaya Prasad</a:t>
-            </a:r>
-            <a:br>
-              <a:rPr lang="en" sz="1600">
-                <a:latin typeface="Muli"/>
-                <a:ea typeface="Muli"/>
-                <a:cs typeface="Muli"/>
-                <a:sym typeface="Muli"/>
-              </a:rPr>
-            </a:br>
-            <a:r>
-              <a:rPr lang="en" sz="1600">
-                <a:latin typeface="Muli"/>
-                <a:ea typeface="Muli"/>
-                <a:cs typeface="Muli"/>
-                <a:sym typeface="Muli"/>
-              </a:rPr>
-              <a:t>Karunanithi,  Sunoj</a:t>
-            </a:r>
-          </a:p>
-        </p:txBody>
-      </p:sp>
-      <p:sp>
-        <p:nvSpPr>
-          <p:cNvPr id="58" name="Shape 58"/>
-          <p:cNvSpPr txBox="1"/>
-          <p:nvPr>
-            <p:ph idx="3" type="body"/>
-          </p:nvPr>
-        </p:nvSpPr>
-        <p:spPr>
-          <a:xfrm>
-            <a:off x="119775" y="3021200"/>
-            <a:ext cx="4301400" cy="762600"/>
-          </a:xfrm>
-          <a:prstGeom prst="rect">
-            <a:avLst/>
-          </a:prstGeom>
-        </p:spPr>
-        <p:txBody>
-          <a:bodyPr anchorCtr="0" anchor="t" bIns="91425" lIns="91425" rIns="91425" tIns="91425">
-            <a:noAutofit/>
-          </a:bodyPr>
-          <a:lstStyle/>
-          <a:p>
-            <a:pPr lvl="0" rtl="0">
-              <a:spcBef>
-                <a:spcPts val="0"/>
-              </a:spcBef>
-              <a:buClr>
-                <a:srgbClr val="000000"/>
-              </a:buClr>
-              <a:buSzPct val="55000"/>
-              <a:buFont typeface="Arial"/>
-              <a:buNone/>
-            </a:pPr>
-            <a:r>
-              <a:rPr lang="en" sz="2000">
-                <a:latin typeface="Muli SemiBold"/>
-                <a:ea typeface="Muli SemiBold"/>
-                <a:cs typeface="Muli SemiBold"/>
-                <a:sym typeface="Muli SemiBold"/>
-              </a:rPr>
-              <a:t>BIA 654: Experimental Design</a:t>
-            </a:r>
-            <a:br>
-              <a:rPr lang="en" sz="2000">
-                <a:latin typeface="Muli SemiBold"/>
-                <a:ea typeface="Muli SemiBold"/>
-                <a:cs typeface="Muli SemiBold"/>
-                <a:sym typeface="Muli SemiBold"/>
-              </a:rPr>
-            </a:br>
-            <a:r>
-              <a:rPr lang="en" sz="2000">
-                <a:latin typeface="Muli SemiBold"/>
-                <a:ea typeface="Muli SemiBold"/>
-                <a:cs typeface="Muli SemiBold"/>
-                <a:sym typeface="Muli SemiBold"/>
-              </a:rPr>
-              <a:t>Professor: Chihoon Lee</a:t>
-            </a:r>
-          </a:p>
-        </p:txBody>
-      </p:sp>
       <p:pic>
         <p:nvPicPr>
-          <p:cNvPr descr="Capture.PNG" id="59" name="Shape 59"/>
+          <p:cNvPr id="59" name="Shape 59" descr="Capture.PNG"/>
           <p:cNvPicPr preferRelativeResize="0"/>
           <p:nvPr/>
         </p:nvPicPr>
@@ -7232,7 +7465,7 @@
       </p:pic>
       <p:pic>
         <p:nvPicPr>
-          <p:cNvPr descr="Google AdWords.jpg" id="60" name="Shape 60"/>
+          <p:cNvPr id="60" name="Shape 60" descr="Google AdWords.jpg"/>
           <p:cNvPicPr preferRelativeResize="0"/>
           <p:nvPr/>
         </p:nvPicPr>
@@ -7261,14 +7494,16 @@
       <p:sp>
         <p:nvSpPr>
           <p:cNvPr id="61" name="Shape 61"/>
-          <p:cNvSpPr txBox="1"/>
+          <p:cNvSpPr txBox="1">
+            <a:spLocks noGrp="1"/>
+          </p:cNvSpPr>
           <p:nvPr>
-            <p:ph idx="2" type="body"/>
+            <p:ph type="body" idx="2"/>
           </p:nvPr>
         </p:nvSpPr>
         <p:spPr>
           <a:xfrm>
-            <a:off x="2504025" y="3924800"/>
+            <a:off x="119774" y="3191592"/>
             <a:ext cx="2254800" cy="692700"/>
           </a:xfrm>
           <a:prstGeom prst="rect">
@@ -7276,7 +7511,7 @@
           </a:prstGeom>
         </p:spPr>
         <p:txBody>
-          <a:bodyPr anchorCtr="0" anchor="t" bIns="91425" lIns="91425" rIns="91425" tIns="91425">
+          <a:bodyPr lIns="91425" tIns="91425" rIns="91425" bIns="91425" anchor="t" anchorCtr="0">
             <a:noAutofit/>
           </a:bodyPr>
           <a:lstStyle/>
@@ -7288,30 +7523,13 @@
               <a:buNone/>
             </a:pPr>
             <a:r>
-              <a:rPr lang="en" sz="1600">
+              <a:rPr lang="en" sz="1600" dirty="0">
                 <a:latin typeface="Muli"/>
                 <a:ea typeface="Muli"/>
                 <a:cs typeface="Muli"/>
                 <a:sym typeface="Muli"/>
               </a:rPr>
               <a:t>Patibandla, Saketh</a:t>
-            </a:r>
-            <a:br>
-              <a:rPr lang="en" sz="1600">
-                <a:latin typeface="Muli"/>
-                <a:ea typeface="Muli"/>
-                <a:cs typeface="Muli"/>
-                <a:sym typeface="Muli"/>
-              </a:rPr>
-            </a:br>
-            <a:r>
-              <a:rPr lang="en" sz="1600">
-                <a:latin typeface="Muli"/>
-                <a:ea typeface="Muli"/>
-                <a:cs typeface="Muli"/>
-                <a:sym typeface="Muli"/>
-              </a:rPr>
-              <a:t>Schoenbrun, Ephraim</a:t>
             </a:r>
           </a:p>
         </p:txBody>
@@ -7325,11 +7543,11 @@
 </file>
 
 <file path=ppt/slides/slide10.xml><?xml version="1.0" encoding="utf-8"?>
-<p:sld xmlns:a="http://schemas.openxmlformats.org/drawingml/2006/main" xmlns:r="http://schemas.openxmlformats.org/officeDocument/2006/relationships" xmlns:mc="http://schemas.openxmlformats.org/markup-compatibility/2006" xmlns:mv="urn:schemas-microsoft-com:mac:vml" xmlns:p="http://schemas.openxmlformats.org/presentationml/2006/main" xmlns:c="http://schemas.openxmlformats.org/drawingml/2006/chart" xmlns:dgm="http://schemas.openxmlformats.org/drawingml/2006/diagram" xmlns:o="urn:schemas-microsoft-com:office:office" xmlns:v="urn:schemas-microsoft-com:vml" xmlns:pvml="urn:schemas-microsoft-com:office:powerpoint" xmlns:com="http://schemas.openxmlformats.org/drawingml/2006/compatibility" xmlns:p14="http://schemas.microsoft.com/office/powerpoint/2010/main">
+<p:sld xmlns:a="http://schemas.openxmlformats.org/drawingml/2006/main" xmlns:r="http://schemas.openxmlformats.org/officeDocument/2006/relationships" xmlns:p="http://schemas.openxmlformats.org/presentationml/2006/main">
   <p:cSld>
     <p:spTree>
       <p:nvGrpSpPr>
-        <p:cNvPr id="129" name="Shape 129"/>
+        <p:cNvPr id="1" name="Shape 129"/>
         <p:cNvGrpSpPr/>
         <p:nvPr/>
       </p:nvGrpSpPr>
@@ -7351,7 +7569,7 @@
           <a:blip r:embed="rId3">
             <a:alphaModFix/>
           </a:blip>
-          <a:srcRect b="3772" l="3623" r="0" t="0"/>
+          <a:srcRect l="3623" b="3772"/>
           <a:stretch/>
         </p:blipFill>
         <p:spPr>
@@ -7370,7 +7588,7 @@
       </p:pic>
       <p:pic>
         <p:nvPicPr>
-          <p:cNvPr descr="Google AdWords.jpg" id="131" name="Shape 131"/>
+          <p:cNvPr id="131" name="Shape 131" descr="Google AdWords.jpg"/>
           <p:cNvPicPr preferRelativeResize="0"/>
           <p:nvPr/>
         </p:nvPicPr>
@@ -7433,11 +7651,11 @@
 </file>
 
 <file path=ppt/slides/slide11.xml><?xml version="1.0" encoding="utf-8"?>
-<p:sld xmlns:a="http://schemas.openxmlformats.org/drawingml/2006/main" xmlns:r="http://schemas.openxmlformats.org/officeDocument/2006/relationships" xmlns:mc="http://schemas.openxmlformats.org/markup-compatibility/2006" xmlns:mv="urn:schemas-microsoft-com:mac:vml" xmlns:p="http://schemas.openxmlformats.org/presentationml/2006/main" xmlns:c="http://schemas.openxmlformats.org/drawingml/2006/chart" xmlns:dgm="http://schemas.openxmlformats.org/drawingml/2006/diagram" xmlns:o="urn:schemas-microsoft-com:office:office" xmlns:v="urn:schemas-microsoft-com:vml" xmlns:pvml="urn:schemas-microsoft-com:office:powerpoint" xmlns:com="http://schemas.openxmlformats.org/drawingml/2006/compatibility" xmlns:p14="http://schemas.microsoft.com/office/powerpoint/2010/main">
+<p:sld xmlns:a="http://schemas.openxmlformats.org/drawingml/2006/main" xmlns:r="http://schemas.openxmlformats.org/officeDocument/2006/relationships" xmlns:p="http://schemas.openxmlformats.org/presentationml/2006/main">
   <p:cSld>
     <p:spTree>
       <p:nvGrpSpPr>
-        <p:cNvPr id="136" name="Shape 136"/>
+        <p:cNvPr id="1" name="Shape 136"/>
         <p:cNvGrpSpPr/>
         <p:nvPr/>
       </p:nvGrpSpPr>
@@ -7452,7 +7670,9 @@
       <p:sp>
         <p:nvSpPr>
           <p:cNvPr id="137" name="Shape 137"/>
-          <p:cNvSpPr txBox="1"/>
+          <p:cNvSpPr txBox="1">
+            <a:spLocks noGrp="1"/>
+          </p:cNvSpPr>
           <p:nvPr>
             <p:ph type="title"/>
           </p:nvPr>
@@ -7467,7 +7687,7 @@
           </a:prstGeom>
         </p:spPr>
         <p:txBody>
-          <a:bodyPr anchorCtr="0" anchor="ctr" bIns="91425" lIns="91425" rIns="91425" tIns="91425">
+          <a:bodyPr lIns="91425" tIns="91425" rIns="91425" bIns="91425" anchor="ctr" anchorCtr="0">
             <a:noAutofit/>
           </a:bodyPr>
           <a:lstStyle/>
@@ -7479,7 +7699,7 @@
               <a:buNone/>
             </a:pPr>
             <a:r>
-              <a:rPr b="1" lang="en"/>
+              <a:rPr lang="en" b="1"/>
               <a:t>Results out of Experiment</a:t>
             </a:r>
           </a:p>
@@ -7543,7 +7763,7 @@
       </p:pic>
       <p:pic>
         <p:nvPicPr>
-          <p:cNvPr descr="Google AdWords.jpg" id="140" name="Shape 140"/>
+          <p:cNvPr id="140" name="Shape 140" descr="Google AdWords.jpg"/>
           <p:cNvPicPr preferRelativeResize="0"/>
           <p:nvPr/>
         </p:nvPicPr>
@@ -7634,11 +7854,11 @@
 </file>
 
 <file path=ppt/slides/slide12.xml><?xml version="1.0" encoding="utf-8"?>
-<p:sld xmlns:a="http://schemas.openxmlformats.org/drawingml/2006/main" xmlns:r="http://schemas.openxmlformats.org/officeDocument/2006/relationships" xmlns:mc="http://schemas.openxmlformats.org/markup-compatibility/2006" xmlns:mv="urn:schemas-microsoft-com:mac:vml" xmlns:p="http://schemas.openxmlformats.org/presentationml/2006/main" xmlns:c="http://schemas.openxmlformats.org/drawingml/2006/chart" xmlns:dgm="http://schemas.openxmlformats.org/drawingml/2006/diagram" xmlns:o="urn:schemas-microsoft-com:office:office" xmlns:v="urn:schemas-microsoft-com:vml" xmlns:pvml="urn:schemas-microsoft-com:office:powerpoint" xmlns:com="http://schemas.openxmlformats.org/drawingml/2006/compatibility" xmlns:p14="http://schemas.microsoft.com/office/powerpoint/2010/main">
+<p:sld xmlns:a="http://schemas.openxmlformats.org/drawingml/2006/main" xmlns:r="http://schemas.openxmlformats.org/officeDocument/2006/relationships" xmlns:p="http://schemas.openxmlformats.org/presentationml/2006/main">
   <p:cSld>
     <p:spTree>
       <p:nvGrpSpPr>
-        <p:cNvPr id="146" name="Shape 146"/>
+        <p:cNvPr id="1" name="Shape 146"/>
         <p:cNvGrpSpPr/>
         <p:nvPr/>
       </p:nvGrpSpPr>
@@ -7708,7 +7928,7 @@
       </p:pic>
       <p:pic>
         <p:nvPicPr>
-          <p:cNvPr descr="Google AdWords.jpg" id="149" name="Shape 149"/>
+          <p:cNvPr id="149" name="Shape 149" descr="Google AdWords.jpg"/>
           <p:cNvPicPr preferRelativeResize="0"/>
           <p:nvPr/>
         </p:nvPicPr>
@@ -7743,11 +7963,11 @@
 </file>
 
 <file path=ppt/slides/slide2.xml><?xml version="1.0" encoding="utf-8"?>
-<p:sld xmlns:a="http://schemas.openxmlformats.org/drawingml/2006/main" xmlns:r="http://schemas.openxmlformats.org/officeDocument/2006/relationships" xmlns:mc="http://schemas.openxmlformats.org/markup-compatibility/2006" xmlns:mv="urn:schemas-microsoft-com:mac:vml" xmlns:p="http://schemas.openxmlformats.org/presentationml/2006/main" xmlns:c="http://schemas.openxmlformats.org/drawingml/2006/chart" xmlns:dgm="http://schemas.openxmlformats.org/drawingml/2006/diagram" xmlns:o="urn:schemas-microsoft-com:office:office" xmlns:v="urn:schemas-microsoft-com:vml" xmlns:pvml="urn:schemas-microsoft-com:office:powerpoint" xmlns:com="http://schemas.openxmlformats.org/drawingml/2006/compatibility" xmlns:p14="http://schemas.microsoft.com/office/powerpoint/2010/main">
+<p:sld xmlns:a="http://schemas.openxmlformats.org/drawingml/2006/main" xmlns:r="http://schemas.openxmlformats.org/officeDocument/2006/relationships" xmlns:p="http://schemas.openxmlformats.org/presentationml/2006/main">
   <p:cSld>
     <p:spTree>
       <p:nvGrpSpPr>
-        <p:cNvPr id="65" name="Shape 65"/>
+        <p:cNvPr id="1" name="Shape 65"/>
         <p:cNvGrpSpPr/>
         <p:nvPr/>
       </p:nvGrpSpPr>
@@ -7762,7 +7982,9 @@
       <p:sp>
         <p:nvSpPr>
           <p:cNvPr id="66" name="Shape 66"/>
-          <p:cNvSpPr txBox="1"/>
+          <p:cNvSpPr txBox="1">
+            <a:spLocks noGrp="1"/>
+          </p:cNvSpPr>
           <p:nvPr>
             <p:ph type="title"/>
           </p:nvPr>
@@ -7777,7 +7999,7 @@
           </a:prstGeom>
         </p:spPr>
         <p:txBody>
-          <a:bodyPr anchorCtr="0" anchor="ctr" bIns="91425" lIns="91425" rIns="91425" tIns="91425">
+          <a:bodyPr lIns="91425" tIns="91425" rIns="91425" bIns="91425" anchor="ctr" anchorCtr="0">
             <a:noAutofit/>
           </a:bodyPr>
           <a:lstStyle/>
@@ -7789,7 +8011,7 @@
               <a:buNone/>
             </a:pPr>
             <a:r>
-              <a:rPr b="1" lang="en"/>
+              <a:rPr lang="en" b="1"/>
               <a:t>Google Online Marketing Challenge (GOMC)</a:t>
             </a:r>
           </a:p>
@@ -7798,9 +8020,11 @@
       <p:sp>
         <p:nvSpPr>
           <p:cNvPr id="67" name="Shape 67"/>
-          <p:cNvSpPr txBox="1"/>
+          <p:cNvSpPr txBox="1">
+            <a:spLocks noGrp="1"/>
+          </p:cNvSpPr>
           <p:nvPr>
-            <p:ph idx="1" type="body"/>
+            <p:ph type="body" idx="1"/>
           </p:nvPr>
         </p:nvSpPr>
         <p:spPr>
@@ -7813,12 +8037,12 @@
           </a:prstGeom>
         </p:spPr>
         <p:txBody>
-          <a:bodyPr anchorCtr="0" anchor="ctr" bIns="91425" lIns="91425" rIns="91425" tIns="91425">
+          <a:bodyPr lIns="91425" tIns="91425" rIns="91425" bIns="91425" anchor="ctr" anchorCtr="0">
             <a:noAutofit/>
           </a:bodyPr>
           <a:lstStyle/>
           <a:p>
-            <a:pPr indent="-298450" lvl="0" marL="457200" rtl="0">
+            <a:pPr marL="457200" lvl="0" indent="-298450" rtl="0">
               <a:lnSpc>
                 <a:spcPct val="115000"/>
               </a:lnSpc>
@@ -7840,7 +8064,7 @@
             </a:r>
           </a:p>
           <a:p>
-            <a:pPr indent="-298450" lvl="0" marL="457200" rtl="0" algn="just">
+            <a:pPr marL="457200" lvl="0" indent="-298450" algn="just" rtl="0">
               <a:lnSpc>
                 <a:spcPct val="115000"/>
               </a:lnSpc>
@@ -7862,7 +8086,7 @@
             </a:r>
           </a:p>
           <a:p>
-            <a:pPr indent="-298450" lvl="0" marL="457200" rtl="0" algn="just">
+            <a:pPr marL="457200" lvl="0" indent="-298450" algn="just" rtl="0">
               <a:lnSpc>
                 <a:spcPct val="115000"/>
               </a:lnSpc>
@@ -7892,7 +8116,7 @@
             </a:r>
           </a:p>
           <a:p>
-            <a:pPr lvl="0" rtl="0" algn="just">
+            <a:pPr lvl="0" algn="just" rtl="0">
               <a:lnSpc>
                 <a:spcPct val="115000"/>
               </a:lnSpc>
@@ -7901,9 +8125,6 @@
               </a:spcBef>
               <a:buNone/>
             </a:pPr>
-            <a:r>
-              <a:t/>
-            </a:r>
             <a:endParaRPr sz="1100">
               <a:solidFill>
                 <a:srgbClr val="444444"/>
@@ -7911,7 +8132,7 @@
             </a:endParaRPr>
           </a:p>
           <a:p>
-            <a:pPr lvl="0" rtl="0" algn="ctr">
+            <a:pPr lvl="0" algn="ctr" rtl="0">
               <a:lnSpc>
                 <a:spcPct val="115000"/>
               </a:lnSpc>
@@ -7921,7 +8142,7 @@
               <a:buNone/>
             </a:pPr>
             <a:r>
-              <a:rPr b="1" lang="en">
+              <a:rPr lang="en" b="1">
                 <a:solidFill>
                   <a:schemeClr val="dk1"/>
                 </a:solidFill>
@@ -7939,17 +8160,14 @@
               </a:spcBef>
               <a:buNone/>
             </a:pPr>
-            <a:r>
-              <a:t/>
-            </a:r>
-            <a:endParaRPr b="1" sz="1100" u="sng">
+            <a:endParaRPr sz="1100" b="1" u="sng">
               <a:solidFill>
                 <a:schemeClr val="dk1"/>
               </a:solidFill>
             </a:endParaRPr>
           </a:p>
           <a:p>
-            <a:pPr indent="-298450" lvl="0" marL="457200" rtl="0" algn="just">
+            <a:pPr marL="457200" lvl="0" indent="-298450" algn="just" rtl="0">
               <a:lnSpc>
                 <a:spcPct val="115000"/>
               </a:lnSpc>
@@ -7971,7 +8189,7 @@
             </a:r>
           </a:p>
           <a:p>
-            <a:pPr indent="-298450" lvl="0" marL="457200" rtl="0" algn="just">
+            <a:pPr marL="457200" lvl="0" indent="-298450" algn="just" rtl="0">
               <a:lnSpc>
                 <a:spcPct val="115000"/>
               </a:lnSpc>
@@ -7993,7 +8211,7 @@
             </a:r>
           </a:p>
           <a:p>
-            <a:pPr indent="-298450" lvl="0" marL="457200" rtl="0" algn="just">
+            <a:pPr marL="457200" lvl="0" indent="-298450" algn="just" rtl="0">
               <a:lnSpc>
                 <a:spcPct val="115000"/>
               </a:lnSpc>
@@ -8015,7 +8233,7 @@
             </a:r>
           </a:p>
           <a:p>
-            <a:pPr indent="-298450" lvl="0" marL="457200" rtl="0" algn="just">
+            <a:pPr marL="457200" lvl="0" indent="-298450" algn="just" rtl="0">
               <a:lnSpc>
                 <a:spcPct val="115000"/>
               </a:lnSpc>
@@ -8037,7 +8255,7 @@
             </a:r>
           </a:p>
           <a:p>
-            <a:pPr lvl="0" rtl="0" algn="just">
+            <a:pPr lvl="0" algn="just" rtl="0">
               <a:lnSpc>
                 <a:spcPct val="115000"/>
               </a:lnSpc>
@@ -8046,9 +8264,6 @@
               </a:spcBef>
               <a:buNone/>
             </a:pPr>
-            <a:r>
-              <a:t/>
-            </a:r>
             <a:endParaRPr sz="1200">
               <a:solidFill>
                 <a:srgbClr val="444444"/>
@@ -8062,16 +8277,13 @@
               </a:spcBef>
               <a:buNone/>
             </a:pPr>
-            <a:r>
-              <a:t/>
-            </a:r>
             <a:endParaRPr/>
           </a:p>
         </p:txBody>
       </p:sp>
       <p:pic>
         <p:nvPicPr>
-          <p:cNvPr descr="Google AdWords.jpg" id="68" name="Shape 68"/>
+          <p:cNvPr id="68" name="Shape 68" descr="Google AdWords.jpg"/>
           <p:cNvPicPr preferRelativeResize="0"/>
           <p:nvPr/>
         </p:nvPicPr>
@@ -8106,11 +8318,11 @@
 </file>
 
 <file path=ppt/slides/slide3.xml><?xml version="1.0" encoding="utf-8"?>
-<p:sld xmlns:a="http://schemas.openxmlformats.org/drawingml/2006/main" xmlns:r="http://schemas.openxmlformats.org/officeDocument/2006/relationships" xmlns:mc="http://schemas.openxmlformats.org/markup-compatibility/2006" xmlns:mv="urn:schemas-microsoft-com:mac:vml" xmlns:p="http://schemas.openxmlformats.org/presentationml/2006/main" xmlns:c="http://schemas.openxmlformats.org/drawingml/2006/chart" xmlns:dgm="http://schemas.openxmlformats.org/drawingml/2006/diagram" xmlns:o="urn:schemas-microsoft-com:office:office" xmlns:v="urn:schemas-microsoft-com:vml" xmlns:pvml="urn:schemas-microsoft-com:office:powerpoint" xmlns:com="http://schemas.openxmlformats.org/drawingml/2006/compatibility" xmlns:p14="http://schemas.microsoft.com/office/powerpoint/2010/main">
+<p:sld xmlns:a="http://schemas.openxmlformats.org/drawingml/2006/main" xmlns:r="http://schemas.openxmlformats.org/officeDocument/2006/relationships" xmlns:p="http://schemas.openxmlformats.org/presentationml/2006/main">
   <p:cSld>
     <p:spTree>
       <p:nvGrpSpPr>
-        <p:cNvPr id="72" name="Shape 72"/>
+        <p:cNvPr id="1" name="Shape 72"/>
         <p:cNvGrpSpPr/>
         <p:nvPr/>
       </p:nvGrpSpPr>
@@ -8125,7 +8337,9 @@
       <p:sp>
         <p:nvSpPr>
           <p:cNvPr id="73" name="Shape 73"/>
-          <p:cNvSpPr txBox="1"/>
+          <p:cNvSpPr txBox="1">
+            <a:spLocks noGrp="1"/>
+          </p:cNvSpPr>
           <p:nvPr>
             <p:ph type="title"/>
           </p:nvPr>
@@ -8140,7 +8354,7 @@
           </a:prstGeom>
         </p:spPr>
         <p:txBody>
-          <a:bodyPr anchorCtr="0" anchor="ctr" bIns="91425" lIns="91425" rIns="91425" tIns="91425">
+          <a:bodyPr lIns="91425" tIns="91425" rIns="91425" bIns="91425" anchor="ctr" anchorCtr="0">
             <a:noAutofit/>
           </a:bodyPr>
           <a:lstStyle/>
@@ -8152,7 +8366,7 @@
               <a:buNone/>
             </a:pPr>
             <a:r>
-              <a:rPr b="1" lang="en"/>
+              <a:rPr lang="en" b="1"/>
               <a:t>Factors &amp; Sample Ads</a:t>
             </a:r>
           </a:p>
@@ -8160,7 +8374,7 @@
       </p:sp>
       <p:pic>
         <p:nvPicPr>
-          <p:cNvPr descr="Google AdWords.jpg" id="74" name="Shape 74"/>
+          <p:cNvPr id="74" name="Shape 74" descr="Google AdWords.jpg"/>
           <p:cNvPicPr preferRelativeResize="0"/>
           <p:nvPr/>
         </p:nvPicPr>
@@ -8279,11 +8493,11 @@
 </file>
 
 <file path=ppt/slides/slide4.xml><?xml version="1.0" encoding="utf-8"?>
-<p:sld xmlns:a="http://schemas.openxmlformats.org/drawingml/2006/main" xmlns:r="http://schemas.openxmlformats.org/officeDocument/2006/relationships" xmlns:mc="http://schemas.openxmlformats.org/markup-compatibility/2006" xmlns:mv="urn:schemas-microsoft-com:mac:vml" xmlns:p="http://schemas.openxmlformats.org/presentationml/2006/main" xmlns:c="http://schemas.openxmlformats.org/drawingml/2006/chart" xmlns:dgm="http://schemas.openxmlformats.org/drawingml/2006/diagram" xmlns:o="urn:schemas-microsoft-com:office:office" xmlns:v="urn:schemas-microsoft-com:vml" xmlns:pvml="urn:schemas-microsoft-com:office:powerpoint" xmlns:com="http://schemas.openxmlformats.org/drawingml/2006/compatibility" xmlns:p14="http://schemas.microsoft.com/office/powerpoint/2010/main">
+<p:sld xmlns:a="http://schemas.openxmlformats.org/drawingml/2006/main" xmlns:r="http://schemas.openxmlformats.org/officeDocument/2006/relationships" xmlns:p="http://schemas.openxmlformats.org/presentationml/2006/main">
   <p:cSld>
     <p:spTree>
       <p:nvGrpSpPr>
-        <p:cNvPr id="81" name="Shape 81"/>
+        <p:cNvPr id="1" name="Shape 81"/>
         <p:cNvGrpSpPr/>
         <p:nvPr/>
       </p:nvGrpSpPr>
@@ -8326,7 +8540,9 @@
       <p:sp>
         <p:nvSpPr>
           <p:cNvPr id="83" name="Shape 83"/>
-          <p:cNvSpPr txBox="1"/>
+          <p:cNvSpPr txBox="1">
+            <a:spLocks noGrp="1"/>
+          </p:cNvSpPr>
           <p:nvPr>
             <p:ph type="title"/>
           </p:nvPr>
@@ -8341,19 +8557,19 @@
           </a:prstGeom>
         </p:spPr>
         <p:txBody>
-          <a:bodyPr anchorCtr="0" anchor="ctr" bIns="91425" lIns="91425" rIns="91425" tIns="91425">
+          <a:bodyPr lIns="91425" tIns="91425" rIns="91425" bIns="91425" anchor="ctr" anchorCtr="0">
             <a:noAutofit/>
           </a:bodyPr>
           <a:lstStyle/>
           <a:p>
-            <a:pPr lvl="0" rtl="0" algn="ctr">
+            <a:pPr lvl="0" algn="ctr" rtl="0">
               <a:spcBef>
                 <a:spcPts val="0"/>
               </a:spcBef>
               <a:buNone/>
             </a:pPr>
             <a:r>
-              <a:rPr b="1" lang="en"/>
+              <a:rPr lang="en" b="1"/>
               <a:t>Blocks</a:t>
             </a:r>
           </a:p>
@@ -8417,7 +8633,7 @@
       </p:pic>
       <p:pic>
         <p:nvPicPr>
-          <p:cNvPr descr="Google AdWords.jpg" id="86" name="Shape 86"/>
+          <p:cNvPr id="86" name="Shape 86" descr="Google AdWords.jpg"/>
           <p:cNvPicPr preferRelativeResize="0"/>
           <p:nvPr/>
         </p:nvPicPr>
@@ -8452,11 +8668,11 @@
 </file>
 
 <file path=ppt/slides/slide5.xml><?xml version="1.0" encoding="utf-8"?>
-<p:sld xmlns:a="http://schemas.openxmlformats.org/drawingml/2006/main" xmlns:r="http://schemas.openxmlformats.org/officeDocument/2006/relationships" xmlns:mc="http://schemas.openxmlformats.org/markup-compatibility/2006" xmlns:mv="urn:schemas-microsoft-com:mac:vml" xmlns:p="http://schemas.openxmlformats.org/presentationml/2006/main" xmlns:c="http://schemas.openxmlformats.org/drawingml/2006/chart" xmlns:dgm="http://schemas.openxmlformats.org/drawingml/2006/diagram" xmlns:o="urn:schemas-microsoft-com:office:office" xmlns:v="urn:schemas-microsoft-com:vml" xmlns:pvml="urn:schemas-microsoft-com:office:powerpoint" xmlns:com="http://schemas.openxmlformats.org/drawingml/2006/compatibility" xmlns:p14="http://schemas.microsoft.com/office/powerpoint/2010/main">
+<p:sld xmlns:a="http://schemas.openxmlformats.org/drawingml/2006/main" xmlns:r="http://schemas.openxmlformats.org/officeDocument/2006/relationships" xmlns:p="http://schemas.openxmlformats.org/presentationml/2006/main">
   <p:cSld>
     <p:spTree>
       <p:nvGrpSpPr>
-        <p:cNvPr id="90" name="Shape 90"/>
+        <p:cNvPr id="1" name="Shape 90"/>
         <p:cNvGrpSpPr/>
         <p:nvPr/>
       </p:nvGrpSpPr>
@@ -8488,12 +8704,12 @@
           </a:ln>
         </p:spPr>
         <p:txBody>
-          <a:bodyPr anchorCtr="0" anchor="t" bIns="91425" lIns="91425" rIns="91425" tIns="91425">
+          <a:bodyPr lIns="91425" tIns="91425" rIns="91425" bIns="91425" anchor="t" anchorCtr="0">
             <a:noAutofit/>
           </a:bodyPr>
           <a:lstStyle/>
           <a:p>
-            <a:pPr indent="-254000" lvl="0" marL="457200" rtl="0">
+            <a:pPr marL="457200" lvl="0" indent="-254000" rtl="0">
               <a:lnSpc>
                 <a:spcPct val="115000"/>
               </a:lnSpc>
@@ -8515,7 +8731,7 @@
               <a:t>2</a:t>
             </a:r>
             <a:r>
-              <a:rPr baseline="30000" lang="en" sz="1800">
+              <a:rPr lang="en" sz="1800" baseline="30000">
                 <a:solidFill>
                   <a:srgbClr val="595959"/>
                 </a:solidFill>
@@ -8532,7 +8748,7 @@
             </a:r>
           </a:p>
           <a:p>
-            <a:pPr indent="457200" lvl="0" rtl="0">
+            <a:pPr lvl="0" indent="457200" rtl="0">
               <a:lnSpc>
                 <a:spcPct val="115000"/>
               </a:lnSpc>
@@ -8551,7 +8767,7 @@
             </a:r>
           </a:p>
           <a:p>
-            <a:pPr indent="-139700" lvl="0" marL="457200" rtl="0">
+            <a:pPr marL="457200" lvl="0" indent="-139700" rtl="0">
               <a:lnSpc>
                 <a:spcPct val="115000"/>
               </a:lnSpc>
@@ -8582,9 +8798,6 @@
               </a:spcBef>
               <a:buNone/>
             </a:pPr>
-            <a:r>
-              <a:t/>
-            </a:r>
             <a:endParaRPr>
               <a:solidFill>
                 <a:srgbClr val="595959"/>
@@ -8592,7 +8805,7 @@
             </a:endParaRPr>
           </a:p>
           <a:p>
-            <a:pPr indent="-139700" lvl="0" marL="457200" rtl="0">
+            <a:pPr marL="457200" lvl="0" indent="-139700" rtl="0">
               <a:lnSpc>
                 <a:spcPct val="115000"/>
               </a:lnSpc>
@@ -8610,23 +8823,7 @@
                   <a:srgbClr val="595959"/>
                 </a:solidFill>
               </a:rPr>
-              <a:t>8</a:t>
-            </a:r>
-            <a:r>
-              <a:rPr lang="en">
-                <a:solidFill>
-                  <a:srgbClr val="595959"/>
-                </a:solidFill>
-              </a:rPr>
-              <a:t>-run design = Resolution III: M</a:t>
-            </a:r>
-            <a:r>
-              <a:rPr lang="en">
-                <a:solidFill>
-                  <a:srgbClr val="595959"/>
-                </a:solidFill>
-              </a:rPr>
-              <a:t>ain effects are confounded with two way interactions</a:t>
+              <a:t>8-run design = Resolution III: Main effects are confounded with two way interactions</a:t>
             </a:r>
           </a:p>
           <a:p>
@@ -8639,9 +8836,6 @@
               </a:spcBef>
               <a:buNone/>
             </a:pPr>
-            <a:r>
-              <a:t/>
-            </a:r>
             <a:endParaRPr>
               <a:solidFill>
                 <a:srgbClr val="595959"/>
@@ -8677,9 +8871,6 @@
               </a:spcBef>
               <a:buNone/>
             </a:pPr>
-            <a:r>
-              <a:t/>
-            </a:r>
             <a:endParaRPr sz="600">
               <a:solidFill>
                 <a:srgbClr val="595959"/>
@@ -8687,7 +8878,7 @@
             </a:endParaRPr>
           </a:p>
           <a:p>
-            <a:pPr indent="-228600" lvl="0" marL="457200" rtl="0">
+            <a:pPr marL="457200" lvl="0" indent="-228600" rtl="0">
               <a:lnSpc>
                 <a:spcPct val="115000"/>
               </a:lnSpc>
@@ -8709,7 +8900,7 @@
             </a:r>
           </a:p>
           <a:p>
-            <a:pPr indent="-228600" lvl="0" marL="457200" rtl="0">
+            <a:pPr marL="457200" lvl="0" indent="-228600" rtl="0">
               <a:lnSpc>
                 <a:spcPct val="115000"/>
               </a:lnSpc>
@@ -8731,7 +8922,7 @@
             </a:r>
           </a:p>
           <a:p>
-            <a:pPr indent="-228600" lvl="0" marL="457200" rtl="0">
+            <a:pPr marL="457200" lvl="0" indent="-228600" rtl="0">
               <a:lnSpc>
                 <a:spcPct val="115000"/>
               </a:lnSpc>
@@ -8756,7 +8947,7 @@
       </p:sp>
       <p:pic>
         <p:nvPicPr>
-          <p:cNvPr descr="resolution.png" id="92" name="Shape 92"/>
+          <p:cNvPr id="92" name="Shape 92" descr="resolution.png"/>
           <p:cNvPicPr preferRelativeResize="0"/>
           <p:nvPr/>
         </p:nvPicPr>
@@ -8784,7 +8975,7 @@
       </p:pic>
       <p:pic>
         <p:nvPicPr>
-          <p:cNvPr descr="Google AdWords.jpg" id="93" name="Shape 93"/>
+          <p:cNvPr id="93" name="Shape 93" descr="Google AdWords.jpg"/>
           <p:cNvPicPr preferRelativeResize="0"/>
           <p:nvPr/>
         </p:nvPicPr>
@@ -8819,11 +9010,11 @@
 </file>
 
 <file path=ppt/slides/slide6.xml><?xml version="1.0" encoding="utf-8"?>
-<p:sld xmlns:a="http://schemas.openxmlformats.org/drawingml/2006/main" xmlns:r="http://schemas.openxmlformats.org/officeDocument/2006/relationships" xmlns:mc="http://schemas.openxmlformats.org/markup-compatibility/2006" xmlns:mv="urn:schemas-microsoft-com:mac:vml" xmlns:p="http://schemas.openxmlformats.org/presentationml/2006/main" xmlns:c="http://schemas.openxmlformats.org/drawingml/2006/chart" xmlns:dgm="http://schemas.openxmlformats.org/drawingml/2006/diagram" xmlns:o="urn:schemas-microsoft-com:office:office" xmlns:v="urn:schemas-microsoft-com:vml" xmlns:pvml="urn:schemas-microsoft-com:office:powerpoint" xmlns:com="http://schemas.openxmlformats.org/drawingml/2006/compatibility" xmlns:p14="http://schemas.microsoft.com/office/powerpoint/2010/main">
+<p:sld xmlns:a="http://schemas.openxmlformats.org/drawingml/2006/main" xmlns:r="http://schemas.openxmlformats.org/officeDocument/2006/relationships" xmlns:p="http://schemas.openxmlformats.org/presentationml/2006/main">
   <p:cSld>
     <p:spTree>
       <p:nvGrpSpPr>
-        <p:cNvPr id="97" name="Shape 97"/>
+        <p:cNvPr id="1" name="Shape 97"/>
         <p:cNvGrpSpPr/>
         <p:nvPr/>
       </p:nvGrpSpPr>
@@ -8865,7 +9056,7 @@
       </p:pic>
       <p:pic>
         <p:nvPicPr>
-          <p:cNvPr descr="Google AdWords.jpg" id="99" name="Shape 99"/>
+          <p:cNvPr id="99" name="Shape 99" descr="Google AdWords.jpg"/>
           <p:cNvPicPr preferRelativeResize="0"/>
           <p:nvPr/>
         </p:nvPicPr>
@@ -8928,11 +9119,11 @@
 </file>
 
 <file path=ppt/slides/slide7.xml><?xml version="1.0" encoding="utf-8"?>
-<p:sld xmlns:a="http://schemas.openxmlformats.org/drawingml/2006/main" xmlns:r="http://schemas.openxmlformats.org/officeDocument/2006/relationships" xmlns:mc="http://schemas.openxmlformats.org/markup-compatibility/2006" xmlns:mv="urn:schemas-microsoft-com:mac:vml" xmlns:p="http://schemas.openxmlformats.org/presentationml/2006/main" xmlns:c="http://schemas.openxmlformats.org/drawingml/2006/chart" xmlns:dgm="http://schemas.openxmlformats.org/drawingml/2006/diagram" xmlns:o="urn:schemas-microsoft-com:office:office" xmlns:v="urn:schemas-microsoft-com:vml" xmlns:pvml="urn:schemas-microsoft-com:office:powerpoint" xmlns:com="http://schemas.openxmlformats.org/drawingml/2006/compatibility" xmlns:p14="http://schemas.microsoft.com/office/powerpoint/2010/main">
+<p:sld xmlns:a="http://schemas.openxmlformats.org/drawingml/2006/main" xmlns:r="http://schemas.openxmlformats.org/officeDocument/2006/relationships" xmlns:p="http://schemas.openxmlformats.org/presentationml/2006/main">
   <p:cSld>
     <p:spTree>
       <p:nvGrpSpPr>
-        <p:cNvPr id="104" name="Shape 104"/>
+        <p:cNvPr id="1" name="Shape 104"/>
         <p:cNvGrpSpPr/>
         <p:nvPr/>
       </p:nvGrpSpPr>
@@ -8947,7 +9138,9 @@
       <p:sp>
         <p:nvSpPr>
           <p:cNvPr id="105" name="Shape 105"/>
-          <p:cNvSpPr txBox="1"/>
+          <p:cNvSpPr txBox="1">
+            <a:spLocks noGrp="1"/>
+          </p:cNvSpPr>
           <p:nvPr>
             <p:ph type="title"/>
           </p:nvPr>
@@ -8962,7 +9155,7 @@
           </a:prstGeom>
         </p:spPr>
         <p:txBody>
-          <a:bodyPr anchorCtr="0" anchor="ctr" bIns="91425" lIns="91425" rIns="91425" tIns="91425">
+          <a:bodyPr lIns="91425" tIns="91425" rIns="91425" bIns="91425" anchor="ctr" anchorCtr="0">
             <a:noAutofit/>
           </a:bodyPr>
           <a:lstStyle/>
@@ -8974,7 +9167,7 @@
               <a:buNone/>
             </a:pPr>
             <a:r>
-              <a:rPr b="1" lang="en"/>
+              <a:rPr lang="en" b="1"/>
               <a:t>Evaluation of Results</a:t>
             </a:r>
           </a:p>
@@ -8983,9 +9176,11 @@
       <p:sp>
         <p:nvSpPr>
           <p:cNvPr id="106" name="Shape 106"/>
-          <p:cNvSpPr txBox="1"/>
+          <p:cNvSpPr txBox="1">
+            <a:spLocks noGrp="1"/>
+          </p:cNvSpPr>
           <p:nvPr>
-            <p:ph idx="1" type="body"/>
+            <p:ph type="body" idx="1"/>
           </p:nvPr>
         </p:nvSpPr>
         <p:spPr>
@@ -8998,7 +9193,7 @@
           </a:prstGeom>
         </p:spPr>
         <p:txBody>
-          <a:bodyPr anchorCtr="0" anchor="ctr" bIns="91425" lIns="91425" rIns="91425" tIns="91425">
+          <a:bodyPr lIns="91425" tIns="91425" rIns="91425" bIns="91425" anchor="ctr" anchorCtr="0">
             <a:noAutofit/>
           </a:bodyPr>
           <a:lstStyle/>
@@ -9030,9 +9225,6 @@
               </a:spcBef>
               <a:buNone/>
             </a:pPr>
-            <a:r>
-              <a:t/>
-            </a:r>
             <a:endParaRPr/>
           </a:p>
           <a:p>
@@ -9100,7 +9292,7 @@
       </p:sp>
       <p:pic>
         <p:nvPicPr>
-          <p:cNvPr descr="Google AdWords.jpg" id="107" name="Shape 107"/>
+          <p:cNvPr id="107" name="Shape 107" descr="Google AdWords.jpg"/>
           <p:cNvPicPr preferRelativeResize="0"/>
           <p:nvPr/>
         </p:nvPicPr>
@@ -9156,7 +9348,7 @@
       </p:pic>
       <p:pic>
         <p:nvPicPr>
-          <p:cNvPr descr="significance.PNG" id="109" name="Shape 109"/>
+          <p:cNvPr id="109" name="Shape 109" descr="significance.PNG"/>
           <p:cNvPicPr preferRelativeResize="0"/>
           <p:nvPr/>
         </p:nvPicPr>
@@ -9191,11 +9383,11 @@
 </file>
 
 <file path=ppt/slides/slide8.xml><?xml version="1.0" encoding="utf-8"?>
-<p:sld xmlns:a="http://schemas.openxmlformats.org/drawingml/2006/main" xmlns:r="http://schemas.openxmlformats.org/officeDocument/2006/relationships" xmlns:mc="http://schemas.openxmlformats.org/markup-compatibility/2006" xmlns:mv="urn:schemas-microsoft-com:mac:vml" xmlns:p="http://schemas.openxmlformats.org/presentationml/2006/main" xmlns:c="http://schemas.openxmlformats.org/drawingml/2006/chart" xmlns:dgm="http://schemas.openxmlformats.org/drawingml/2006/diagram" xmlns:o="urn:schemas-microsoft-com:office:office" xmlns:v="urn:schemas-microsoft-com:vml" xmlns:pvml="urn:schemas-microsoft-com:office:powerpoint" xmlns:com="http://schemas.openxmlformats.org/drawingml/2006/compatibility" xmlns:p14="http://schemas.microsoft.com/office/powerpoint/2010/main">
+<p:sld xmlns:a="http://schemas.openxmlformats.org/drawingml/2006/main" xmlns:r="http://schemas.openxmlformats.org/officeDocument/2006/relationships" xmlns:p="http://schemas.openxmlformats.org/presentationml/2006/main">
   <p:cSld>
     <p:spTree>
       <p:nvGrpSpPr>
-        <p:cNvPr id="113" name="Shape 113"/>
+        <p:cNvPr id="1" name="Shape 113"/>
         <p:cNvGrpSpPr/>
         <p:nvPr/>
       </p:nvGrpSpPr>
@@ -9210,9 +9402,11 @@
       <p:sp>
         <p:nvSpPr>
           <p:cNvPr id="114" name="Shape 114"/>
-          <p:cNvSpPr txBox="1"/>
+          <p:cNvSpPr txBox="1">
+            <a:spLocks noGrp="1"/>
+          </p:cNvSpPr>
           <p:nvPr>
-            <p:ph idx="1" type="body"/>
+            <p:ph type="body" idx="1"/>
           </p:nvPr>
         </p:nvSpPr>
         <p:spPr>
@@ -9225,7 +9419,7 @@
           </a:prstGeom>
         </p:spPr>
         <p:txBody>
-          <a:bodyPr anchorCtr="0" anchor="t" bIns="91425" lIns="91425" rIns="91425" tIns="91425">
+          <a:bodyPr lIns="91425" tIns="91425" rIns="91425" bIns="91425" anchor="t" anchorCtr="0">
             <a:noAutofit/>
           </a:bodyPr>
           <a:lstStyle/>
@@ -9236,9 +9430,6 @@
               </a:spcBef>
               <a:buNone/>
             </a:pPr>
-            <a:r>
-              <a:t/>
-            </a:r>
             <a:endParaRPr/>
           </a:p>
           <a:p>
@@ -9248,9 +9439,6 @@
               </a:spcBef>
               <a:buNone/>
             </a:pPr>
-            <a:r>
-              <a:t/>
-            </a:r>
             <a:endParaRPr/>
           </a:p>
           <a:p>
@@ -9260,9 +9448,6 @@
               </a:spcBef>
               <a:buNone/>
             </a:pPr>
-            <a:r>
-              <a:t/>
-            </a:r>
             <a:endParaRPr/>
           </a:p>
           <a:p>
@@ -9272,9 +9457,6 @@
               </a:spcBef>
               <a:buNone/>
             </a:pPr>
-            <a:r>
-              <a:t/>
-            </a:r>
             <a:endParaRPr/>
           </a:p>
           <a:p>
@@ -9284,9 +9466,6 @@
               </a:spcBef>
               <a:buNone/>
             </a:pPr>
-            <a:r>
-              <a:t/>
-            </a:r>
             <a:endParaRPr/>
           </a:p>
           <a:p>
@@ -9296,9 +9475,6 @@
               </a:spcBef>
               <a:buNone/>
             </a:pPr>
-            <a:r>
-              <a:t/>
-            </a:r>
             <a:endParaRPr/>
           </a:p>
           <a:p>
@@ -9308,16 +9484,13 @@
               </a:spcBef>
               <a:buNone/>
             </a:pPr>
-            <a:r>
-              <a:t/>
-            </a:r>
             <a:endParaRPr/>
           </a:p>
         </p:txBody>
       </p:sp>
       <p:pic>
         <p:nvPicPr>
-          <p:cNvPr descr="Google AdWords.jpg" id="115" name="Shape 115"/>
+          <p:cNvPr id="115" name="Shape 115" descr="Google AdWords.jpg"/>
           <p:cNvPicPr preferRelativeResize="0"/>
           <p:nvPr/>
         </p:nvPicPr>
@@ -9345,7 +9518,7 @@
       </p:pic>
       <p:pic>
         <p:nvPicPr>
-          <p:cNvPr descr="Pareto.PNG" id="116" name="Shape 116"/>
+          <p:cNvPr id="116" name="Shape 116" descr="Pareto.PNG"/>
           <p:cNvPicPr preferRelativeResize="0"/>
           <p:nvPr/>
         </p:nvPicPr>
@@ -9391,7 +9564,7 @@
           </a:ln>
         </p:spPr>
         <p:txBody>
-          <a:bodyPr anchorCtr="0" anchor="t" bIns="91425" lIns="91425" rIns="91425" tIns="91425">
+          <a:bodyPr lIns="91425" tIns="91425" rIns="91425" bIns="91425" anchor="t" anchorCtr="0">
             <a:noAutofit/>
           </a:bodyPr>
           <a:lstStyle/>
@@ -9421,11 +9594,11 @@
 </file>
 
 <file path=ppt/slides/slide9.xml><?xml version="1.0" encoding="utf-8"?>
-<p:sld xmlns:a="http://schemas.openxmlformats.org/drawingml/2006/main" xmlns:r="http://schemas.openxmlformats.org/officeDocument/2006/relationships" xmlns:mc="http://schemas.openxmlformats.org/markup-compatibility/2006" xmlns:mv="urn:schemas-microsoft-com:mac:vml" xmlns:p="http://schemas.openxmlformats.org/presentationml/2006/main" xmlns:c="http://schemas.openxmlformats.org/drawingml/2006/chart" xmlns:dgm="http://schemas.openxmlformats.org/drawingml/2006/diagram" xmlns:o="urn:schemas-microsoft-com:office:office" xmlns:v="urn:schemas-microsoft-com:vml" xmlns:pvml="urn:schemas-microsoft-com:office:powerpoint" xmlns:com="http://schemas.openxmlformats.org/drawingml/2006/compatibility" xmlns:p14="http://schemas.microsoft.com/office/powerpoint/2010/main">
+<p:sld xmlns:a="http://schemas.openxmlformats.org/drawingml/2006/main" xmlns:r="http://schemas.openxmlformats.org/officeDocument/2006/relationships" xmlns:p="http://schemas.openxmlformats.org/presentationml/2006/main">
   <p:cSld>
     <p:spTree>
       <p:nvGrpSpPr>
-        <p:cNvPr id="121" name="Shape 121"/>
+        <p:cNvPr id="1" name="Shape 121"/>
         <p:cNvGrpSpPr/>
         <p:nvPr/>
       </p:nvGrpSpPr>
@@ -9440,7 +9613,9 @@
       <p:sp>
         <p:nvSpPr>
           <p:cNvPr id="122" name="Shape 122"/>
-          <p:cNvSpPr txBox="1"/>
+          <p:cNvSpPr txBox="1">
+            <a:spLocks noGrp="1"/>
+          </p:cNvSpPr>
           <p:nvPr>
             <p:ph type="title"/>
           </p:nvPr>
@@ -9455,7 +9630,7 @@
           </a:prstGeom>
         </p:spPr>
         <p:txBody>
-          <a:bodyPr anchorCtr="0" anchor="ctr" bIns="91425" lIns="91425" rIns="91425" tIns="91425">
+          <a:bodyPr lIns="91425" tIns="91425" rIns="91425" bIns="91425" anchor="ctr" anchorCtr="0">
             <a:noAutofit/>
           </a:bodyPr>
           <a:lstStyle/>
@@ -9467,7 +9642,7 @@
               <a:buNone/>
             </a:pPr>
             <a:r>
-              <a:rPr b="1" lang="en"/>
+              <a:rPr lang="en" b="1"/>
               <a:t>Model</a:t>
             </a:r>
           </a:p>
@@ -9476,9 +9651,11 @@
       <p:sp>
         <p:nvSpPr>
           <p:cNvPr id="123" name="Shape 123"/>
-          <p:cNvSpPr txBox="1"/>
+          <p:cNvSpPr txBox="1">
+            <a:spLocks noGrp="1"/>
+          </p:cNvSpPr>
           <p:nvPr>
-            <p:ph idx="1" type="body"/>
+            <p:ph type="body" idx="1"/>
           </p:nvPr>
         </p:nvSpPr>
         <p:spPr>
@@ -9491,7 +9668,7 @@
           </a:prstGeom>
         </p:spPr>
         <p:txBody>
-          <a:bodyPr anchorCtr="0" anchor="ctr" bIns="91425" lIns="91425" rIns="91425" tIns="91425">
+          <a:bodyPr lIns="91425" tIns="91425" rIns="91425" bIns="91425" anchor="ctr" anchorCtr="0">
             <a:noAutofit/>
           </a:bodyPr>
           <a:lstStyle/>
@@ -9503,7 +9680,7 @@
               <a:buNone/>
             </a:pPr>
             <a:r>
-              <a:rPr b="1" lang="en"/>
+              <a:rPr lang="en" b="1"/>
               <a:t>Model Equation:</a:t>
             </a:r>
           </a:p>
@@ -9514,9 +9691,6 @@
               </a:spcBef>
               <a:buNone/>
             </a:pPr>
-            <a:r>
-              <a:t/>
-            </a:r>
             <a:endParaRPr/>
           </a:p>
           <a:p>
@@ -9563,7 +9737,7 @@
       </p:pic>
       <p:pic>
         <p:nvPicPr>
-          <p:cNvPr descr="Google AdWords.jpg" id="125" name="Shape 125"/>
+          <p:cNvPr id="125" name="Shape 125" descr="Google AdWords.jpg"/>
           <p:cNvPicPr preferRelativeResize="0"/>
           <p:nvPr/>
         </p:nvPicPr>
@@ -9598,7 +9772,7 @@
 </file>
 
 <file path=ppt/theme/theme1.xml><?xml version="1.0" encoding="utf-8"?>
-<a:theme xmlns:a="http://schemas.openxmlformats.org/drawingml/2006/main" xmlns:r="http://schemas.openxmlformats.org/officeDocument/2006/relationships" name="Content - No Photos">
+<a:theme xmlns:a="http://schemas.openxmlformats.org/drawingml/2006/main" name="Content - No Photos">
   <a:themeElements>
     <a:clrScheme name="Office">
       <a:dk1>
@@ -9873,11 +10047,13 @@
       </a:bgFillStyleLst>
     </a:fmtScheme>
   </a:themeElements>
+  <a:objectDefaults/>
+  <a:extraClrSchemeLst/>
 </a:theme>
 </file>
 
 <file path=ppt/theme/theme2.xml><?xml version="1.0" encoding="utf-8"?>
-<a:theme xmlns:a="http://schemas.openxmlformats.org/drawingml/2006/main" xmlns:r="http://schemas.openxmlformats.org/officeDocument/2006/relationships" name="Custom Theme">
+<a:theme xmlns:a="http://schemas.openxmlformats.org/drawingml/2006/main" name="Custom Theme">
   <a:themeElements>
     <a:clrScheme name="Default">
       <a:dk1>
@@ -10152,5 +10328,7 @@
       </a:bgFillStyleLst>
     </a:fmtScheme>
   </a:themeElements>
+  <a:objectDefaults/>
+  <a:extraClrSchemeLst/>
 </a:theme>
 </file>